--- a/Projet-Linux.pptx
+++ b/Projet-Linux.pptx
@@ -1130,6 +1130,142 @@
           <a:bodyPr/>
           <a:lstStyle/>
           <a:p>
+            <a:r>
+              <a:rPr lang="fr-FR" dirty="0"/>
+              <a:t>CAP_NET : donner la cap de </a:t>
+            </a:r>
+            <a:r>
+              <a:rPr lang="fr-FR" dirty="0" err="1"/>
+              <a:t>bind</a:t>
+            </a:r>
+            <a:r>
+              <a:rPr lang="fr-FR" dirty="0"/>
+              <a:t> sur des ports </a:t>
+            </a:r>
+            <a:r>
+              <a:rPr lang="fr-FR" dirty="0" err="1"/>
+              <a:t>priviliégiés</a:t>
+            </a:r>
+            <a:endParaRPr lang="fr-FR" dirty="0"/>
+          </a:p>
+          <a:p>
+            <a:endParaRPr lang="fr-FR" dirty="0"/>
+          </a:p>
+          <a:p>
+            <a:r>
+              <a:rPr lang="fr-FR" dirty="0"/>
+              <a:t>On fait des règles </a:t>
+            </a:r>
+            <a:r>
+              <a:rPr lang="fr-FR" dirty="0" err="1"/>
+              <a:t>iptables</a:t>
+            </a:r>
+            <a:r>
+              <a:rPr lang="fr-FR" dirty="0"/>
+              <a:t> pour rediriger les </a:t>
+            </a:r>
+            <a:r>
+              <a:rPr lang="fr-FR" dirty="0" err="1"/>
+              <a:t>co</a:t>
+            </a:r>
+            <a:r>
+              <a:rPr lang="fr-FR" dirty="0"/>
+              <a:t> sur le port 80 sur des ports non privilégiés</a:t>
+            </a:r>
+            <a:endParaRPr lang="en-GB" dirty="0"/>
+          </a:p>
+        </p:txBody>
+      </p:sp>
+      <p:sp>
+        <p:nvSpPr>
+          <p:cNvPr id="4" name="Espace réservé du numéro de diapositive 3"/>
+          <p:cNvSpPr>
+            <a:spLocks noGrp="1"/>
+          </p:cNvSpPr>
+          <p:nvPr>
+            <p:ph type="sldNum"/>
+          </p:nvPr>
+        </p:nvSpPr>
+        <p:spPr/>
+        <p:txBody>
+          <a:bodyPr/>
+          <a:lstStyle/>
+          <a:p>
+            <a:pPr algn="r"/>
+            <a:fld id="{93A85CC7-67EA-45B6-9C49-C852AF51F82B}" type="slidenum">
+              <a:rPr lang="fr-FR" sz="1400" b="0" strike="noStrike" spc="-1" smtClean="0">
+                <a:latin typeface="Times New Roman"/>
+              </a:rPr>
+              <a:t>13</a:t>
+            </a:fld>
+            <a:endParaRPr lang="fr-FR" sz="1400" b="0" strike="noStrike" spc="-1">
+              <a:latin typeface="Times New Roman"/>
+            </a:endParaRPr>
+          </a:p>
+        </p:txBody>
+      </p:sp>
+    </p:spTree>
+    <p:extLst>
+      <p:ext uri="{BB962C8B-B14F-4D97-AF65-F5344CB8AC3E}">
+        <p14:creationId xmlns:p14="http://schemas.microsoft.com/office/powerpoint/2010/main" val="1380484148"/>
+      </p:ext>
+    </p:extLst>
+  </p:cSld>
+  <p:clrMapOvr>
+    <a:masterClrMapping/>
+  </p:clrMapOvr>
+</p:notes>
+</file>
+
+<file path=ppt/notesSlides/notesSlide6.xml><?xml version="1.0" encoding="utf-8"?>
+<p:notes xmlns:a="http://schemas.openxmlformats.org/drawingml/2006/main" xmlns:r="http://schemas.openxmlformats.org/officeDocument/2006/relationships" xmlns:p="http://schemas.openxmlformats.org/presentationml/2006/main">
+  <p:cSld>
+    <p:spTree>
+      <p:nvGrpSpPr>
+        <p:cNvPr id="1" name=""/>
+        <p:cNvGrpSpPr/>
+        <p:nvPr/>
+      </p:nvGrpSpPr>
+      <p:grpSpPr>
+        <a:xfrm>
+          <a:off x="0" y="0"/>
+          <a:ext cx="0" cy="0"/>
+          <a:chOff x="0" y="0"/>
+          <a:chExt cx="0" cy="0"/>
+        </a:xfrm>
+      </p:grpSpPr>
+      <p:sp>
+        <p:nvSpPr>
+          <p:cNvPr id="2" name="Espace réservé de l'image des diapositives 1"/>
+          <p:cNvSpPr>
+            <a:spLocks noGrp="1" noRot="1" noChangeAspect="1"/>
+          </p:cNvSpPr>
+          <p:nvPr>
+            <p:ph type="sldImg"/>
+          </p:nvPr>
+        </p:nvSpPr>
+        <p:spPr>
+          <a:xfrm>
+            <a:off x="217488" y="812800"/>
+            <a:ext cx="7124700" cy="4008438"/>
+          </a:xfrm>
+        </p:spPr>
+      </p:sp>
+      <p:sp>
+        <p:nvSpPr>
+          <p:cNvPr id="3" name="Espace réservé des notes 2"/>
+          <p:cNvSpPr>
+            <a:spLocks noGrp="1"/>
+          </p:cNvSpPr>
+          <p:nvPr>
+            <p:ph type="body" idx="1"/>
+          </p:nvPr>
+        </p:nvSpPr>
+        <p:spPr/>
+        <p:txBody>
+          <a:bodyPr/>
+          <a:lstStyle/>
+          <a:p>
             <a:pPr marL="0" marR="0" lvl="0" indent="0" algn="l" defTabSz="914400" rtl="0" eaLnBrk="1" fontAlgn="auto" latinLnBrk="0" hangingPunct="1">
               <a:lnSpc>
                 <a:spcPct val="100000"/>
@@ -1291,7 +1427,7 @@
 </p:notes>
 </file>
 
-<file path=ppt/notesSlides/notesSlide6.xml><?xml version="1.0" encoding="utf-8"?>
+<file path=ppt/notesSlides/notesSlide7.xml><?xml version="1.0" encoding="utf-8"?>
 <p:notes xmlns:a="http://schemas.openxmlformats.org/drawingml/2006/main" xmlns:r="http://schemas.openxmlformats.org/officeDocument/2006/relationships" xmlns:p="http://schemas.openxmlformats.org/presentationml/2006/main">
   <p:cSld>
     <p:spTree>
@@ -8438,58 +8574,31 @@
           <a:lstStyle/>
           <a:p>
             <a:r>
-              <a:rPr lang="fr-FR" sz="2800" b="1" u="sng" dirty="0">
-                <a:ln w="6600">
-                  <a:solidFill>
-                    <a:schemeClr val="accent2"/>
-                  </a:solidFill>
-                  <a:prstDash val="solid"/>
-                </a:ln>
+              <a:rPr lang="fr-FR" sz="2800" u="sng" dirty="0">
                 <a:solidFill>
-                  <a:srgbClr val="FFFFFF"/>
+                  <a:schemeClr val="accent2">
+                    <a:lumMod val="75000"/>
+                  </a:schemeClr>
                 </a:solidFill>
-                <a:effectLst>
-                  <a:outerShdw dist="38100" dir="2700000" algn="tl" rotWithShape="0">
-                    <a:schemeClr val="accent2"/>
-                  </a:outerShdw>
-                </a:effectLst>
               </a:rPr>
               <a:t>5</a:t>
             </a:r>
             <a:r>
-              <a:rPr lang="fr-FR" sz="3600" b="1" u="sng" dirty="0">
-                <a:ln w="6600">
-                  <a:solidFill>
-                    <a:schemeClr val="accent2"/>
-                  </a:solidFill>
-                  <a:prstDash val="solid"/>
-                </a:ln>
+              <a:rPr lang="fr-FR" sz="3600" u="sng" dirty="0">
                 <a:solidFill>
-                  <a:srgbClr val="FFFFFF"/>
+                  <a:schemeClr val="accent2">
+                    <a:lumMod val="75000"/>
+                  </a:schemeClr>
                 </a:solidFill>
-                <a:effectLst>
-                  <a:outerShdw dist="38100" dir="2700000" algn="tl" rotWithShape="0">
-                    <a:schemeClr val="accent2"/>
-                  </a:outerShdw>
-                </a:effectLst>
               </a:rPr>
               <a:t>. Docker</a:t>
             </a:r>
-            <a:endParaRPr lang="en-GB" sz="2800" b="1" u="sng" dirty="0">
-              <a:ln w="6600">
-                <a:solidFill>
-                  <a:schemeClr val="accent2"/>
-                </a:solidFill>
-                <a:prstDash val="solid"/>
-              </a:ln>
+            <a:endParaRPr lang="en-GB" sz="2800" u="sng" dirty="0">
               <a:solidFill>
-                <a:srgbClr val="FFFFFF"/>
+                <a:schemeClr val="accent2">
+                  <a:lumMod val="75000"/>
+                </a:schemeClr>
               </a:solidFill>
-              <a:effectLst>
-                <a:outerShdw dist="38100" dir="2700000" algn="tl" rotWithShape="0">
-                  <a:schemeClr val="accent2"/>
-                </a:outerShdw>
-              </a:effectLst>
             </a:endParaRPr>
           </a:p>
         </p:txBody>
@@ -8655,40 +8764,22 @@
               <a:buChar char="Ø"/>
             </a:pPr>
             <a:r>
-              <a:rPr lang="fr-FR" sz="2000" b="1" dirty="0" err="1">
-                <a:ln w="6600">
-                  <a:solidFill>
-                    <a:schemeClr val="accent2"/>
-                  </a:solidFill>
-                  <a:prstDash val="solid"/>
-                </a:ln>
+              <a:rPr lang="fr-FR" sz="2000" dirty="0" err="1">
                 <a:solidFill>
-                  <a:srgbClr val="FFFFFF"/>
+                  <a:schemeClr val="accent2">
+                    <a:lumMod val="75000"/>
+                  </a:schemeClr>
                 </a:solidFill>
-                <a:effectLst>
-                  <a:outerShdw dist="38100" dir="2700000" algn="tl" rotWithShape="0">
-                    <a:schemeClr val="accent2"/>
-                  </a:outerShdw>
-                </a:effectLst>
               </a:rPr>
               <a:t>Privileged</a:t>
             </a:r>
             <a:r>
-              <a:rPr lang="fr-FR" sz="2000" b="1" dirty="0">
-                <a:ln w="6600">
-                  <a:solidFill>
-                    <a:schemeClr val="accent2"/>
-                  </a:solidFill>
-                  <a:prstDash val="solid"/>
-                </a:ln>
+              <a:rPr lang="fr-FR" sz="2000" dirty="0">
                 <a:solidFill>
-                  <a:srgbClr val="FFFFFF"/>
+                  <a:schemeClr val="accent2">
+                    <a:lumMod val="75000"/>
+                  </a:schemeClr>
                 </a:solidFill>
-                <a:effectLst>
-                  <a:outerShdw dist="38100" dir="2700000" algn="tl" rotWithShape="0">
-                    <a:schemeClr val="accent2"/>
-                  </a:outerShdw>
-                </a:effectLst>
               </a:rPr>
               <a:t> Mode</a:t>
             </a:r>
@@ -8699,21 +8790,12 @@
               <a:buChar char="Ø"/>
             </a:pPr>
             <a:r>
-              <a:rPr lang="fr-FR" sz="2000" b="1" dirty="0">
-                <a:ln w="6600">
-                  <a:solidFill>
-                    <a:schemeClr val="accent2"/>
-                  </a:solidFill>
-                  <a:prstDash val="solid"/>
-                </a:ln>
+              <a:rPr lang="fr-FR" sz="2000" dirty="0">
                 <a:solidFill>
-                  <a:srgbClr val="FFFFFF"/>
+                  <a:schemeClr val="accent2">
+                    <a:lumMod val="75000"/>
+                  </a:schemeClr>
                 </a:solidFill>
-                <a:effectLst>
-                  <a:outerShdw dist="38100" dir="2700000" algn="tl" rotWithShape="0">
-                    <a:schemeClr val="accent2"/>
-                  </a:outerShdw>
-                </a:effectLst>
               </a:rPr>
               <a:t>Container Jailbreak</a:t>
             </a:r>
@@ -8724,39 +8806,21 @@
               <a:buChar char="Ø"/>
             </a:pPr>
             <a:r>
-              <a:rPr lang="fr-FR" sz="2000" b="1" dirty="0">
-                <a:ln w="6600">
-                  <a:solidFill>
-                    <a:schemeClr val="accent2"/>
-                  </a:solidFill>
-                  <a:prstDash val="solid"/>
-                </a:ln>
+              <a:rPr lang="fr-FR" sz="2000" dirty="0">
                 <a:solidFill>
-                  <a:srgbClr val="FFFFFF"/>
+                  <a:schemeClr val="accent2">
+                    <a:lumMod val="75000"/>
+                  </a:schemeClr>
                 </a:solidFill>
-                <a:effectLst>
-                  <a:outerShdw dist="38100" dir="2700000" algn="tl" rotWithShape="0">
-                    <a:schemeClr val="accent2"/>
-                  </a:outerShdw>
-                </a:effectLst>
               </a:rPr>
               <a:t>Port 80:80 Default page</a:t>
             </a:r>
-            <a:endParaRPr lang="en-GB" b="1" dirty="0">
-              <a:ln w="6600">
-                <a:solidFill>
-                  <a:schemeClr val="accent2"/>
-                </a:solidFill>
-                <a:prstDash val="solid"/>
-              </a:ln>
+            <a:endParaRPr lang="en-GB" dirty="0">
               <a:solidFill>
-                <a:srgbClr val="FFFFFF"/>
+                <a:schemeClr val="accent2">
+                  <a:lumMod val="75000"/>
+                </a:schemeClr>
               </a:solidFill>
-              <a:effectLst>
-                <a:outerShdw dist="38100" dir="2700000" algn="tl" rotWithShape="0">
-                  <a:schemeClr val="accent2"/>
-                </a:outerShdw>
-              </a:effectLst>
             </a:endParaRPr>
           </a:p>
         </p:txBody>
@@ -9071,7 +9135,19 @@
           <p:nvPr/>
         </p:nvPicPr>
         <p:blipFill>
-          <a:blip r:embed="rId2"/>
+          <a:blip r:embed="rId2">
+            <a:extLst>
+              <a:ext uri="{BEBA8EAE-BF5A-486C-A8C5-ECC9F3942E4B}">
+                <a14:imgProps xmlns:a14="http://schemas.microsoft.com/office/drawing/2010/main">
+                  <a14:imgLayer r:embed="rId3">
+                    <a14:imgEffect>
+                      <a14:brightnessContrast bright="40000" contrast="100000"/>
+                    </a14:imgEffect>
+                  </a14:imgLayer>
+                </a14:imgProps>
+              </a:ext>
+            </a:extLst>
+          </a:blip>
           <a:stretch>
             <a:fillRect/>
           </a:stretch>
@@ -9099,7 +9175,22 @@
           <p:nvPr/>
         </p:nvPicPr>
         <p:blipFill>
-          <a:blip r:embed="rId3"/>
+          <a:blip r:embed="rId4">
+            <a:extLst>
+              <a:ext uri="{BEBA8EAE-BF5A-486C-A8C5-ECC9F3942E4B}">
+                <a14:imgProps xmlns:a14="http://schemas.microsoft.com/office/drawing/2010/main">
+                  <a14:imgLayer r:embed="rId5">
+                    <a14:imgEffect>
+                      <a14:sharpenSoften amount="100000"/>
+                    </a14:imgEffect>
+                    <a14:imgEffect>
+                      <a14:brightnessContrast bright="5000" contrast="100000"/>
+                    </a14:imgEffect>
+                  </a14:imgLayer>
+                </a14:imgProps>
+              </a:ext>
+            </a:extLst>
+          </a:blip>
           <a:stretch>
             <a:fillRect/>
           </a:stretch>
@@ -9127,7 +9218,19 @@
           <p:nvPr/>
         </p:nvPicPr>
         <p:blipFill>
-          <a:blip r:embed="rId4"/>
+          <a:blip r:embed="rId6">
+            <a:extLst>
+              <a:ext uri="{BEBA8EAE-BF5A-486C-A8C5-ECC9F3942E4B}">
+                <a14:imgProps xmlns:a14="http://schemas.microsoft.com/office/drawing/2010/main">
+                  <a14:imgLayer r:embed="rId7">
+                    <a14:imgEffect>
+                      <a14:brightnessContrast contrast="100000"/>
+                    </a14:imgEffect>
+                  </a14:imgLayer>
+                </a14:imgProps>
+              </a:ext>
+            </a:extLst>
+          </a:blip>
           <a:stretch>
             <a:fillRect/>
           </a:stretch>
@@ -9157,7 +9260,7 @@
           <p:nvPr/>
         </p:nvPicPr>
         <p:blipFill>
-          <a:blip r:embed="rId5">
+          <a:blip r:embed="rId8">
             <a:extLst>
               <a:ext uri="{28A0092B-C50C-407E-A947-70E740481C1C}">
                 <a14:useLocalDpi xmlns:a14="http://schemas.microsoft.com/office/drawing/2010/main" val="0"/>
@@ -9270,7 +9373,19 @@
           <p:nvPr/>
         </p:nvPicPr>
         <p:blipFill>
-          <a:blip r:embed="rId6"/>
+          <a:blip r:embed="rId9">
+            <a:extLst>
+              <a:ext uri="{BEBA8EAE-BF5A-486C-A8C5-ECC9F3942E4B}">
+                <a14:imgProps xmlns:a14="http://schemas.microsoft.com/office/drawing/2010/main">
+                  <a14:imgLayer r:embed="rId10">
+                    <a14:imgEffect>
+                      <a14:brightnessContrast bright="40000" contrast="100000"/>
+                    </a14:imgEffect>
+                  </a14:imgLayer>
+                </a14:imgProps>
+              </a:ext>
+            </a:extLst>
+          </a:blip>
           <a:stretch>
             <a:fillRect/>
           </a:stretch>
@@ -9504,7 +9619,7 @@
           <p:nvPr/>
         </p:nvPicPr>
         <p:blipFill>
-          <a:blip r:embed="rId2">
+          <a:blip r:embed="rId3">
             <a:extLst>
               <a:ext uri="{28A0092B-C50C-407E-A947-70E740481C1C}">
                 <a14:useLocalDpi xmlns:a14="http://schemas.microsoft.com/office/drawing/2010/main" val="0"/>
@@ -9551,7 +9666,7 @@
           <p:nvPr/>
         </p:nvPicPr>
         <p:blipFill rotWithShape="1">
-          <a:blip r:embed="rId3"/>
+          <a:blip r:embed="rId4"/>
           <a:srcRect t="5439"/>
           <a:stretch/>
         </p:blipFill>
@@ -9605,12 +9720,90 @@
           </a:p>
         </p:txBody>
       </p:sp>
+      <p:pic>
+        <p:nvPicPr>
+          <p:cNvPr id="9" name="Image 8">
+            <a:extLst>
+              <a:ext uri="{FF2B5EF4-FFF2-40B4-BE49-F238E27FC236}">
+                <a16:creationId xmlns:a16="http://schemas.microsoft.com/office/drawing/2014/main" id="{96722911-26A1-49A8-B2A9-D3D7F0CDC661}"/>
+              </a:ext>
+            </a:extLst>
+          </p:cNvPr>
+          <p:cNvPicPr>
+            <a:picLocks noChangeAspect="1"/>
+          </p:cNvPicPr>
+          <p:nvPr/>
+        </p:nvPicPr>
+        <p:blipFill rotWithShape="1">
+          <a:blip r:embed="rId5">
+            <a:extLst>
+              <a:ext uri="{BEBA8EAE-BF5A-486C-A8C5-ECC9F3942E4B}">
+                <a14:imgProps xmlns:a14="http://schemas.microsoft.com/office/drawing/2010/main">
+                  <a14:imgLayer r:embed="rId6">
+                    <a14:imgEffect>
+                      <a14:brightnessContrast bright="40000" contrast="40000"/>
+                    </a14:imgEffect>
+                  </a14:imgLayer>
+                </a14:imgProps>
+              </a:ext>
+            </a:extLst>
+          </a:blip>
+          <a:srcRect b="18238"/>
+          <a:stretch/>
+        </p:blipFill>
+        <p:spPr>
+          <a:xfrm>
+            <a:off x="1947862" y="5595993"/>
+            <a:ext cx="9452330" cy="195207"/>
+          </a:xfrm>
+          <a:prstGeom prst="rect">
+            <a:avLst/>
+          </a:prstGeom>
+        </p:spPr>
+      </p:pic>
       <p:sp>
         <p:nvSpPr>
-          <p:cNvPr id="8" name="ZoneTexte 7">
+          <p:cNvPr id="10" name="Rectangle 9">
             <a:extLst>
               <a:ext uri="{FF2B5EF4-FFF2-40B4-BE49-F238E27FC236}">
-                <a16:creationId xmlns:a16="http://schemas.microsoft.com/office/drawing/2014/main" id="{98C5FAD8-3FA8-48FF-A968-217BFA1EEE9D}"/>
+                <a16:creationId xmlns:a16="http://schemas.microsoft.com/office/drawing/2014/main" id="{F657D308-7973-4CDB-948E-68F01112757B}"/>
+              </a:ext>
+            </a:extLst>
+          </p:cNvPr>
+          <p:cNvSpPr/>
+          <p:nvPr/>
+        </p:nvSpPr>
+        <p:spPr>
+          <a:xfrm>
+            <a:off x="1839685" y="6070809"/>
+            <a:ext cx="8098971" cy="369332"/>
+          </a:xfrm>
+          <a:prstGeom prst="rect">
+            <a:avLst/>
+          </a:prstGeom>
+        </p:spPr>
+        <p:txBody>
+          <a:bodyPr wrap="square">
+            <a:spAutoFit/>
+          </a:bodyPr>
+          <a:lstStyle/>
+          <a:p>
+            <a:r>
+              <a:rPr lang="en-GB" dirty="0">
+                <a:hlinkClick r:id="rId7"/>
+              </a:rPr>
+              <a:t>https://github.com/moby/moby/blob/master/profiles/seccomp/default.json</a:t>
+            </a:r>
+            <a:endParaRPr lang="en-GB" dirty="0"/>
+          </a:p>
+        </p:txBody>
+      </p:sp>
+      <p:sp>
+        <p:nvSpPr>
+          <p:cNvPr id="11" name="ZoneTexte 10">
+            <a:extLst>
+              <a:ext uri="{FF2B5EF4-FFF2-40B4-BE49-F238E27FC236}">
+                <a16:creationId xmlns:a16="http://schemas.microsoft.com/office/drawing/2014/main" id="{86B276D0-E750-4AFC-B56D-61F681327395}"/>
               </a:ext>
             </a:extLst>
           </p:cNvPr>
@@ -9619,8 +9812,8 @@
         </p:nvSpPr>
         <p:spPr>
           <a:xfrm>
-            <a:off x="6942246" y="3559160"/>
-            <a:ext cx="4991337" cy="369332"/>
+            <a:off x="6837627" y="3402922"/>
+            <a:ext cx="5489242" cy="923330"/>
           </a:xfrm>
           <a:prstGeom prst="rect">
             <a:avLst/>
@@ -9633,6 +9826,10 @@
           </a:bodyPr>
           <a:lstStyle/>
           <a:p>
+            <a:pPr marL="285750" indent="-285750">
+              <a:buFont typeface="Arial" panose="020B0604020202020204" pitchFamily="34" charset="0"/>
+              <a:buChar char="•"/>
+            </a:pPr>
             <a:r>
               <a:rPr lang="fr-FR" dirty="0"/>
               <a:t>$docker run –</a:t>
@@ -9659,71 +9856,25 @@
             </a:r>
             <a:endParaRPr lang="en-GB" dirty="0"/>
           </a:p>
-        </p:txBody>
-      </p:sp>
-      <p:pic>
-        <p:nvPicPr>
-          <p:cNvPr id="9" name="Image 8">
-            <a:extLst>
-              <a:ext uri="{FF2B5EF4-FFF2-40B4-BE49-F238E27FC236}">
-                <a16:creationId xmlns:a16="http://schemas.microsoft.com/office/drawing/2014/main" id="{96722911-26A1-49A8-B2A9-D3D7F0CDC661}"/>
-              </a:ext>
-            </a:extLst>
-          </p:cNvPr>
-          <p:cNvPicPr>
-            <a:picLocks noChangeAspect="1"/>
-          </p:cNvPicPr>
-          <p:nvPr/>
-        </p:nvPicPr>
-        <p:blipFill rotWithShape="1">
-          <a:blip r:embed="rId4"/>
-          <a:srcRect b="18238"/>
-          <a:stretch/>
-        </p:blipFill>
-        <p:spPr>
-          <a:xfrm>
-            <a:off x="1947862" y="5595993"/>
-            <a:ext cx="9452330" cy="195207"/>
-          </a:xfrm>
-          <a:prstGeom prst="rect">
-            <a:avLst/>
-          </a:prstGeom>
-        </p:spPr>
-      </p:pic>
-      <p:sp>
-        <p:nvSpPr>
-          <p:cNvPr id="10" name="Rectangle 9">
-            <a:extLst>
-              <a:ext uri="{FF2B5EF4-FFF2-40B4-BE49-F238E27FC236}">
-                <a16:creationId xmlns:a16="http://schemas.microsoft.com/office/drawing/2014/main" id="{F657D308-7973-4CDB-948E-68F01112757B}"/>
-              </a:ext>
-            </a:extLst>
-          </p:cNvPr>
-          <p:cNvSpPr/>
-          <p:nvPr/>
-        </p:nvSpPr>
-        <p:spPr>
-          <a:xfrm>
-            <a:off x="1839685" y="6070809"/>
-            <a:ext cx="8098971" cy="369332"/>
-          </a:xfrm>
-          <a:prstGeom prst="rect">
-            <a:avLst/>
-          </a:prstGeom>
-        </p:spPr>
-        <p:txBody>
-          <a:bodyPr wrap="square">
-            <a:spAutoFit/>
-          </a:bodyPr>
-          <a:lstStyle/>
           <a:p>
+            <a:pPr marL="285750" indent="-285750">
+              <a:buFont typeface="Arial" panose="020B0604020202020204" pitchFamily="34" charset="0"/>
+              <a:buChar char="•"/>
+            </a:pPr>
             <a:r>
-              <a:rPr lang="en-GB" dirty="0">
-                <a:hlinkClick r:id="rId5"/>
-              </a:rPr>
-              <a:t>https://github.com/moby/moby/blob/master/profiles/seccomp/default.json</a:t>
+              <a:rPr lang="en-GB" dirty="0"/>
+              <a:t>CAP_NET_BIND_SERVICE</a:t>
             </a:r>
-            <a:endParaRPr lang="en-GB" dirty="0"/>
+          </a:p>
+          <a:p>
+            <a:pPr marL="285750" indent="-285750">
+              <a:buFont typeface="Arial" panose="020B0604020202020204" pitchFamily="34" charset="0"/>
+              <a:buChar char="•"/>
+            </a:pPr>
+            <a:r>
+              <a:rPr lang="en-GB" dirty="0"/>
+              <a:t>Port redirection</a:t>
+            </a:r>
           </a:p>
         </p:txBody>
       </p:sp>
@@ -10335,115 +10486,61 @@
           <a:lstStyle/>
           <a:p>
             <a:r>
-              <a:rPr lang="fr-FR" sz="2800" b="1" u="sng" dirty="0">
-                <a:ln w="6600">
-                  <a:solidFill>
-                    <a:schemeClr val="accent2"/>
-                  </a:solidFill>
-                  <a:prstDash val="solid"/>
-                </a:ln>
+              <a:rPr lang="fr-FR" sz="2800" u="sng" dirty="0">
                 <a:solidFill>
-                  <a:srgbClr val="FFFFFF"/>
+                  <a:schemeClr val="accent2">
+                    <a:lumMod val="75000"/>
+                  </a:schemeClr>
                 </a:solidFill>
-                <a:effectLst>
-                  <a:outerShdw dist="38100" dir="2700000" algn="tl" rotWithShape="0">
-                    <a:schemeClr val="accent2"/>
-                  </a:outerShdw>
-                </a:effectLst>
               </a:rPr>
               <a:t>6</a:t>
             </a:r>
             <a:r>
-              <a:rPr lang="fr-FR" sz="3600" b="1" u="sng" dirty="0">
-                <a:ln w="6600">
-                  <a:solidFill>
-                    <a:schemeClr val="accent2"/>
-                  </a:solidFill>
-                  <a:prstDash val="solid"/>
-                </a:ln>
+              <a:rPr lang="fr-FR" sz="3600" u="sng" dirty="0">
                 <a:solidFill>
-                  <a:srgbClr val="FFFFFF"/>
+                  <a:schemeClr val="accent2">
+                    <a:lumMod val="75000"/>
+                  </a:schemeClr>
                 </a:solidFill>
-                <a:effectLst>
-                  <a:outerShdw dist="38100" dir="2700000" algn="tl" rotWithShape="0">
-                    <a:schemeClr val="accent2"/>
-                  </a:outerShdw>
-                </a:effectLst>
               </a:rPr>
               <a:t>. </a:t>
             </a:r>
             <a:r>
-              <a:rPr lang="fr-FR" sz="3600" b="1" u="sng" dirty="0" err="1">
-                <a:ln w="6600">
-                  <a:solidFill>
-                    <a:schemeClr val="accent2"/>
-                  </a:solidFill>
-                  <a:prstDash val="solid"/>
-                </a:ln>
+              <a:rPr lang="fr-FR" sz="3600" u="sng" dirty="0" err="1">
                 <a:solidFill>
-                  <a:srgbClr val="FFFFFF"/>
+                  <a:schemeClr val="accent2">
+                    <a:lumMod val="75000"/>
+                  </a:schemeClr>
                 </a:solidFill>
-                <a:effectLst>
-                  <a:outerShdw dist="38100" dir="2700000" algn="tl" rotWithShape="0">
-                    <a:schemeClr val="accent2"/>
-                  </a:outerShdw>
-                </a:effectLst>
               </a:rPr>
               <a:t>Password</a:t>
             </a:r>
             <a:r>
-              <a:rPr lang="fr-FR" sz="3600" b="1" u="sng" dirty="0">
-                <a:ln w="6600">
-                  <a:solidFill>
-                    <a:schemeClr val="accent2"/>
-                  </a:solidFill>
-                  <a:prstDash val="solid"/>
-                </a:ln>
+              <a:rPr lang="fr-FR" sz="3600" u="sng" dirty="0">
                 <a:solidFill>
-                  <a:srgbClr val="FFFFFF"/>
+                  <a:schemeClr val="accent2">
+                    <a:lumMod val="75000"/>
+                  </a:schemeClr>
                 </a:solidFill>
-                <a:effectLst>
-                  <a:outerShdw dist="38100" dir="2700000" algn="tl" rotWithShape="0">
-                    <a:schemeClr val="accent2"/>
-                  </a:outerShdw>
-                </a:effectLst>
               </a:rPr>
               <a:t> </a:t>
             </a:r>
             <a:r>
-              <a:rPr lang="fr-FR" sz="3600" b="1" u="sng" dirty="0" err="1">
-                <a:ln w="6600">
-                  <a:solidFill>
-                    <a:schemeClr val="accent2"/>
-                  </a:solidFill>
-                  <a:prstDash val="solid"/>
-                </a:ln>
+              <a:rPr lang="fr-FR" sz="3600" u="sng" dirty="0" err="1">
                 <a:solidFill>
-                  <a:srgbClr val="FFFFFF"/>
+                  <a:schemeClr val="accent2">
+                    <a:lumMod val="75000"/>
+                  </a:schemeClr>
                 </a:solidFill>
-                <a:effectLst>
-                  <a:outerShdw dist="38100" dir="2700000" algn="tl" rotWithShape="0">
-                    <a:schemeClr val="accent2"/>
-                  </a:outerShdw>
-                </a:effectLst>
               </a:rPr>
               <a:t>storage</a:t>
             </a:r>
-            <a:endParaRPr lang="en-GB" sz="2800" b="1" u="sng" dirty="0">
-              <a:ln w="6600">
-                <a:solidFill>
-                  <a:schemeClr val="accent2"/>
-                </a:solidFill>
-                <a:prstDash val="solid"/>
-              </a:ln>
+            <a:endParaRPr lang="en-GB" sz="2800" u="sng" dirty="0">
               <a:solidFill>
-                <a:srgbClr val="FFFFFF"/>
+                <a:schemeClr val="accent2">
+                  <a:lumMod val="75000"/>
+                </a:schemeClr>
               </a:solidFill>
-              <a:effectLst>
-                <a:outerShdw dist="38100" dir="2700000" algn="tl" rotWithShape="0">
-                  <a:schemeClr val="accent2"/>
-                </a:outerShdw>
-              </a:effectLst>
             </a:endParaRPr>
           </a:p>
         </p:txBody>
@@ -10665,96 +10762,51 @@
               <a:buChar char="Ø"/>
             </a:pPr>
             <a:r>
-              <a:rPr lang="fr-FR" sz="2000" b="1" dirty="0">
-                <a:ln w="6600">
-                  <a:solidFill>
-                    <a:schemeClr val="accent2"/>
-                  </a:solidFill>
-                  <a:prstDash val="solid"/>
-                </a:ln>
+              <a:rPr lang="fr-FR" sz="2000" dirty="0">
                 <a:solidFill>
-                  <a:srgbClr val="FFFFFF"/>
+                  <a:schemeClr val="accent2">
+                    <a:lumMod val="75000"/>
+                  </a:schemeClr>
                 </a:solidFill>
-                <a:effectLst>
-                  <a:outerShdw dist="38100" dir="2700000" algn="tl" rotWithShape="0">
-                    <a:schemeClr val="accent2"/>
-                  </a:outerShdw>
-                </a:effectLst>
               </a:rPr>
               <a:t>Usage of a </a:t>
             </a:r>
             <a:r>
-              <a:rPr lang="fr-FR" sz="2000" b="1" dirty="0" err="1">
-                <a:ln w="6600">
-                  <a:solidFill>
-                    <a:schemeClr val="accent2"/>
-                  </a:solidFill>
-                  <a:prstDash val="solid"/>
-                </a:ln>
+              <a:rPr lang="fr-FR" sz="2000" dirty="0" err="1">
                 <a:solidFill>
-                  <a:srgbClr val="FFFFFF"/>
+                  <a:schemeClr val="accent2">
+                    <a:lumMod val="75000"/>
+                  </a:schemeClr>
                 </a:solidFill>
-                <a:effectLst>
-                  <a:outerShdw dist="38100" dir="2700000" algn="tl" rotWithShape="0">
-                    <a:schemeClr val="accent2"/>
-                  </a:outerShdw>
-                </a:effectLst>
               </a:rPr>
               <a:t>deprecated</a:t>
             </a:r>
             <a:r>
-              <a:rPr lang="fr-FR" sz="2000" b="1" dirty="0">
-                <a:ln w="6600">
-                  <a:solidFill>
-                    <a:schemeClr val="accent2"/>
-                  </a:solidFill>
-                  <a:prstDash val="solid"/>
-                </a:ln>
+              <a:rPr lang="fr-FR" sz="2000" dirty="0">
                 <a:solidFill>
-                  <a:srgbClr val="FFFFFF"/>
+                  <a:schemeClr val="accent2">
+                    <a:lumMod val="75000"/>
+                  </a:schemeClr>
                 </a:solidFill>
-                <a:effectLst>
-                  <a:outerShdw dist="38100" dir="2700000" algn="tl" rotWithShape="0">
-                    <a:schemeClr val="accent2"/>
-                  </a:outerShdw>
-                </a:effectLst>
               </a:rPr>
               <a:t> hash </a:t>
             </a:r>
             <a:r>
-              <a:rPr lang="fr-FR" sz="2000" b="1" dirty="0" err="1">
-                <a:ln w="6600">
-                  <a:solidFill>
-                    <a:schemeClr val="accent2"/>
-                  </a:solidFill>
-                  <a:prstDash val="solid"/>
-                </a:ln>
+              <a:rPr lang="fr-FR" sz="2000" dirty="0" err="1">
                 <a:solidFill>
-                  <a:srgbClr val="FFFFFF"/>
+                  <a:schemeClr val="accent2">
+                    <a:lumMod val="75000"/>
+                  </a:schemeClr>
                 </a:solidFill>
-                <a:effectLst>
-                  <a:outerShdw dist="38100" dir="2700000" algn="tl" rotWithShape="0">
-                    <a:schemeClr val="accent2"/>
-                  </a:outerShdw>
-                </a:effectLst>
               </a:rPr>
               <a:t>algorithm</a:t>
             </a:r>
-            <a:endParaRPr lang="fr-FR" sz="2000" b="1" dirty="0">
-              <a:ln w="6600">
-                <a:solidFill>
-                  <a:schemeClr val="accent2"/>
-                </a:solidFill>
-                <a:prstDash val="solid"/>
-              </a:ln>
+            <a:endParaRPr lang="fr-FR" sz="2000" dirty="0">
               <a:solidFill>
-                <a:srgbClr val="FFFFFF"/>
+                <a:schemeClr val="accent2">
+                  <a:lumMod val="75000"/>
+                </a:schemeClr>
               </a:solidFill>
-              <a:effectLst>
-                <a:outerShdw dist="38100" dir="2700000" algn="tl" rotWithShape="0">
-                  <a:schemeClr val="accent2"/>
-                </a:outerShdw>
-              </a:effectLst>
             </a:endParaRPr>
           </a:p>
         </p:txBody>
@@ -10839,21 +10891,12 @@
               <a:buChar char="Ø"/>
             </a:pPr>
             <a:r>
-              <a:rPr lang="fr-FR" sz="2000" b="1" dirty="0">
-                <a:ln w="6600">
-                  <a:solidFill>
-                    <a:schemeClr val="accent2"/>
-                  </a:solidFill>
-                  <a:prstDash val="solid"/>
-                </a:ln>
+              <a:rPr lang="fr-FR" sz="2000" dirty="0">
                 <a:solidFill>
-                  <a:srgbClr val="FFFFFF"/>
+                  <a:schemeClr val="accent2">
+                    <a:lumMod val="75000"/>
+                  </a:schemeClr>
                 </a:solidFill>
-                <a:effectLst>
-                  <a:outerShdw dist="38100" dir="2700000" algn="tl" rotWithShape="0">
-                    <a:schemeClr val="accent2"/>
-                  </a:outerShdw>
-                </a:effectLst>
               </a:rPr>
               <a:t>Update to at least SHA256</a:t>
             </a:r>
@@ -10864,58 +10907,31 @@
               <a:buChar char="Ø"/>
             </a:pPr>
             <a:r>
-              <a:rPr lang="fr-FR" sz="2000" b="1" dirty="0">
-                <a:ln w="6600">
-                  <a:solidFill>
-                    <a:schemeClr val="accent2"/>
-                  </a:solidFill>
-                  <a:prstDash val="solid"/>
-                </a:ln>
+              <a:rPr lang="fr-FR" sz="2000" dirty="0">
                 <a:solidFill>
-                  <a:srgbClr val="FFFFFF"/>
+                  <a:schemeClr val="accent2">
+                    <a:lumMod val="75000"/>
+                  </a:schemeClr>
                 </a:solidFill>
-                <a:effectLst>
-                  <a:outerShdw dist="38100" dir="2700000" algn="tl" rotWithShape="0">
-                    <a:schemeClr val="accent2"/>
-                  </a:outerShdw>
-                </a:effectLst>
               </a:rPr>
               <a:t>Install the </a:t>
             </a:r>
             <a:r>
-              <a:rPr lang="fr-FR" sz="2000" b="1" dirty="0" err="1">
-                <a:ln w="6600">
-                  <a:solidFill>
-                    <a:schemeClr val="accent2"/>
-                  </a:solidFill>
-                  <a:prstDash val="solid"/>
-                </a:ln>
+              <a:rPr lang="fr-FR" sz="2000" dirty="0" err="1">
                 <a:solidFill>
-                  <a:srgbClr val="FFFFFF"/>
+                  <a:schemeClr val="accent2">
+                    <a:lumMod val="75000"/>
+                  </a:schemeClr>
                 </a:solidFill>
-                <a:effectLst>
-                  <a:outerShdw dist="38100" dir="2700000" algn="tl" rotWithShape="0">
-                    <a:schemeClr val="accent2"/>
-                  </a:outerShdw>
-                </a:effectLst>
               </a:rPr>
               <a:t>libpam-pwquality</a:t>
             </a:r>
-            <a:endParaRPr lang="fr-FR" sz="2000" b="1" dirty="0">
-              <a:ln w="6600">
-                <a:solidFill>
-                  <a:schemeClr val="accent2"/>
-                </a:solidFill>
-                <a:prstDash val="solid"/>
-              </a:ln>
+            <a:endParaRPr lang="fr-FR" sz="2000" dirty="0">
               <a:solidFill>
-                <a:srgbClr val="FFFFFF"/>
+                <a:schemeClr val="accent2">
+                  <a:lumMod val="75000"/>
+                </a:schemeClr>
               </a:solidFill>
-              <a:effectLst>
-                <a:outerShdw dist="38100" dir="2700000" algn="tl" rotWithShape="0">
-                  <a:schemeClr val="accent2"/>
-                </a:outerShdw>
-              </a:effectLst>
             </a:endParaRPr>
           </a:p>
         </p:txBody>
@@ -10935,7 +10951,19 @@
           <p:nvPr/>
         </p:nvPicPr>
         <p:blipFill>
-          <a:blip r:embed="rId5"/>
+          <a:blip r:embed="rId5">
+            <a:extLst>
+              <a:ext uri="{BEBA8EAE-BF5A-486C-A8C5-ECC9F3942E4B}">
+                <a14:imgProps xmlns:a14="http://schemas.microsoft.com/office/drawing/2010/main">
+                  <a14:imgLayer r:embed="rId6">
+                    <a14:imgEffect>
+                      <a14:brightnessContrast bright="40000" contrast="40000"/>
+                    </a14:imgEffect>
+                  </a14:imgLayer>
+                </a14:imgProps>
+              </a:ext>
+            </a:extLst>
+          </a:blip>
           <a:stretch>
             <a:fillRect/>
           </a:stretch>
@@ -10979,30 +11007,72 @@
           <a:lstStyle/>
           <a:p>
             <a:r>
-              <a:rPr lang="fr-FR" dirty="0"/>
+              <a:rPr lang="fr-FR" dirty="0">
+                <a:solidFill>
+                  <a:schemeClr val="accent2">
+                    <a:lumMod val="75000"/>
+                  </a:schemeClr>
+                </a:solidFill>
+              </a:rPr>
               <a:t>/</a:t>
             </a:r>
             <a:r>
-              <a:rPr lang="fr-FR" dirty="0" err="1"/>
+              <a:rPr lang="fr-FR" dirty="0" err="1">
+                <a:solidFill>
+                  <a:schemeClr val="accent2">
+                    <a:lumMod val="75000"/>
+                  </a:schemeClr>
+                </a:solidFill>
+              </a:rPr>
               <a:t>etc</a:t>
             </a:r>
             <a:r>
-              <a:rPr lang="fr-FR" dirty="0"/>
+              <a:rPr lang="fr-FR" dirty="0">
+                <a:solidFill>
+                  <a:schemeClr val="accent2">
+                    <a:lumMod val="75000"/>
+                  </a:schemeClr>
+                </a:solidFill>
+              </a:rPr>
               <a:t>/</a:t>
             </a:r>
             <a:r>
-              <a:rPr lang="fr-FR" dirty="0" err="1"/>
+              <a:rPr lang="fr-FR" dirty="0" err="1">
+                <a:solidFill>
+                  <a:schemeClr val="accent2">
+                    <a:lumMod val="75000"/>
+                  </a:schemeClr>
+                </a:solidFill>
+              </a:rPr>
               <a:t>pam.d</a:t>
             </a:r>
             <a:r>
-              <a:rPr lang="fr-FR" dirty="0"/>
+              <a:rPr lang="fr-FR" dirty="0">
+                <a:solidFill>
+                  <a:schemeClr val="accent2">
+                    <a:lumMod val="75000"/>
+                  </a:schemeClr>
+                </a:solidFill>
+              </a:rPr>
               <a:t>/</a:t>
             </a:r>
             <a:r>
-              <a:rPr lang="fr-FR" dirty="0" err="1"/>
+              <a:rPr lang="fr-FR" dirty="0" err="1">
+                <a:solidFill>
+                  <a:schemeClr val="accent2">
+                    <a:lumMod val="75000"/>
+                  </a:schemeClr>
+                </a:solidFill>
+              </a:rPr>
               <a:t>common-password</a:t>
             </a:r>
-            <a:endParaRPr lang="en-GB" dirty="0"/>
+            <a:endParaRPr lang="en-GB" dirty="0">
+              <a:solidFill>
+                <a:schemeClr val="accent2">
+                  <a:lumMod val="75000"/>
+                </a:schemeClr>
+              </a:solidFill>
+            </a:endParaRPr>
           </a:p>
         </p:txBody>
       </p:sp>
@@ -11039,96 +11109,51 @@
               <a:buChar char="Ø"/>
             </a:pPr>
             <a:r>
-              <a:rPr lang="fr-FR" sz="2000" b="1" dirty="0">
-                <a:ln w="6600">
-                  <a:solidFill>
-                    <a:schemeClr val="accent2"/>
-                  </a:solidFill>
-                  <a:prstDash val="solid"/>
-                </a:ln>
+              <a:rPr lang="fr-FR" sz="2000" dirty="0">
                 <a:solidFill>
-                  <a:srgbClr val="FFFFFF"/>
+                  <a:schemeClr val="accent2">
+                    <a:lumMod val="75000"/>
+                  </a:schemeClr>
                 </a:solidFill>
-                <a:effectLst>
-                  <a:outerShdw dist="38100" dir="2700000" algn="tl" rotWithShape="0">
-                    <a:schemeClr val="accent2"/>
-                  </a:outerShdw>
-                </a:effectLst>
               </a:rPr>
               <a:t>No </a:t>
             </a:r>
             <a:r>
-              <a:rPr lang="fr-FR" sz="2000" b="1" dirty="0" err="1">
-                <a:ln w="6600">
-                  <a:solidFill>
-                    <a:schemeClr val="accent2"/>
-                  </a:solidFill>
-                  <a:prstDash val="solid"/>
-                </a:ln>
+              <a:rPr lang="fr-FR" sz="2000" dirty="0" err="1">
                 <a:solidFill>
-                  <a:srgbClr val="FFFFFF"/>
+                  <a:schemeClr val="accent2">
+                    <a:lumMod val="75000"/>
+                  </a:schemeClr>
                 </a:solidFill>
-                <a:effectLst>
-                  <a:outerShdw dist="38100" dir="2700000" algn="tl" rotWithShape="0">
-                    <a:schemeClr val="accent2"/>
-                  </a:outerShdw>
-                </a:effectLst>
               </a:rPr>
               <a:t>rules</a:t>
             </a:r>
             <a:r>
-              <a:rPr lang="fr-FR" sz="2000" b="1" dirty="0">
-                <a:ln w="6600">
-                  <a:solidFill>
-                    <a:schemeClr val="accent2"/>
-                  </a:solidFill>
-                  <a:prstDash val="solid"/>
-                </a:ln>
+              <a:rPr lang="fr-FR" sz="2000" dirty="0">
                 <a:solidFill>
-                  <a:srgbClr val="FFFFFF"/>
+                  <a:schemeClr val="accent2">
+                    <a:lumMod val="75000"/>
+                  </a:schemeClr>
                 </a:solidFill>
-                <a:effectLst>
-                  <a:outerShdw dist="38100" dir="2700000" algn="tl" rotWithShape="0">
-                    <a:schemeClr val="accent2"/>
-                  </a:outerShdw>
-                </a:effectLst>
               </a:rPr>
               <a:t> on </a:t>
             </a:r>
             <a:r>
-              <a:rPr lang="fr-FR" sz="2000" b="1" dirty="0" err="1">
-                <a:ln w="6600">
-                  <a:solidFill>
-                    <a:schemeClr val="accent2"/>
-                  </a:solidFill>
-                  <a:prstDash val="solid"/>
-                </a:ln>
+              <a:rPr lang="fr-FR" sz="2000" dirty="0" err="1">
                 <a:solidFill>
-                  <a:srgbClr val="FFFFFF"/>
+                  <a:schemeClr val="accent2">
+                    <a:lumMod val="75000"/>
+                  </a:schemeClr>
                 </a:solidFill>
-                <a:effectLst>
-                  <a:outerShdw dist="38100" dir="2700000" algn="tl" rotWithShape="0">
-                    <a:schemeClr val="accent2"/>
-                  </a:outerShdw>
-                </a:effectLst>
               </a:rPr>
               <a:t>password</a:t>
             </a:r>
-            <a:endParaRPr lang="fr-FR" sz="2000" b="1" dirty="0">
-              <a:ln w="6600">
-                <a:solidFill>
-                  <a:schemeClr val="accent2"/>
-                </a:solidFill>
-                <a:prstDash val="solid"/>
-              </a:ln>
+            <a:endParaRPr lang="fr-FR" sz="2000" dirty="0">
               <a:solidFill>
-                <a:srgbClr val="FFFFFF"/>
+                <a:schemeClr val="accent2">
+                  <a:lumMod val="75000"/>
+                </a:schemeClr>
               </a:solidFill>
-              <a:effectLst>
-                <a:outerShdw dist="38100" dir="2700000" algn="tl" rotWithShape="0">
-                  <a:schemeClr val="accent2"/>
-                </a:outerShdw>
-              </a:effectLst>
             </a:endParaRPr>
           </a:p>
         </p:txBody>
@@ -11148,7 +11173,19 @@
           <p:nvPr/>
         </p:nvPicPr>
         <p:blipFill>
-          <a:blip r:embed="rId6"/>
+          <a:blip r:embed="rId7">
+            <a:extLst>
+              <a:ext uri="{BEBA8EAE-BF5A-486C-A8C5-ECC9F3942E4B}">
+                <a14:imgProps xmlns:a14="http://schemas.microsoft.com/office/drawing/2010/main">
+                  <a14:imgLayer r:embed="rId8">
+                    <a14:imgEffect>
+                      <a14:brightnessContrast bright="40000" contrast="40000"/>
+                    </a14:imgEffect>
+                  </a14:imgLayer>
+                </a14:imgProps>
+              </a:ext>
+            </a:extLst>
+          </a:blip>
           <a:stretch>
             <a:fillRect/>
           </a:stretch>
@@ -11222,58 +11259,31 @@
           <a:lstStyle/>
           <a:p>
             <a:r>
-              <a:rPr lang="fr-FR" sz="2800" b="1" u="sng" dirty="0">
-                <a:ln w="6600">
-                  <a:solidFill>
-                    <a:schemeClr val="accent2"/>
-                  </a:solidFill>
-                  <a:prstDash val="solid"/>
-                </a:ln>
+              <a:rPr lang="fr-FR" sz="2800" u="sng" dirty="0">
                 <a:solidFill>
-                  <a:srgbClr val="FFFFFF"/>
+                  <a:schemeClr val="accent2">
+                    <a:lumMod val="75000"/>
+                  </a:schemeClr>
                 </a:solidFill>
-                <a:effectLst>
-                  <a:outerShdw dist="38100" dir="2700000" algn="tl" rotWithShape="0">
-                    <a:schemeClr val="accent2"/>
-                  </a:outerShdw>
-                </a:effectLst>
               </a:rPr>
               <a:t>7</a:t>
             </a:r>
             <a:r>
-              <a:rPr lang="fr-FR" sz="3600" b="1" u="sng" dirty="0">
-                <a:ln w="6600">
-                  <a:solidFill>
-                    <a:schemeClr val="accent2"/>
-                  </a:solidFill>
-                  <a:prstDash val="solid"/>
-                </a:ln>
+              <a:rPr lang="fr-FR" sz="3600" u="sng" dirty="0">
                 <a:solidFill>
-                  <a:srgbClr val="FFFFFF"/>
+                  <a:schemeClr val="accent2">
+                    <a:lumMod val="75000"/>
+                  </a:schemeClr>
                 </a:solidFill>
-                <a:effectLst>
-                  <a:outerShdw dist="38100" dir="2700000" algn="tl" rotWithShape="0">
-                    <a:schemeClr val="accent2"/>
-                  </a:outerShdw>
-                </a:effectLst>
               </a:rPr>
               <a:t>. Network</a:t>
             </a:r>
-            <a:endParaRPr lang="en-GB" sz="2800" b="1" u="sng" dirty="0">
-              <a:ln w="6600">
-                <a:solidFill>
-                  <a:schemeClr val="accent2"/>
-                </a:solidFill>
-                <a:prstDash val="solid"/>
-              </a:ln>
+            <a:endParaRPr lang="en-GB" sz="2800" u="sng" dirty="0">
               <a:solidFill>
-                <a:srgbClr val="FFFFFF"/>
+                <a:schemeClr val="accent2">
+                  <a:lumMod val="75000"/>
+                </a:schemeClr>
               </a:solidFill>
-              <a:effectLst>
-                <a:outerShdw dist="38100" dir="2700000" algn="tl" rotWithShape="0">
-                  <a:schemeClr val="accent2"/>
-                </a:outerShdw>
-              </a:effectLst>
             </a:endParaRPr>
           </a:p>
         </p:txBody>
@@ -12107,7 +12117,19 @@
           <p:nvPr/>
         </p:nvPicPr>
         <p:blipFill>
-          <a:blip r:embed="rId2"/>
+          <a:blip r:embed="rId2">
+            <a:extLst>
+              <a:ext uri="{BEBA8EAE-BF5A-486C-A8C5-ECC9F3942E4B}">
+                <a14:imgProps xmlns:a14="http://schemas.microsoft.com/office/drawing/2010/main">
+                  <a14:imgLayer r:embed="rId3">
+                    <a14:imgEffect>
+                      <a14:brightnessContrast bright="40000" contrast="40000"/>
+                    </a14:imgEffect>
+                  </a14:imgLayer>
+                </a14:imgProps>
+              </a:ext>
+            </a:extLst>
+          </a:blip>
           <a:stretch>
             <a:fillRect/>
           </a:stretch>
@@ -12137,7 +12159,7 @@
           <p:nvPr/>
         </p:nvPicPr>
         <p:blipFill>
-          <a:blip r:embed="rId3">
+          <a:blip r:embed="rId4">
             <a:extLst>
               <a:ext uri="{28A0092B-C50C-407E-A947-70E740481C1C}">
                 <a14:useLocalDpi xmlns:a14="http://schemas.microsoft.com/office/drawing/2010/main" val="0"/>
@@ -12202,135 +12224,72 @@
               <a:buChar char="Ø"/>
             </a:pPr>
             <a:r>
-              <a:rPr lang="fr-FR" sz="2000" b="1" dirty="0">
-                <a:ln w="6600">
-                  <a:solidFill>
-                    <a:schemeClr val="accent2"/>
-                  </a:solidFill>
-                  <a:prstDash val="solid"/>
-                </a:ln>
+              <a:rPr lang="fr-FR" sz="2000" dirty="0">
                 <a:solidFill>
-                  <a:srgbClr val="FFFFFF"/>
+                  <a:schemeClr val="accent2">
+                    <a:lumMod val="75000"/>
+                  </a:schemeClr>
                 </a:solidFill>
-                <a:effectLst>
-                  <a:outerShdw dist="38100" dir="2700000" algn="tl" rotWithShape="0">
-                    <a:schemeClr val="accent2"/>
-                  </a:outerShdw>
-                </a:effectLst>
               </a:rPr>
               <a:t>Ports </a:t>
             </a:r>
             <a:r>
-              <a:rPr lang="fr-FR" sz="2000" b="1" dirty="0" err="1">
-                <a:ln w="6600">
-                  <a:solidFill>
-                    <a:schemeClr val="accent2"/>
-                  </a:solidFill>
-                  <a:prstDash val="solid"/>
-                </a:ln>
+              <a:rPr lang="fr-FR" sz="2000" dirty="0" err="1">
                 <a:solidFill>
-                  <a:srgbClr val="FFFFFF"/>
+                  <a:schemeClr val="accent2">
+                    <a:lumMod val="75000"/>
+                  </a:schemeClr>
                 </a:solidFill>
-                <a:effectLst>
-                  <a:outerShdw dist="38100" dir="2700000" algn="tl" rotWithShape="0">
-                    <a:schemeClr val="accent2"/>
-                  </a:outerShdw>
-                </a:effectLst>
               </a:rPr>
               <a:t>opened</a:t>
             </a:r>
             <a:r>
-              <a:rPr lang="fr-FR" sz="2000" b="1" dirty="0">
-                <a:ln w="6600">
-                  <a:solidFill>
-                    <a:schemeClr val="accent2"/>
-                  </a:solidFill>
-                  <a:prstDash val="solid"/>
-                </a:ln>
+              <a:rPr lang="fr-FR" sz="2000" dirty="0">
                 <a:solidFill>
-                  <a:srgbClr val="FFFFFF"/>
+                  <a:schemeClr val="accent2">
+                    <a:lumMod val="75000"/>
+                  </a:schemeClr>
                 </a:solidFill>
-                <a:effectLst>
-                  <a:outerShdw dist="38100" dir="2700000" algn="tl" rotWithShape="0">
-                    <a:schemeClr val="accent2"/>
-                  </a:outerShdw>
-                </a:effectLst>
               </a:rPr>
               <a:t> but no in/</a:t>
             </a:r>
             <a:r>
-              <a:rPr lang="fr-FR" sz="2000" b="1" dirty="0" err="1">
-                <a:ln w="6600">
-                  <a:solidFill>
-                    <a:schemeClr val="accent2"/>
-                  </a:solidFill>
-                  <a:prstDash val="solid"/>
-                </a:ln>
+              <a:rPr lang="fr-FR" sz="2000" dirty="0" err="1">
                 <a:solidFill>
-                  <a:srgbClr val="FFFFFF"/>
+                  <a:schemeClr val="accent2">
+                    <a:lumMod val="75000"/>
+                  </a:schemeClr>
                 </a:solidFill>
-                <a:effectLst>
-                  <a:outerShdw dist="38100" dir="2700000" algn="tl" rotWithShape="0">
-                    <a:schemeClr val="accent2"/>
-                  </a:outerShdw>
-                </a:effectLst>
               </a:rPr>
               <a:t>forward</a:t>
             </a:r>
             <a:r>
-              <a:rPr lang="fr-FR" sz="2000" b="1" dirty="0">
-                <a:ln w="6600">
-                  <a:solidFill>
-                    <a:schemeClr val="accent2"/>
-                  </a:solidFill>
-                  <a:prstDash val="solid"/>
-                </a:ln>
+              <a:rPr lang="fr-FR" sz="2000" dirty="0">
                 <a:solidFill>
-                  <a:srgbClr val="FFFFFF"/>
+                  <a:schemeClr val="accent2">
+                    <a:lumMod val="75000"/>
+                  </a:schemeClr>
                 </a:solidFill>
-                <a:effectLst>
-                  <a:outerShdw dist="38100" dir="2700000" algn="tl" rotWithShape="0">
-                    <a:schemeClr val="accent2"/>
-                  </a:outerShdw>
-                </a:effectLst>
               </a:rPr>
               <a:t>/out </a:t>
             </a:r>
             <a:r>
-              <a:rPr lang="fr-FR" sz="2000" b="1" dirty="0" err="1">
-                <a:ln w="6600">
-                  <a:solidFill>
-                    <a:schemeClr val="accent2"/>
-                  </a:solidFill>
-                  <a:prstDash val="solid"/>
-                </a:ln>
+              <a:rPr lang="fr-FR" sz="2000" dirty="0" err="1">
                 <a:solidFill>
-                  <a:srgbClr val="FFFFFF"/>
+                  <a:schemeClr val="accent2">
+                    <a:lumMod val="75000"/>
+                  </a:schemeClr>
                 </a:solidFill>
-                <a:effectLst>
-                  <a:outerShdw dist="38100" dir="2700000" algn="tl" rotWithShape="0">
-                    <a:schemeClr val="accent2"/>
-                  </a:outerShdw>
-                </a:effectLst>
               </a:rPr>
               <a:t>filters</a:t>
             </a:r>
             <a:r>
-              <a:rPr lang="fr-FR" sz="2000" b="1" dirty="0">
-                <a:ln w="6600">
-                  <a:solidFill>
-                    <a:schemeClr val="accent2"/>
-                  </a:solidFill>
-                  <a:prstDash val="solid"/>
-                </a:ln>
+              <a:rPr lang="fr-FR" sz="2000" dirty="0">
                 <a:solidFill>
-                  <a:srgbClr val="FFFFFF"/>
+                  <a:schemeClr val="accent2">
+                    <a:lumMod val="75000"/>
+                  </a:schemeClr>
                 </a:solidFill>
-                <a:effectLst>
-                  <a:outerShdw dist="38100" dir="2700000" algn="tl" rotWithShape="0">
-                    <a:schemeClr val="accent2"/>
-                  </a:outerShdw>
-                </a:effectLst>
               </a:rPr>
               <a:t>  </a:t>
             </a:r>
@@ -12447,21 +12406,12 @@
               <a:buChar char="Ø"/>
             </a:pPr>
             <a:r>
-              <a:rPr lang="fr-FR" sz="2000" b="1" dirty="0">
-                <a:ln w="6600">
-                  <a:solidFill>
-                    <a:schemeClr val="accent2"/>
-                  </a:solidFill>
-                  <a:prstDash val="solid"/>
-                </a:ln>
+              <a:rPr lang="fr-FR" sz="2000" dirty="0">
                 <a:solidFill>
-                  <a:srgbClr val="FFFFFF"/>
+                  <a:schemeClr val="accent2">
+                    <a:lumMod val="75000"/>
+                  </a:schemeClr>
                 </a:solidFill>
-                <a:effectLst>
-                  <a:outerShdw dist="38100" dir="2700000" algn="tl" rotWithShape="0">
-                    <a:schemeClr val="accent2"/>
-                  </a:outerShdw>
-                </a:effectLst>
               </a:rPr>
               <a:t>IP Tables</a:t>
             </a:r>
@@ -13116,58 +13066,31 @@
           <a:lstStyle/>
           <a:p>
             <a:r>
-              <a:rPr lang="fr-FR" sz="2800" b="1" dirty="0">
-                <a:ln w="6600">
-                  <a:solidFill>
-                    <a:schemeClr val="accent2"/>
-                  </a:solidFill>
-                  <a:prstDash val="solid"/>
-                </a:ln>
+              <a:rPr lang="fr-FR" sz="2800" dirty="0">
                 <a:solidFill>
-                  <a:srgbClr val="FFFFFF"/>
+                  <a:schemeClr val="accent2">
+                    <a:lumMod val="75000"/>
+                  </a:schemeClr>
                 </a:solidFill>
-                <a:effectLst>
-                  <a:outerShdw dist="38100" dir="2700000" algn="tl" rotWithShape="0">
-                    <a:schemeClr val="accent2"/>
-                  </a:outerShdw>
-                </a:effectLst>
               </a:rPr>
               <a:t>1</a:t>
             </a:r>
             <a:r>
-              <a:rPr lang="fr-FR" sz="3600" b="1" u="sng" dirty="0">
-                <a:ln w="6600">
-                  <a:solidFill>
-                    <a:schemeClr val="accent2"/>
-                  </a:solidFill>
-                  <a:prstDash val="solid"/>
-                </a:ln>
+              <a:rPr lang="fr-FR" sz="3600" u="sng" dirty="0">
                 <a:solidFill>
-                  <a:srgbClr val="FFFFFF"/>
+                  <a:schemeClr val="accent2">
+                    <a:lumMod val="75000"/>
+                  </a:schemeClr>
                 </a:solidFill>
-                <a:effectLst>
-                  <a:outerShdw dist="38100" dir="2700000" algn="tl" rotWithShape="0">
-                    <a:schemeClr val="accent2"/>
-                  </a:outerShdw>
-                </a:effectLst>
               </a:rPr>
               <a:t>. Architecture</a:t>
             </a:r>
-            <a:endParaRPr lang="en-GB" sz="2800" b="1" u="sng" dirty="0">
-              <a:ln w="6600">
-                <a:solidFill>
-                  <a:schemeClr val="accent2"/>
-                </a:solidFill>
-                <a:prstDash val="solid"/>
-              </a:ln>
+            <a:endParaRPr lang="en-GB" sz="2800" u="sng" dirty="0">
               <a:solidFill>
-                <a:srgbClr val="FFFFFF"/>
+                <a:schemeClr val="accent2">
+                  <a:lumMod val="75000"/>
+                </a:schemeClr>
               </a:solidFill>
-              <a:effectLst>
-                <a:outerShdw dist="38100" dir="2700000" algn="tl" rotWithShape="0">
-                  <a:schemeClr val="accent2"/>
-                </a:outerShdw>
-              </a:effectLst>
             </a:endParaRPr>
           </a:p>
         </p:txBody>
@@ -13853,58 +13776,31 @@
           <a:lstStyle/>
           <a:p>
             <a:r>
-              <a:rPr lang="fr-FR" sz="2800" b="1" u="sng" dirty="0">
-                <a:ln w="6600">
-                  <a:solidFill>
-                    <a:schemeClr val="accent2"/>
-                  </a:solidFill>
-                  <a:prstDash val="solid"/>
-                </a:ln>
+              <a:rPr lang="fr-FR" sz="2800" u="sng" dirty="0">
                 <a:solidFill>
-                  <a:srgbClr val="FFFFFF"/>
+                  <a:schemeClr val="accent2">
+                    <a:lumMod val="75000"/>
+                  </a:schemeClr>
                 </a:solidFill>
-                <a:effectLst>
-                  <a:outerShdw dist="38100" dir="2700000" algn="tl" rotWithShape="0">
-                    <a:schemeClr val="accent2"/>
-                  </a:outerShdw>
-                </a:effectLst>
               </a:rPr>
               <a:t>2</a:t>
             </a:r>
             <a:r>
-              <a:rPr lang="fr-FR" sz="3600" b="1" u="sng" dirty="0">
-                <a:ln w="6600">
-                  <a:solidFill>
-                    <a:schemeClr val="accent2"/>
-                  </a:solidFill>
-                  <a:prstDash val="solid"/>
-                </a:ln>
+              <a:rPr lang="fr-FR" sz="3600" u="sng" dirty="0">
                 <a:solidFill>
-                  <a:srgbClr val="FFFFFF"/>
+                  <a:schemeClr val="accent2">
+                    <a:lumMod val="75000"/>
+                  </a:schemeClr>
                 </a:solidFill>
-                <a:effectLst>
-                  <a:outerShdw dist="38100" dir="2700000" algn="tl" rotWithShape="0">
-                    <a:schemeClr val="accent2"/>
-                  </a:outerShdw>
-                </a:effectLst>
               </a:rPr>
               <a:t>. Linux Bootloader</a:t>
             </a:r>
-            <a:endParaRPr lang="en-GB" sz="2800" b="1" u="sng" dirty="0">
-              <a:ln w="6600">
-                <a:solidFill>
-                  <a:schemeClr val="accent2"/>
-                </a:solidFill>
-                <a:prstDash val="solid"/>
-              </a:ln>
+            <a:endParaRPr lang="en-GB" sz="2800" u="sng" dirty="0">
               <a:solidFill>
-                <a:srgbClr val="FFFFFF"/>
+                <a:schemeClr val="accent2">
+                  <a:lumMod val="75000"/>
+                </a:schemeClr>
               </a:solidFill>
-              <a:effectLst>
-                <a:outerShdw dist="38100" dir="2700000" algn="tl" rotWithShape="0">
-                  <a:schemeClr val="accent2"/>
-                </a:outerShdw>
-              </a:effectLst>
             </a:endParaRPr>
           </a:p>
         </p:txBody>
@@ -14056,58 +13952,31 @@
           <a:lstStyle/>
           <a:p>
             <a:r>
-              <a:rPr lang="fr-FR" sz="2800" b="1" u="sng" dirty="0">
-                <a:ln w="6600">
-                  <a:solidFill>
-                    <a:schemeClr val="accent2"/>
-                  </a:solidFill>
-                  <a:prstDash val="solid"/>
-                </a:ln>
+              <a:rPr lang="fr-FR" sz="2800" u="sng" dirty="0">
                 <a:solidFill>
-                  <a:srgbClr val="FFFFFF"/>
+                  <a:schemeClr val="accent2">
+                    <a:lumMod val="75000"/>
+                  </a:schemeClr>
                 </a:solidFill>
-                <a:effectLst>
-                  <a:outerShdw dist="38100" dir="2700000" algn="tl" rotWithShape="0">
-                    <a:schemeClr val="accent2"/>
-                  </a:outerShdw>
-                </a:effectLst>
               </a:rPr>
               <a:t>2</a:t>
             </a:r>
             <a:r>
-              <a:rPr lang="fr-FR" sz="3600" b="1" u="sng" dirty="0">
-                <a:ln w="6600">
-                  <a:solidFill>
-                    <a:schemeClr val="accent2"/>
-                  </a:solidFill>
-                  <a:prstDash val="solid"/>
-                </a:ln>
+              <a:rPr lang="fr-FR" sz="3600" u="sng" dirty="0">
                 <a:solidFill>
-                  <a:srgbClr val="FFFFFF"/>
+                  <a:schemeClr val="accent2">
+                    <a:lumMod val="75000"/>
+                  </a:schemeClr>
                 </a:solidFill>
-                <a:effectLst>
-                  <a:outerShdw dist="38100" dir="2700000" algn="tl" rotWithShape="0">
-                    <a:schemeClr val="accent2"/>
-                  </a:outerShdw>
-                </a:effectLst>
               </a:rPr>
               <a:t>. GRUB </a:t>
             </a:r>
-            <a:endParaRPr lang="en-GB" sz="2800" b="1" u="sng" dirty="0">
-              <a:ln w="6600">
-                <a:solidFill>
-                  <a:schemeClr val="accent2"/>
-                </a:solidFill>
-                <a:prstDash val="solid"/>
-              </a:ln>
+            <a:endParaRPr lang="en-GB" sz="2800" u="sng" dirty="0">
               <a:solidFill>
-                <a:srgbClr val="FFFFFF"/>
+                <a:schemeClr val="accent2">
+                  <a:lumMod val="75000"/>
+                </a:schemeClr>
               </a:solidFill>
-              <a:effectLst>
-                <a:outerShdw dist="38100" dir="2700000" algn="tl" rotWithShape="0">
-                  <a:schemeClr val="accent2"/>
-                </a:outerShdw>
-              </a:effectLst>
             </a:endParaRPr>
           </a:p>
         </p:txBody>
@@ -14523,58 +14392,31 @@
               <a:buChar char="Ø"/>
             </a:pPr>
             <a:r>
-              <a:rPr lang="fr-FR" sz="2000" b="1" dirty="0" err="1">
-                <a:ln w="6600">
-                  <a:solidFill>
-                    <a:schemeClr val="accent2"/>
-                  </a:solidFill>
-                  <a:prstDash val="solid"/>
-                </a:ln>
+              <a:rPr lang="fr-FR" sz="2000" dirty="0" err="1">
                 <a:solidFill>
-                  <a:srgbClr val="FFFFFF"/>
+                  <a:schemeClr val="accent2">
+                    <a:lumMod val="75000"/>
+                  </a:schemeClr>
                 </a:solidFill>
-                <a:effectLst>
-                  <a:outerShdw dist="38100" dir="2700000" algn="tl" rotWithShape="0">
-                    <a:schemeClr val="accent2"/>
-                  </a:outerShdw>
-                </a:effectLst>
               </a:rPr>
               <a:t>Unsecure</a:t>
             </a:r>
             <a:r>
-              <a:rPr lang="fr-FR" sz="2000" b="1" dirty="0">
-                <a:ln w="6600">
-                  <a:solidFill>
-                    <a:schemeClr val="accent2"/>
-                  </a:solidFill>
-                  <a:prstDash val="solid"/>
-                </a:ln>
+              <a:rPr lang="fr-FR" sz="2000" dirty="0">
                 <a:solidFill>
-                  <a:srgbClr val="FFFFFF"/>
+                  <a:schemeClr val="accent2">
+                    <a:lumMod val="75000"/>
+                  </a:schemeClr>
                 </a:solidFill>
-                <a:effectLst>
-                  <a:outerShdw dist="38100" dir="2700000" algn="tl" rotWithShape="0">
-                    <a:schemeClr val="accent2"/>
-                  </a:outerShdw>
-                </a:effectLst>
               </a:rPr>
               <a:t> Boot </a:t>
             </a:r>
-            <a:endParaRPr lang="en-GB" b="1" dirty="0">
-              <a:ln w="6600">
-                <a:solidFill>
-                  <a:schemeClr val="accent2"/>
-                </a:solidFill>
-                <a:prstDash val="solid"/>
-              </a:ln>
+            <a:endParaRPr lang="en-GB" dirty="0">
               <a:solidFill>
-                <a:srgbClr val="FFFFFF"/>
+                <a:schemeClr val="accent2">
+                  <a:lumMod val="75000"/>
+                </a:schemeClr>
               </a:solidFill>
-              <a:effectLst>
-                <a:outerShdw dist="38100" dir="2700000" algn="tl" rotWithShape="0">
-                  <a:schemeClr val="accent2"/>
-                </a:outerShdw>
-              </a:effectLst>
             </a:endParaRPr>
           </a:p>
         </p:txBody>
@@ -14642,58 +14484,31 @@
               <a:buChar char="Ø"/>
             </a:pPr>
             <a:r>
-              <a:rPr lang="fr-FR" sz="2000" b="1" dirty="0" err="1">
-                <a:ln w="6600">
-                  <a:solidFill>
-                    <a:schemeClr val="accent2"/>
-                  </a:solidFill>
-                  <a:prstDash val="solid"/>
-                </a:ln>
+              <a:rPr lang="fr-FR" sz="2000" dirty="0" err="1">
                 <a:solidFill>
-                  <a:srgbClr val="FFFFFF"/>
+                  <a:schemeClr val="accent2">
+                    <a:lumMod val="75000"/>
+                  </a:schemeClr>
                 </a:solidFill>
-                <a:effectLst>
-                  <a:outerShdw dist="38100" dir="2700000" algn="tl" rotWithShape="0">
-                    <a:schemeClr val="accent2"/>
-                  </a:outerShdw>
-                </a:effectLst>
               </a:rPr>
               <a:t>Password</a:t>
             </a:r>
             <a:r>
-              <a:rPr lang="fr-FR" sz="2000" b="1" dirty="0">
-                <a:ln w="6600">
-                  <a:solidFill>
-                    <a:schemeClr val="accent2"/>
-                  </a:solidFill>
-                  <a:prstDash val="solid"/>
-                </a:ln>
+              <a:rPr lang="fr-FR" sz="2000" dirty="0">
                 <a:solidFill>
-                  <a:srgbClr val="FFFFFF"/>
+                  <a:schemeClr val="accent2">
+                    <a:lumMod val="75000"/>
+                  </a:schemeClr>
                 </a:solidFill>
-                <a:effectLst>
-                  <a:outerShdw dist="38100" dir="2700000" algn="tl" rotWithShape="0">
-                    <a:schemeClr val="accent2"/>
-                  </a:outerShdw>
-                </a:effectLst>
               </a:rPr>
               <a:t> Protection</a:t>
             </a:r>
-            <a:endParaRPr lang="en-GB" b="1" dirty="0">
-              <a:ln w="6600">
-                <a:solidFill>
-                  <a:schemeClr val="accent2"/>
-                </a:solidFill>
-                <a:prstDash val="solid"/>
-              </a:ln>
+            <a:endParaRPr lang="en-GB" dirty="0">
               <a:solidFill>
-                <a:srgbClr val="FFFFFF"/>
+                <a:schemeClr val="accent2">
+                  <a:lumMod val="75000"/>
+                </a:schemeClr>
               </a:solidFill>
-              <a:effectLst>
-                <a:outerShdw dist="38100" dir="2700000" algn="tl" rotWithShape="0">
-                  <a:schemeClr val="accent2"/>
-                </a:outerShdw>
-              </a:effectLst>
             </a:endParaRPr>
           </a:p>
         </p:txBody>
@@ -15723,58 +15538,31 @@
           <a:lstStyle/>
           <a:p>
             <a:r>
-              <a:rPr lang="fr-FR" sz="2800" b="1" u="sng" dirty="0">
-                <a:ln w="6600">
-                  <a:solidFill>
-                    <a:schemeClr val="accent2"/>
-                  </a:solidFill>
-                  <a:prstDash val="solid"/>
-                </a:ln>
+              <a:rPr lang="fr-FR" sz="2800" u="sng" dirty="0">
                 <a:solidFill>
-                  <a:srgbClr val="FFFFFF"/>
+                  <a:schemeClr val="accent2">
+                    <a:lumMod val="75000"/>
+                  </a:schemeClr>
                 </a:solidFill>
-                <a:effectLst>
-                  <a:outerShdw dist="38100" dir="2700000" algn="tl" rotWithShape="0">
-                    <a:schemeClr val="accent2"/>
-                  </a:outerShdw>
-                </a:effectLst>
               </a:rPr>
               <a:t>3</a:t>
             </a:r>
             <a:r>
-              <a:rPr lang="fr-FR" sz="3600" b="1" u="sng" dirty="0">
-                <a:ln w="6600">
-                  <a:solidFill>
-                    <a:schemeClr val="accent2"/>
-                  </a:solidFill>
-                  <a:prstDash val="solid"/>
-                </a:ln>
+              <a:rPr lang="fr-FR" sz="3600" u="sng" dirty="0">
                 <a:solidFill>
-                  <a:srgbClr val="FFFFFF"/>
+                  <a:schemeClr val="accent2">
+                    <a:lumMod val="75000"/>
+                  </a:schemeClr>
                 </a:solidFill>
-                <a:effectLst>
-                  <a:outerShdw dist="38100" dir="2700000" algn="tl" rotWithShape="0">
-                    <a:schemeClr val="accent2"/>
-                  </a:outerShdw>
-                </a:effectLst>
               </a:rPr>
               <a:t>. TTY</a:t>
             </a:r>
-            <a:endParaRPr lang="en-GB" sz="2800" b="1" u="sng" dirty="0">
-              <a:ln w="6600">
-                <a:solidFill>
-                  <a:schemeClr val="accent2"/>
-                </a:solidFill>
-                <a:prstDash val="solid"/>
-              </a:ln>
+            <a:endParaRPr lang="en-GB" sz="2800" u="sng" dirty="0">
               <a:solidFill>
-                <a:srgbClr val="FFFFFF"/>
+                <a:schemeClr val="accent2">
+                  <a:lumMod val="75000"/>
+                </a:schemeClr>
               </a:solidFill>
-              <a:effectLst>
-                <a:outerShdw dist="38100" dir="2700000" algn="tl" rotWithShape="0">
-                  <a:schemeClr val="accent2"/>
-                </a:outerShdw>
-              </a:effectLst>
             </a:endParaRPr>
           </a:p>
         </p:txBody>
@@ -15889,78 +15677,42 @@
               <a:buChar char="Ø"/>
             </a:pPr>
             <a:r>
-              <a:rPr lang="fr-FR" sz="2000" b="1" dirty="0" err="1">
-                <a:ln w="6600">
-                  <a:solidFill>
-                    <a:schemeClr val="accent2"/>
-                  </a:solidFill>
-                  <a:prstDash val="solid"/>
-                </a:ln>
+              <a:rPr lang="fr-FR" sz="2000" dirty="0" err="1">
                 <a:solidFill>
-                  <a:srgbClr val="FFFFFF"/>
+                  <a:schemeClr val="accent2">
+                    <a:lumMod val="75000"/>
+                  </a:schemeClr>
                 </a:solidFill>
-                <a:effectLst>
-                  <a:outerShdw dist="38100" dir="2700000" algn="tl" rotWithShape="0">
-                    <a:schemeClr val="accent2"/>
-                  </a:outerShdw>
-                </a:effectLst>
               </a:rPr>
               <a:t>Autoroot</a:t>
             </a:r>
             <a:r>
-              <a:rPr lang="fr-FR" sz="2000" b="1" dirty="0">
-                <a:ln w="6600">
-                  <a:solidFill>
-                    <a:schemeClr val="accent2"/>
-                  </a:solidFill>
-                  <a:prstDash val="solid"/>
-                </a:ln>
+              <a:rPr lang="fr-FR" sz="2000" dirty="0">
                 <a:solidFill>
-                  <a:srgbClr val="FFFFFF"/>
+                  <a:schemeClr val="accent2">
+                    <a:lumMod val="75000"/>
+                  </a:schemeClr>
                 </a:solidFill>
-                <a:effectLst>
-                  <a:outerShdw dist="38100" dir="2700000" algn="tl" rotWithShape="0">
-                    <a:schemeClr val="accent2"/>
-                  </a:outerShdw>
-                </a:effectLst>
               </a:rPr>
               <a:t> </a:t>
             </a:r>
             <a:r>
-              <a:rPr lang="fr-FR" sz="2000" b="1" dirty="0" err="1">
-                <a:ln w="6600">
-                  <a:solidFill>
-                    <a:schemeClr val="accent2"/>
-                  </a:solidFill>
-                  <a:prstDash val="solid"/>
-                </a:ln>
+              <a:rPr lang="fr-FR" sz="2000" dirty="0" err="1">
                 <a:solidFill>
-                  <a:srgbClr val="FFFFFF"/>
+                  <a:schemeClr val="accent2">
+                    <a:lumMod val="75000"/>
+                  </a:schemeClr>
                 </a:solidFill>
-                <a:effectLst>
-                  <a:outerShdw dist="38100" dir="2700000" algn="tl" rotWithShape="0">
-                    <a:schemeClr val="accent2"/>
-                  </a:outerShdw>
-                </a:effectLst>
               </a:rPr>
               <a:t>tty</a:t>
             </a:r>
             <a:r>
-              <a:rPr lang="fr-FR" sz="2000" b="1" dirty="0">
-                <a:ln w="6600">
-                  <a:solidFill>
-                    <a:schemeClr val="accent2"/>
-                  </a:solidFill>
-                  <a:prstDash val="solid"/>
-                </a:ln>
+              <a:rPr lang="fr-FR" sz="2000" dirty="0">
                 <a:solidFill>
-                  <a:srgbClr val="FFFFFF"/>
+                  <a:schemeClr val="accent2">
+                    <a:lumMod val="75000"/>
+                  </a:schemeClr>
                 </a:solidFill>
-                <a:effectLst>
-                  <a:outerShdw dist="38100" dir="2700000" algn="tl" rotWithShape="0">
-                    <a:schemeClr val="accent2"/>
-                  </a:outerShdw>
-                </a:effectLst>
               </a:rPr>
               <a:t> login</a:t>
             </a:r>
@@ -15971,39 +15723,21 @@
               <a:buChar char="Ø"/>
             </a:pPr>
             <a:r>
-              <a:rPr lang="fr-FR" sz="2000" b="1" dirty="0">
-                <a:ln w="6600">
-                  <a:solidFill>
-                    <a:schemeClr val="accent2"/>
-                  </a:solidFill>
-                  <a:prstDash val="solid"/>
-                </a:ln>
+              <a:rPr lang="fr-FR" sz="2000" dirty="0">
                 <a:solidFill>
-                  <a:srgbClr val="FFFFFF"/>
+                  <a:schemeClr val="accent2">
+                    <a:lumMod val="75000"/>
+                  </a:schemeClr>
                 </a:solidFill>
-                <a:effectLst>
-                  <a:outerShdw dist="38100" dir="2700000" algn="tl" rotWithShape="0">
-                    <a:schemeClr val="accent2"/>
-                  </a:outerShdw>
-                </a:effectLst>
               </a:rPr>
               <a:t>Tty service collision</a:t>
             </a:r>
-            <a:endParaRPr lang="en-GB" b="1" dirty="0">
-              <a:ln w="6600">
-                <a:solidFill>
-                  <a:schemeClr val="accent2"/>
-                </a:solidFill>
-                <a:prstDash val="solid"/>
-              </a:ln>
+            <a:endParaRPr lang="en-GB" dirty="0">
               <a:solidFill>
-                <a:srgbClr val="FFFFFF"/>
+                <a:schemeClr val="accent2">
+                  <a:lumMod val="75000"/>
+                </a:schemeClr>
               </a:solidFill>
-              <a:effectLst>
-                <a:outerShdw dist="38100" dir="2700000" algn="tl" rotWithShape="0">
-                  <a:schemeClr val="accent2"/>
-                </a:outerShdw>
-              </a:effectLst>
             </a:endParaRPr>
           </a:p>
         </p:txBody>
@@ -16586,39 +16320,21 @@
               <a:buChar char="Ø"/>
             </a:pPr>
             <a:r>
-              <a:rPr lang="fr-FR" sz="2000" b="1" dirty="0">
-                <a:ln w="6600">
-                  <a:solidFill>
-                    <a:schemeClr val="accent2"/>
-                  </a:solidFill>
-                  <a:prstDash val="solid"/>
-                </a:ln>
+              <a:rPr lang="fr-FR" sz="2000" dirty="0">
                 <a:solidFill>
-                  <a:srgbClr val="FFFFFF"/>
+                  <a:schemeClr val="accent2">
+                    <a:lumMod val="75000"/>
+                  </a:schemeClr>
                 </a:solidFill>
-                <a:effectLst>
-                  <a:outerShdw dist="38100" dir="2700000" algn="tl" rotWithShape="0">
-                    <a:schemeClr val="accent2"/>
-                  </a:outerShdw>
-                </a:effectLst>
               </a:rPr>
               <a:t>getty@tty1.service.d configuration</a:t>
             </a:r>
-            <a:endParaRPr lang="en-GB" b="1" dirty="0">
-              <a:ln w="6600">
-                <a:solidFill>
-                  <a:schemeClr val="accent2"/>
-                </a:solidFill>
-                <a:prstDash val="solid"/>
-              </a:ln>
+            <a:endParaRPr lang="en-GB" dirty="0">
               <a:solidFill>
-                <a:srgbClr val="FFFFFF"/>
+                <a:schemeClr val="accent2">
+                  <a:lumMod val="75000"/>
+                </a:schemeClr>
               </a:solidFill>
-              <a:effectLst>
-                <a:outerShdw dist="38100" dir="2700000" algn="tl" rotWithShape="0">
-                  <a:schemeClr val="accent2"/>
-                </a:outerShdw>
-              </a:effectLst>
             </a:endParaRPr>
           </a:p>
         </p:txBody>
@@ -16683,7 +16399,19 @@
           <p:nvPr/>
         </p:nvPicPr>
         <p:blipFill>
-          <a:blip r:embed="rId3"/>
+          <a:blip r:embed="rId3">
+            <a:extLst>
+              <a:ext uri="{BEBA8EAE-BF5A-486C-A8C5-ECC9F3942E4B}">
+                <a14:imgProps xmlns:a14="http://schemas.microsoft.com/office/drawing/2010/main">
+                  <a14:imgLayer r:embed="rId4">
+                    <a14:imgEffect>
+                      <a14:brightnessContrast bright="40000" contrast="40000"/>
+                    </a14:imgEffect>
+                  </a14:imgLayer>
+                </a14:imgProps>
+              </a:ext>
+            </a:extLst>
+          </a:blip>
           <a:stretch>
             <a:fillRect/>
           </a:stretch>
@@ -17498,58 +17226,31 @@
           <a:lstStyle/>
           <a:p>
             <a:r>
-              <a:rPr lang="fr-FR" sz="2800" b="1" u="sng" dirty="0">
-                <a:ln w="6600">
-                  <a:solidFill>
-                    <a:schemeClr val="accent2"/>
-                  </a:solidFill>
-                  <a:prstDash val="solid"/>
-                </a:ln>
+              <a:rPr lang="fr-FR" sz="2800" u="sng" dirty="0">
                 <a:solidFill>
-                  <a:srgbClr val="FFFFFF"/>
+                  <a:schemeClr val="accent2">
+                    <a:lumMod val="75000"/>
+                  </a:schemeClr>
                 </a:solidFill>
-                <a:effectLst>
-                  <a:outerShdw dist="38100" dir="2700000" algn="tl" rotWithShape="0">
-                    <a:schemeClr val="accent2"/>
-                  </a:outerShdw>
-                </a:effectLst>
               </a:rPr>
               <a:t>4</a:t>
             </a:r>
             <a:r>
-              <a:rPr lang="fr-FR" sz="3600" b="1" u="sng" dirty="0">
-                <a:ln w="6600">
-                  <a:solidFill>
-                    <a:schemeClr val="accent2"/>
-                  </a:solidFill>
-                  <a:prstDash val="solid"/>
-                </a:ln>
+              <a:rPr lang="fr-FR" sz="3600" u="sng" dirty="0">
                 <a:solidFill>
-                  <a:srgbClr val="FFFFFF"/>
+                  <a:schemeClr val="accent2">
+                    <a:lumMod val="75000"/>
+                  </a:schemeClr>
                 </a:solidFill>
-                <a:effectLst>
-                  <a:outerShdw dist="38100" dir="2700000" algn="tl" rotWithShape="0">
-                    <a:schemeClr val="accent2"/>
-                  </a:outerShdw>
-                </a:effectLst>
               </a:rPr>
               <a:t>. SSH</a:t>
             </a:r>
-            <a:endParaRPr lang="en-GB" sz="2800" b="1" u="sng" dirty="0">
-              <a:ln w="6600">
-                <a:solidFill>
-                  <a:schemeClr val="accent2"/>
-                </a:solidFill>
-                <a:prstDash val="solid"/>
-              </a:ln>
+            <a:endParaRPr lang="en-GB" sz="2800" u="sng" dirty="0">
               <a:solidFill>
-                <a:srgbClr val="FFFFFF"/>
+                <a:schemeClr val="accent2">
+                  <a:lumMod val="75000"/>
+                </a:schemeClr>
               </a:solidFill>
-              <a:effectLst>
-                <a:outerShdw dist="38100" dir="2700000" algn="tl" rotWithShape="0">
-                  <a:schemeClr val="accent2"/>
-                </a:outerShdw>
-              </a:effectLst>
             </a:endParaRPr>
           </a:p>
         </p:txBody>

--- a/Projet-Linux.pptx
+++ b/Projet-Linux.pptx
@@ -1512,6 +1512,108 @@
     <p:extLst>
       <p:ext uri="{BB962C8B-B14F-4D97-AF65-F5344CB8AC3E}">
         <p14:creationId xmlns:p14="http://schemas.microsoft.com/office/powerpoint/2010/main" val="2473427161"/>
+      </p:ext>
+    </p:extLst>
+  </p:cSld>
+  <p:clrMapOvr>
+    <a:masterClrMapping/>
+  </p:clrMapOvr>
+</p:notes>
+</file>
+
+<file path=ppt/notesSlides/notesSlide8.xml><?xml version="1.0" encoding="utf-8"?>
+<p:notes xmlns:a="http://schemas.openxmlformats.org/drawingml/2006/main" xmlns:r="http://schemas.openxmlformats.org/officeDocument/2006/relationships" xmlns:p="http://schemas.openxmlformats.org/presentationml/2006/main">
+  <p:cSld>
+    <p:spTree>
+      <p:nvGrpSpPr>
+        <p:cNvPr id="1" name=""/>
+        <p:cNvGrpSpPr/>
+        <p:nvPr/>
+      </p:nvGrpSpPr>
+      <p:grpSpPr>
+        <a:xfrm>
+          <a:off x="0" y="0"/>
+          <a:ext cx="0" cy="0"/>
+          <a:chOff x="0" y="0"/>
+          <a:chExt cx="0" cy="0"/>
+        </a:xfrm>
+      </p:grpSpPr>
+      <p:sp>
+        <p:nvSpPr>
+          <p:cNvPr id="2" name="Espace réservé de l'image des diapositives 1"/>
+          <p:cNvSpPr>
+            <a:spLocks noGrp="1" noRot="1" noChangeAspect="1"/>
+          </p:cNvSpPr>
+          <p:nvPr>
+            <p:ph type="sldImg"/>
+          </p:nvPr>
+        </p:nvSpPr>
+        <p:spPr>
+          <a:xfrm>
+            <a:off x="217488" y="812800"/>
+            <a:ext cx="7124700" cy="4008438"/>
+          </a:xfrm>
+        </p:spPr>
+      </p:sp>
+      <p:sp>
+        <p:nvSpPr>
+          <p:cNvPr id="3" name="Espace réservé des notes 2"/>
+          <p:cNvSpPr>
+            <a:spLocks noGrp="1"/>
+          </p:cNvSpPr>
+          <p:nvPr>
+            <p:ph type="body" idx="1"/>
+          </p:nvPr>
+        </p:nvSpPr>
+        <p:spPr/>
+        <p:txBody>
+          <a:bodyPr/>
+          <a:lstStyle/>
+          <a:p>
+            <a:r>
+              <a:rPr lang="fr-FR" dirty="0"/>
+              <a:t>On drop all et après on fait ses config </a:t>
+            </a:r>
+            <a:r>
+              <a:rPr lang="fr-FR" dirty="0" err="1"/>
+              <a:t>DNS,loopback,http</a:t>
+            </a:r>
+            <a:endParaRPr lang="en-GB" dirty="0"/>
+          </a:p>
+        </p:txBody>
+      </p:sp>
+      <p:sp>
+        <p:nvSpPr>
+          <p:cNvPr id="4" name="Espace réservé du numéro de diapositive 3"/>
+          <p:cNvSpPr>
+            <a:spLocks noGrp="1"/>
+          </p:cNvSpPr>
+          <p:nvPr>
+            <p:ph type="sldNum"/>
+          </p:nvPr>
+        </p:nvSpPr>
+        <p:spPr/>
+        <p:txBody>
+          <a:bodyPr/>
+          <a:lstStyle/>
+          <a:p>
+            <a:pPr algn="r"/>
+            <a:fld id="{93A85CC7-67EA-45B6-9C49-C852AF51F82B}" type="slidenum">
+              <a:rPr lang="fr-FR" sz="1400" b="0" strike="noStrike" spc="-1" smtClean="0">
+                <a:latin typeface="Times New Roman"/>
+              </a:rPr>
+              <a:t>18</a:t>
+            </a:fld>
+            <a:endParaRPr lang="fr-FR" sz="1400" b="0" strike="noStrike" spc="-1">
+              <a:latin typeface="Times New Roman"/>
+            </a:endParaRPr>
+          </a:p>
+        </p:txBody>
+      </p:sp>
+    </p:spTree>
+    <p:extLst>
+      <p:ext uri="{BB962C8B-B14F-4D97-AF65-F5344CB8AC3E}">
+        <p14:creationId xmlns:p14="http://schemas.microsoft.com/office/powerpoint/2010/main" val="1981169883"/>
       </p:ext>
     </p:extLst>
   </p:cSld>
@@ -12341,7 +12443,7 @@
           <p:nvPr/>
         </p:nvPicPr>
         <p:blipFill>
-          <a:blip r:embed="rId2">
+          <a:blip r:embed="rId3">
             <a:extLst>
               <a:ext uri="{28A0092B-C50C-407E-A947-70E740481C1C}">
                 <a14:useLocalDpi xmlns:a14="http://schemas.microsoft.com/office/drawing/2010/main" val="0"/>
@@ -12418,43 +12520,191 @@
           </a:p>
         </p:txBody>
       </p:sp>
-      <p:sp>
-        <p:nvSpPr>
-          <p:cNvPr id="6" name="Rectangle 5">
+      <p:pic>
+        <p:nvPicPr>
+          <p:cNvPr id="2" name="Image 1">
             <a:extLst>
               <a:ext uri="{FF2B5EF4-FFF2-40B4-BE49-F238E27FC236}">
-                <a16:creationId xmlns:a16="http://schemas.microsoft.com/office/drawing/2014/main" id="{8BC78EC1-985A-4A46-B004-A41E70538F89}"/>
+                <a16:creationId xmlns:a16="http://schemas.microsoft.com/office/drawing/2014/main" id="{1FBA13D5-9F98-4B21-A30C-D447591B433A}"/>
               </a:ext>
             </a:extLst>
           </p:cNvPr>
-          <p:cNvSpPr/>
+          <p:cNvPicPr>
+            <a:picLocks noChangeAspect="1"/>
+          </p:cNvPicPr>
+          <p:nvPr/>
+        </p:nvPicPr>
+        <p:blipFill>
+          <a:blip r:embed="rId4">
+            <a:extLst>
+              <a:ext uri="{BEBA8EAE-BF5A-486C-A8C5-ECC9F3942E4B}">
+                <a14:imgProps xmlns:a14="http://schemas.microsoft.com/office/drawing/2010/main">
+                  <a14:imgLayer r:embed="rId5">
+                    <a14:imgEffect>
+                      <a14:brightnessContrast bright="40000" contrast="40000"/>
+                    </a14:imgEffect>
+                  </a14:imgLayer>
+                </a14:imgProps>
+              </a:ext>
+            </a:extLst>
+          </a:blip>
+          <a:stretch>
+            <a:fillRect/>
+          </a:stretch>
+        </p:blipFill>
+        <p:spPr>
+          <a:xfrm>
+            <a:off x="2790442" y="2707480"/>
+            <a:ext cx="3005137" cy="1117488"/>
+          </a:xfrm>
+          <a:prstGeom prst="rect">
+            <a:avLst/>
+          </a:prstGeom>
+        </p:spPr>
+      </p:pic>
+      <p:sp>
+        <p:nvSpPr>
+          <p:cNvPr id="3" name="ZoneTexte 2">
+            <a:extLst>
+              <a:ext uri="{FF2B5EF4-FFF2-40B4-BE49-F238E27FC236}">
+                <a16:creationId xmlns:a16="http://schemas.microsoft.com/office/drawing/2014/main" id="{5044241E-DD40-414F-BDC6-BB91B0B71EF7}"/>
+              </a:ext>
+            </a:extLst>
+          </p:cNvPr>
+          <p:cNvSpPr txBox="1"/>
           <p:nvPr/>
         </p:nvSpPr>
         <p:spPr>
           <a:xfrm>
-            <a:off x="3048000" y="3105835"/>
-            <a:ext cx="6096000" cy="646331"/>
+            <a:off x="2714242" y="3824968"/>
+            <a:ext cx="2238758" cy="369332"/>
           </a:xfrm>
           <a:prstGeom prst="rect">
             <a:avLst/>
           </a:prstGeom>
+          <a:noFill/>
         </p:spPr>
         <p:txBody>
-          <a:bodyPr>
+          <a:bodyPr wrap="square" rtlCol="0">
             <a:spAutoFit/>
           </a:bodyPr>
           <a:lstStyle/>
           <a:p>
             <a:r>
-              <a:rPr lang="en-GB" dirty="0">
-                <a:hlinkClick r:id="rId3"/>
-              </a:rPr>
-              <a:t>https://www.thegeekstuff.com/2011/06/iptables-rules-examples/?utm_source=feedburner</a:t>
-            </a:r>
-            <a:r>
-              <a:rPr lang="en-GB" dirty="0"/>
-              <a:t>   pas fait la slide</a:t>
-            </a:r>
+              <a:rPr lang="fr-FR" dirty="0"/>
+              <a:t>Drop all by default</a:t>
+            </a:r>
+            <a:endParaRPr lang="en-GB" dirty="0"/>
+          </a:p>
+        </p:txBody>
+      </p:sp>
+      <p:sp>
+        <p:nvSpPr>
+          <p:cNvPr id="7" name="ZoneTexte 6">
+            <a:extLst>
+              <a:ext uri="{FF2B5EF4-FFF2-40B4-BE49-F238E27FC236}">
+                <a16:creationId xmlns:a16="http://schemas.microsoft.com/office/drawing/2014/main" id="{6D92AA16-90B1-46D6-9BA5-E6E338D00F38}"/>
+              </a:ext>
+            </a:extLst>
+          </p:cNvPr>
+          <p:cNvSpPr txBox="1"/>
+          <p:nvPr/>
+        </p:nvSpPr>
+        <p:spPr>
+          <a:xfrm>
+            <a:off x="6311186" y="2624639"/>
+            <a:ext cx="5576014" cy="1200329"/>
+          </a:xfrm>
+          <a:prstGeom prst="rect">
+            <a:avLst/>
+          </a:prstGeom>
+          <a:noFill/>
+        </p:spPr>
+        <p:txBody>
+          <a:bodyPr wrap="square" rtlCol="0">
+            <a:spAutoFit/>
+          </a:bodyPr>
+          <a:lstStyle/>
+          <a:p>
+            <a:pPr marL="285750" indent="-285750">
+              <a:buFont typeface="Arial" panose="020B0604020202020204" pitchFamily="34" charset="0"/>
+              <a:buChar char="•"/>
+            </a:pPr>
+            <a:r>
+              <a:rPr lang="fr-FR" dirty="0"/>
+              <a:t>Block a </a:t>
+            </a:r>
+            <a:r>
+              <a:rPr lang="fr-FR" dirty="0" err="1"/>
+              <a:t>specific</a:t>
+            </a:r>
+            <a:r>
+              <a:rPr lang="fr-FR" dirty="0"/>
+              <a:t> IP</a:t>
+            </a:r>
+          </a:p>
+          <a:p>
+            <a:pPr marL="285750" indent="-285750">
+              <a:buFont typeface="Arial" panose="020B0604020202020204" pitchFamily="34" charset="0"/>
+              <a:buChar char="•"/>
+            </a:pPr>
+            <a:r>
+              <a:rPr lang="fr-FR" dirty="0" err="1"/>
+              <a:t>Allow</a:t>
+            </a:r>
+            <a:r>
+              <a:rPr lang="fr-FR" dirty="0"/>
+              <a:t> </a:t>
+            </a:r>
+            <a:r>
+              <a:rPr lang="fr-FR" dirty="0" err="1"/>
+              <a:t>incoming</a:t>
+            </a:r>
+            <a:r>
+              <a:rPr lang="fr-FR" dirty="0"/>
+              <a:t> SSH </a:t>
+            </a:r>
+            <a:r>
+              <a:rPr lang="fr-FR" dirty="0" err="1"/>
+              <a:t>from</a:t>
+            </a:r>
+            <a:r>
+              <a:rPr lang="fr-FR" dirty="0"/>
+              <a:t> a </a:t>
+            </a:r>
+            <a:r>
+              <a:rPr lang="fr-FR" dirty="0" err="1"/>
+              <a:t>specific</a:t>
+            </a:r>
+            <a:r>
+              <a:rPr lang="fr-FR" dirty="0"/>
+              <a:t> network</a:t>
+            </a:r>
+          </a:p>
+          <a:p>
+            <a:pPr marL="285750" indent="-285750">
+              <a:buFont typeface="Arial" panose="020B0604020202020204" pitchFamily="34" charset="0"/>
+              <a:buChar char="•"/>
+            </a:pPr>
+            <a:r>
+              <a:rPr lang="fr-FR" dirty="0"/>
+              <a:t>Block ping</a:t>
+            </a:r>
+          </a:p>
+          <a:p>
+            <a:pPr marL="285750" indent="-285750">
+              <a:buFont typeface="Arial" panose="020B0604020202020204" pitchFamily="34" charset="0"/>
+              <a:buChar char="•"/>
+            </a:pPr>
+            <a:r>
+              <a:rPr lang="fr-FR" dirty="0" err="1"/>
+              <a:t>Load</a:t>
+            </a:r>
+            <a:r>
+              <a:rPr lang="fr-FR" dirty="0"/>
+              <a:t> balancing</a:t>
+            </a:r>
+            <a:endParaRPr lang="en-GB" dirty="0"/>
           </a:p>
         </p:txBody>
       </p:sp>

--- a/Projet-Linux.pptx
+++ b/Projet-Linux.pptx
@@ -6,7 +6,7 @@
     <p:sldMasterId id="2147483687" r:id="rId2"/>
   </p:sldMasterIdLst>
   <p:notesMasterIdLst>
-    <p:notesMasterId r:id="rId21"/>
+    <p:notesMasterId r:id="rId23"/>
   </p:notesMasterIdLst>
   <p:sldIdLst>
     <p:sldId id="256" r:id="rId3"/>
@@ -18,15 +18,17 @@
     <p:sldId id="262" r:id="rId9"/>
     <p:sldId id="263" r:id="rId10"/>
     <p:sldId id="264" r:id="rId11"/>
-    <p:sldId id="265" r:id="rId12"/>
-    <p:sldId id="266" r:id="rId13"/>
-    <p:sldId id="267" r:id="rId14"/>
-    <p:sldId id="268" r:id="rId15"/>
-    <p:sldId id="269" r:id="rId16"/>
-    <p:sldId id="270" r:id="rId17"/>
-    <p:sldId id="271" r:id="rId18"/>
-    <p:sldId id="272" r:id="rId19"/>
-    <p:sldId id="273" r:id="rId20"/>
+    <p:sldId id="276" r:id="rId12"/>
+    <p:sldId id="265" r:id="rId13"/>
+    <p:sldId id="266" r:id="rId14"/>
+    <p:sldId id="267" r:id="rId15"/>
+    <p:sldId id="268" r:id="rId16"/>
+    <p:sldId id="269" r:id="rId17"/>
+    <p:sldId id="270" r:id="rId18"/>
+    <p:sldId id="275" r:id="rId19"/>
+    <p:sldId id="271" r:id="rId20"/>
+    <p:sldId id="272" r:id="rId21"/>
+    <p:sldId id="273" r:id="rId22"/>
   </p:sldIdLst>
   <p:sldSz cx="12192000" cy="6858000"/>
   <p:notesSz cx="6858000" cy="9144000"/>
@@ -571,6 +573,108 @@
 </p:notes>
 </file>
 
+<file path=ppt/notesSlides/notesSlide10.xml><?xml version="1.0" encoding="utf-8"?>
+<p:notes xmlns:a="http://schemas.openxmlformats.org/drawingml/2006/main" xmlns:r="http://schemas.openxmlformats.org/officeDocument/2006/relationships" xmlns:p="http://schemas.openxmlformats.org/presentationml/2006/main">
+  <p:cSld>
+    <p:spTree>
+      <p:nvGrpSpPr>
+        <p:cNvPr id="1" name=""/>
+        <p:cNvGrpSpPr/>
+        <p:nvPr/>
+      </p:nvGrpSpPr>
+      <p:grpSpPr>
+        <a:xfrm>
+          <a:off x="0" y="0"/>
+          <a:ext cx="0" cy="0"/>
+          <a:chOff x="0" y="0"/>
+          <a:chExt cx="0" cy="0"/>
+        </a:xfrm>
+      </p:grpSpPr>
+      <p:sp>
+        <p:nvSpPr>
+          <p:cNvPr id="2" name="Espace réservé de l'image des diapositives 1"/>
+          <p:cNvSpPr>
+            <a:spLocks noGrp="1" noRot="1" noChangeAspect="1"/>
+          </p:cNvSpPr>
+          <p:nvPr>
+            <p:ph type="sldImg"/>
+          </p:nvPr>
+        </p:nvSpPr>
+        <p:spPr>
+          <a:xfrm>
+            <a:off x="217488" y="812800"/>
+            <a:ext cx="7124700" cy="4008438"/>
+          </a:xfrm>
+        </p:spPr>
+      </p:sp>
+      <p:sp>
+        <p:nvSpPr>
+          <p:cNvPr id="3" name="Espace réservé des notes 2"/>
+          <p:cNvSpPr>
+            <a:spLocks noGrp="1"/>
+          </p:cNvSpPr>
+          <p:nvPr>
+            <p:ph type="body" idx="1"/>
+          </p:nvPr>
+        </p:nvSpPr>
+        <p:spPr/>
+        <p:txBody>
+          <a:bodyPr/>
+          <a:lstStyle/>
+          <a:p>
+            <a:r>
+              <a:rPr lang="fr-FR" dirty="0"/>
+              <a:t>On drop all et après on fait ses config </a:t>
+            </a:r>
+            <a:r>
+              <a:rPr lang="fr-FR" dirty="0" err="1"/>
+              <a:t>DNS,loopback,http</a:t>
+            </a:r>
+            <a:endParaRPr lang="en-GB" dirty="0"/>
+          </a:p>
+        </p:txBody>
+      </p:sp>
+      <p:sp>
+        <p:nvSpPr>
+          <p:cNvPr id="4" name="Espace réservé du numéro de diapositive 3"/>
+          <p:cNvSpPr>
+            <a:spLocks noGrp="1"/>
+          </p:cNvSpPr>
+          <p:nvPr>
+            <p:ph type="sldNum"/>
+          </p:nvPr>
+        </p:nvSpPr>
+        <p:spPr/>
+        <p:txBody>
+          <a:bodyPr/>
+          <a:lstStyle/>
+          <a:p>
+            <a:pPr algn="r"/>
+            <a:fld id="{93A85CC7-67EA-45B6-9C49-C852AF51F82B}" type="slidenum">
+              <a:rPr lang="fr-FR" sz="1400" b="0" strike="noStrike" spc="-1" smtClean="0">
+                <a:latin typeface="Times New Roman"/>
+              </a:rPr>
+              <a:t>20</a:t>
+            </a:fld>
+            <a:endParaRPr lang="fr-FR" sz="1400" b="0" strike="noStrike" spc="-1">
+              <a:latin typeface="Times New Roman"/>
+            </a:endParaRPr>
+          </a:p>
+        </p:txBody>
+      </p:sp>
+    </p:spTree>
+    <p:extLst>
+      <p:ext uri="{BB962C8B-B14F-4D97-AF65-F5344CB8AC3E}">
+        <p14:creationId xmlns:p14="http://schemas.microsoft.com/office/powerpoint/2010/main" val="1981169883"/>
+      </p:ext>
+    </p:extLst>
+  </p:cSld>
+  <p:clrMapOvr>
+    <a:masterClrMapping/>
+  </p:clrMapOvr>
+</p:notes>
+</file>
+
 <file path=ppt/notesSlides/notesSlide2.xml><?xml version="1.0" encoding="utf-8"?>
 <p:notes xmlns:a="http://schemas.openxmlformats.org/drawingml/2006/main" xmlns:r="http://schemas.openxmlformats.org/officeDocument/2006/relationships" xmlns:p="http://schemas.openxmlformats.org/presentationml/2006/main">
   <p:cSld>
@@ -893,149 +997,6 @@
           <a:bodyPr/>
           <a:lstStyle/>
           <a:p>
-            <a:pPr marL="0" marR="0" lvl="0" indent="0" algn="l" defTabSz="914400" rtl="0" eaLnBrk="1" fontAlgn="auto" latinLnBrk="0" hangingPunct="1">
-              <a:lnSpc>
-                <a:spcPct val="100000"/>
-              </a:lnSpc>
-              <a:spcBef>
-                <a:spcPts val="0"/>
-              </a:spcBef>
-              <a:spcAft>
-                <a:spcPts val="0"/>
-              </a:spcAft>
-              <a:buClrTx/>
-              <a:buSzTx/>
-              <a:buFontTx/>
-              <a:buNone/>
-              <a:tabLst/>
-              <a:defRPr/>
-            </a:pPr>
-            <a:r>
-              <a:rPr lang="fr-FR" sz="1200" kern="1200" dirty="0">
-                <a:solidFill>
-                  <a:schemeClr val="tx1"/>
-                </a:solidFill>
-                <a:effectLst/>
-                <a:latin typeface="+mn-lt"/>
-                <a:ea typeface="+mn-ea"/>
-                <a:cs typeface="+mn-cs"/>
-              </a:rPr>
-              <a:t>Le </a:t>
-            </a:r>
-            <a:r>
-              <a:rPr lang="fr-FR" sz="1200" kern="1200" dirty="0" err="1">
-                <a:solidFill>
-                  <a:schemeClr val="tx1"/>
-                </a:solidFill>
-                <a:effectLst/>
-                <a:latin typeface="+mn-lt"/>
-                <a:ea typeface="+mn-ea"/>
-                <a:cs typeface="+mn-cs"/>
-              </a:rPr>
-              <a:t>privileged</a:t>
-            </a:r>
-            <a:r>
-              <a:rPr lang="fr-FR" sz="1200" kern="1200" dirty="0">
-                <a:solidFill>
-                  <a:schemeClr val="tx1"/>
-                </a:solidFill>
-                <a:effectLst/>
-                <a:latin typeface="+mn-lt"/>
-                <a:ea typeface="+mn-ea"/>
-                <a:cs typeface="+mn-cs"/>
-              </a:rPr>
-              <a:t> Mode signifie que le conteneur hérite de toutes les </a:t>
-            </a:r>
-            <a:r>
-              <a:rPr lang="fr-FR" sz="1200" kern="1200" dirty="0" err="1">
-                <a:solidFill>
-                  <a:schemeClr val="tx1"/>
-                </a:solidFill>
-                <a:effectLst/>
-                <a:latin typeface="+mn-lt"/>
-                <a:ea typeface="+mn-ea"/>
-                <a:cs typeface="+mn-cs"/>
-              </a:rPr>
-              <a:t>capabilities</a:t>
-            </a:r>
-            <a:r>
-              <a:rPr lang="fr-FR" sz="1200" kern="1200" dirty="0">
-                <a:solidFill>
-                  <a:schemeClr val="tx1"/>
-                </a:solidFill>
-                <a:effectLst/>
-                <a:latin typeface="+mn-lt"/>
-                <a:ea typeface="+mn-ea"/>
-                <a:cs typeface="+mn-cs"/>
-              </a:rPr>
-              <a:t> du root</a:t>
-            </a:r>
-          </a:p>
-          <a:p>
-            <a:pPr marL="0" marR="0" lvl="0" indent="0" algn="l" defTabSz="914400" rtl="0" eaLnBrk="1" fontAlgn="auto" latinLnBrk="0" hangingPunct="1">
-              <a:lnSpc>
-                <a:spcPct val="100000"/>
-              </a:lnSpc>
-              <a:spcBef>
-                <a:spcPts val="0"/>
-              </a:spcBef>
-              <a:spcAft>
-                <a:spcPts val="0"/>
-              </a:spcAft>
-              <a:buClrTx/>
-              <a:buSzTx/>
-              <a:buFontTx/>
-              <a:buNone/>
-              <a:tabLst/>
-              <a:defRPr/>
-            </a:pPr>
-            <a:r>
-              <a:rPr lang="fr-FR" sz="1200" kern="1200" dirty="0">
-                <a:solidFill>
-                  <a:schemeClr val="tx1"/>
-                </a:solidFill>
-                <a:effectLst/>
-                <a:latin typeface="+mn-lt"/>
-                <a:ea typeface="+mn-ea"/>
-                <a:cs typeface="+mn-cs"/>
-              </a:rPr>
-              <a:t>On monte la partition /dev/sda1 sur /mnt et on </a:t>
-            </a:r>
-            <a:r>
-              <a:rPr lang="fr-FR" sz="1200" kern="1200" dirty="0" err="1">
-                <a:solidFill>
-                  <a:schemeClr val="tx1"/>
-                </a:solidFill>
-                <a:effectLst/>
-                <a:latin typeface="+mn-lt"/>
-                <a:ea typeface="+mn-ea"/>
-                <a:cs typeface="+mn-cs"/>
-              </a:rPr>
-              <a:t>chroot</a:t>
-            </a:r>
-            <a:r>
-              <a:rPr lang="fr-FR" sz="1200" kern="1200" dirty="0">
-                <a:solidFill>
-                  <a:schemeClr val="tx1"/>
-                </a:solidFill>
-                <a:effectLst/>
-                <a:latin typeface="+mn-lt"/>
-                <a:ea typeface="+mn-ea"/>
-                <a:cs typeface="+mn-cs"/>
-              </a:rPr>
-              <a:t> /mnt on jailbreak du conteneur et on remonte dans la machine hôte en root.</a:t>
-            </a:r>
-            <a:endParaRPr lang="en-GB" sz="1200" kern="1200" dirty="0">
-              <a:solidFill>
-                <a:schemeClr val="tx1"/>
-              </a:solidFill>
-              <a:effectLst/>
-              <a:latin typeface="+mn-lt"/>
-              <a:ea typeface="+mn-ea"/>
-              <a:cs typeface="+mn-cs"/>
-            </a:endParaRPr>
-          </a:p>
-          <a:p>
             <a:endParaRPr lang="en-GB" dirty="0"/>
           </a:p>
         </p:txBody>
@@ -1060,7 +1021,7 @@
               <a:rPr lang="fr-FR" sz="1400" b="0" strike="noStrike" spc="-1" smtClean="0">
                 <a:latin typeface="Times New Roman"/>
               </a:rPr>
-              <a:t>11</a:t>
+              <a:t>10</a:t>
             </a:fld>
             <a:endParaRPr lang="fr-FR" sz="1400" b="0" strike="noStrike" spc="-1">
               <a:latin typeface="Times New Roman"/>
@@ -1071,7 +1032,7 @@
     </p:spTree>
     <p:extLst>
       <p:ext uri="{BB962C8B-B14F-4D97-AF65-F5344CB8AC3E}">
-        <p14:creationId xmlns:p14="http://schemas.microsoft.com/office/powerpoint/2010/main" val="2049620981"/>
+        <p14:creationId xmlns:p14="http://schemas.microsoft.com/office/powerpoint/2010/main" val="2095480172"/>
       </p:ext>
     </p:extLst>
   </p:cSld>
@@ -1130,48 +1091,149 @@
           <a:bodyPr/>
           <a:lstStyle/>
           <a:p>
-            <a:r>
-              <a:rPr lang="fr-FR" dirty="0"/>
-              <a:t>CAP_NET : donner la cap de </a:t>
-            </a:r>
-            <a:r>
-              <a:rPr lang="fr-FR" dirty="0" err="1"/>
-              <a:t>bind</a:t>
-            </a:r>
-            <a:r>
-              <a:rPr lang="fr-FR" dirty="0"/>
-              <a:t> sur des ports </a:t>
-            </a:r>
-            <a:r>
-              <a:rPr lang="fr-FR" dirty="0" err="1"/>
-              <a:t>priviliégiés</a:t>
-            </a:r>
-            <a:endParaRPr lang="fr-FR" dirty="0"/>
-          </a:p>
-          <a:p>
-            <a:endParaRPr lang="fr-FR" dirty="0"/>
-          </a:p>
-          <a:p>
-            <a:r>
-              <a:rPr lang="fr-FR" dirty="0"/>
-              <a:t>On fait des règles </a:t>
-            </a:r>
-            <a:r>
-              <a:rPr lang="fr-FR" dirty="0" err="1"/>
-              <a:t>iptables</a:t>
-            </a:r>
-            <a:r>
-              <a:rPr lang="fr-FR" dirty="0"/>
-              <a:t> pour rediriger les </a:t>
-            </a:r>
-            <a:r>
-              <a:rPr lang="fr-FR" dirty="0" err="1"/>
-              <a:t>co</a:t>
-            </a:r>
-            <a:r>
-              <a:rPr lang="fr-FR" dirty="0"/>
-              <a:t> sur le port 80 sur des ports non privilégiés</a:t>
-            </a:r>
+            <a:pPr marL="0" marR="0" lvl="0" indent="0" algn="l" defTabSz="914400" rtl="0" eaLnBrk="1" fontAlgn="auto" latinLnBrk="0" hangingPunct="1">
+              <a:lnSpc>
+                <a:spcPct val="100000"/>
+              </a:lnSpc>
+              <a:spcBef>
+                <a:spcPts val="0"/>
+              </a:spcBef>
+              <a:spcAft>
+                <a:spcPts val="0"/>
+              </a:spcAft>
+              <a:buClrTx/>
+              <a:buSzTx/>
+              <a:buFontTx/>
+              <a:buNone/>
+              <a:tabLst/>
+              <a:defRPr/>
+            </a:pPr>
+            <a:r>
+              <a:rPr lang="fr-FR" sz="1200" kern="1200" dirty="0">
+                <a:solidFill>
+                  <a:schemeClr val="tx1"/>
+                </a:solidFill>
+                <a:effectLst/>
+                <a:latin typeface="+mn-lt"/>
+                <a:ea typeface="+mn-ea"/>
+                <a:cs typeface="+mn-cs"/>
+              </a:rPr>
+              <a:t>Le </a:t>
+            </a:r>
+            <a:r>
+              <a:rPr lang="fr-FR" sz="1200" kern="1200" dirty="0" err="1">
+                <a:solidFill>
+                  <a:schemeClr val="tx1"/>
+                </a:solidFill>
+                <a:effectLst/>
+                <a:latin typeface="+mn-lt"/>
+                <a:ea typeface="+mn-ea"/>
+                <a:cs typeface="+mn-cs"/>
+              </a:rPr>
+              <a:t>privileged</a:t>
+            </a:r>
+            <a:r>
+              <a:rPr lang="fr-FR" sz="1200" kern="1200" dirty="0">
+                <a:solidFill>
+                  <a:schemeClr val="tx1"/>
+                </a:solidFill>
+                <a:effectLst/>
+                <a:latin typeface="+mn-lt"/>
+                <a:ea typeface="+mn-ea"/>
+                <a:cs typeface="+mn-cs"/>
+              </a:rPr>
+              <a:t> Mode signifie que le conteneur hérite de toutes les </a:t>
+            </a:r>
+            <a:r>
+              <a:rPr lang="fr-FR" sz="1200" kern="1200" dirty="0" err="1">
+                <a:solidFill>
+                  <a:schemeClr val="tx1"/>
+                </a:solidFill>
+                <a:effectLst/>
+                <a:latin typeface="+mn-lt"/>
+                <a:ea typeface="+mn-ea"/>
+                <a:cs typeface="+mn-cs"/>
+              </a:rPr>
+              <a:t>capabilities</a:t>
+            </a:r>
+            <a:r>
+              <a:rPr lang="fr-FR" sz="1200" kern="1200" dirty="0">
+                <a:solidFill>
+                  <a:schemeClr val="tx1"/>
+                </a:solidFill>
+                <a:effectLst/>
+                <a:latin typeface="+mn-lt"/>
+                <a:ea typeface="+mn-ea"/>
+                <a:cs typeface="+mn-cs"/>
+              </a:rPr>
+              <a:t> du root</a:t>
+            </a:r>
+          </a:p>
+          <a:p>
+            <a:pPr marL="0" marR="0" lvl="0" indent="0" algn="l" defTabSz="914400" rtl="0" eaLnBrk="1" fontAlgn="auto" latinLnBrk="0" hangingPunct="1">
+              <a:lnSpc>
+                <a:spcPct val="100000"/>
+              </a:lnSpc>
+              <a:spcBef>
+                <a:spcPts val="0"/>
+              </a:spcBef>
+              <a:spcAft>
+                <a:spcPts val="0"/>
+              </a:spcAft>
+              <a:buClrTx/>
+              <a:buSzTx/>
+              <a:buFontTx/>
+              <a:buNone/>
+              <a:tabLst/>
+              <a:defRPr/>
+            </a:pPr>
+            <a:r>
+              <a:rPr lang="fr-FR" sz="1200" kern="1200" dirty="0">
+                <a:solidFill>
+                  <a:schemeClr val="tx1"/>
+                </a:solidFill>
+                <a:effectLst/>
+                <a:latin typeface="+mn-lt"/>
+                <a:ea typeface="+mn-ea"/>
+                <a:cs typeface="+mn-cs"/>
+              </a:rPr>
+              <a:t>On monte la partition /dev/sda1 sur /mnt et on </a:t>
+            </a:r>
+            <a:r>
+              <a:rPr lang="fr-FR" sz="1200" kern="1200" dirty="0" err="1">
+                <a:solidFill>
+                  <a:schemeClr val="tx1"/>
+                </a:solidFill>
+                <a:effectLst/>
+                <a:latin typeface="+mn-lt"/>
+                <a:ea typeface="+mn-ea"/>
+                <a:cs typeface="+mn-cs"/>
+              </a:rPr>
+              <a:t>chroot</a:t>
+            </a:r>
+            <a:r>
+              <a:rPr lang="fr-FR" sz="1200" kern="1200" dirty="0">
+                <a:solidFill>
+                  <a:schemeClr val="tx1"/>
+                </a:solidFill>
+                <a:effectLst/>
+                <a:latin typeface="+mn-lt"/>
+                <a:ea typeface="+mn-ea"/>
+                <a:cs typeface="+mn-cs"/>
+              </a:rPr>
+              <a:t> /mnt on jailbreak du conteneur et on remonte dans la machine hôte en root.</a:t>
+            </a:r>
+            <a:endParaRPr lang="en-GB" sz="1200" kern="1200" dirty="0">
+              <a:solidFill>
+                <a:schemeClr val="tx1"/>
+              </a:solidFill>
+              <a:effectLst/>
+              <a:latin typeface="+mn-lt"/>
+              <a:ea typeface="+mn-ea"/>
+              <a:cs typeface="+mn-cs"/>
+            </a:endParaRPr>
+          </a:p>
+          <a:p>
             <a:endParaRPr lang="en-GB" dirty="0"/>
           </a:p>
         </p:txBody>
@@ -1196,7 +1258,7 @@
               <a:rPr lang="fr-FR" sz="1400" b="0" strike="noStrike" spc="-1" smtClean="0">
                 <a:latin typeface="Times New Roman"/>
               </a:rPr>
-              <a:t>13</a:t>
+              <a:t>12</a:t>
             </a:fld>
             <a:endParaRPr lang="fr-FR" sz="1400" b="0" strike="noStrike" spc="-1">
               <a:latin typeface="Times New Roman"/>
@@ -1207,7 +1269,7 @@
     </p:spTree>
     <p:extLst>
       <p:ext uri="{BB962C8B-B14F-4D97-AF65-F5344CB8AC3E}">
-        <p14:creationId xmlns:p14="http://schemas.microsoft.com/office/powerpoint/2010/main" val="1380484148"/>
+        <p14:creationId xmlns:p14="http://schemas.microsoft.com/office/powerpoint/2010/main" val="2049620981"/>
       </p:ext>
     </p:extLst>
   </p:cSld>
@@ -1266,122 +1328,48 @@
           <a:bodyPr/>
           <a:lstStyle/>
           <a:p>
-            <a:pPr marL="0" marR="0" lvl="0" indent="0" algn="l" defTabSz="914400" rtl="0" eaLnBrk="1" fontAlgn="auto" latinLnBrk="0" hangingPunct="1">
-              <a:lnSpc>
-                <a:spcPct val="100000"/>
-              </a:lnSpc>
-              <a:spcBef>
-                <a:spcPts val="0"/>
-              </a:spcBef>
-              <a:spcAft>
-                <a:spcPts val="0"/>
-              </a:spcAft>
-              <a:buClrTx/>
-              <a:buSzTx/>
-              <a:buFontTx/>
-              <a:buNone/>
-              <a:tabLst/>
-              <a:defRPr/>
-            </a:pPr>
-            <a:r>
-              <a:rPr lang="en-GB" sz="1200" b="1" i="0" kern="1200" dirty="0">
-                <a:solidFill>
-                  <a:schemeClr val="tx1"/>
-                </a:solidFill>
-                <a:effectLst/>
-                <a:latin typeface="+mn-lt"/>
-                <a:ea typeface="+mn-ea"/>
-                <a:cs typeface="+mn-cs"/>
-              </a:rPr>
-              <a:t>Linux</a:t>
-            </a:r>
-            <a:r>
-              <a:rPr lang="en-GB" sz="1200" b="0" i="0" kern="1200" dirty="0">
-                <a:solidFill>
-                  <a:schemeClr val="tx1"/>
-                </a:solidFill>
-                <a:effectLst/>
-                <a:latin typeface="+mn-lt"/>
-                <a:ea typeface="+mn-ea"/>
-                <a:cs typeface="+mn-cs"/>
-              </a:rPr>
-              <a:t>-</a:t>
-            </a:r>
-            <a:r>
-              <a:rPr lang="en-GB" sz="1200" b="1" i="0" kern="1200" dirty="0">
-                <a:solidFill>
-                  <a:schemeClr val="tx1"/>
-                </a:solidFill>
-                <a:effectLst/>
-                <a:latin typeface="+mn-lt"/>
-                <a:ea typeface="+mn-ea"/>
-                <a:cs typeface="+mn-cs"/>
-              </a:rPr>
-              <a:t>PAM</a:t>
-            </a:r>
-            <a:r>
-              <a:rPr lang="en-GB" sz="1200" b="0" i="0" kern="1200" dirty="0">
-                <a:solidFill>
-                  <a:schemeClr val="tx1"/>
-                </a:solidFill>
-                <a:effectLst/>
-                <a:latin typeface="+mn-lt"/>
-                <a:ea typeface="+mn-ea"/>
-                <a:cs typeface="+mn-cs"/>
-              </a:rPr>
-              <a:t> (short for Pluggable Authentication Modules) is a powerful suite of shared libraries used to dynamically authenticate a </a:t>
-            </a:r>
-            <a:r>
-              <a:rPr lang="en-GB" sz="1200" b="1" i="0" kern="1200" dirty="0">
-                <a:solidFill>
-                  <a:schemeClr val="tx1"/>
-                </a:solidFill>
-                <a:effectLst/>
-                <a:latin typeface="+mn-lt"/>
-                <a:ea typeface="+mn-ea"/>
-                <a:cs typeface="+mn-cs"/>
-              </a:rPr>
-              <a:t>user</a:t>
-            </a:r>
-            <a:r>
-              <a:rPr lang="en-GB" sz="1200" b="0" i="0" kern="1200" dirty="0">
-                <a:solidFill>
-                  <a:schemeClr val="tx1"/>
-                </a:solidFill>
-                <a:effectLst/>
-                <a:latin typeface="+mn-lt"/>
-                <a:ea typeface="+mn-ea"/>
-                <a:cs typeface="+mn-cs"/>
-              </a:rPr>
-              <a:t> to applications (or services) in a </a:t>
-            </a:r>
-            <a:r>
-              <a:rPr lang="en-GB" sz="1200" b="1" i="0" kern="1200" dirty="0">
-                <a:solidFill>
-                  <a:schemeClr val="tx1"/>
-                </a:solidFill>
-                <a:effectLst/>
-                <a:latin typeface="+mn-lt"/>
-                <a:ea typeface="+mn-ea"/>
-                <a:cs typeface="+mn-cs"/>
-              </a:rPr>
-              <a:t>Linux</a:t>
-            </a:r>
-            <a:r>
-              <a:rPr lang="en-GB" sz="1200" b="0" i="0" kern="1200" dirty="0">
-                <a:solidFill>
-                  <a:schemeClr val="tx1"/>
-                </a:solidFill>
-                <a:effectLst/>
-                <a:latin typeface="+mn-lt"/>
-                <a:ea typeface="+mn-ea"/>
-                <a:cs typeface="+mn-cs"/>
-              </a:rPr>
-              <a:t> system.</a:t>
-            </a:r>
-            <a:endParaRPr lang="en-GB" dirty="0"/>
-          </a:p>
-          <a:p>
+            <a:r>
+              <a:rPr lang="fr-FR" dirty="0"/>
+              <a:t>CAP_NET : donner la cap de </a:t>
+            </a:r>
+            <a:r>
+              <a:rPr lang="fr-FR" dirty="0" err="1"/>
+              <a:t>bind</a:t>
+            </a:r>
+            <a:r>
+              <a:rPr lang="fr-FR" dirty="0"/>
+              <a:t> sur des ports </a:t>
+            </a:r>
+            <a:r>
+              <a:rPr lang="fr-FR" dirty="0" err="1"/>
+              <a:t>priviliégiés</a:t>
+            </a:r>
+            <a:endParaRPr lang="fr-FR" dirty="0"/>
+          </a:p>
+          <a:p>
+            <a:endParaRPr lang="fr-FR" dirty="0"/>
+          </a:p>
+          <a:p>
+            <a:r>
+              <a:rPr lang="fr-FR" dirty="0"/>
+              <a:t>On fait des règles </a:t>
+            </a:r>
+            <a:r>
+              <a:rPr lang="fr-FR" dirty="0" err="1"/>
+              <a:t>iptables</a:t>
+            </a:r>
+            <a:r>
+              <a:rPr lang="fr-FR" dirty="0"/>
+              <a:t> pour rediriger les </a:t>
+            </a:r>
+            <a:r>
+              <a:rPr lang="fr-FR" dirty="0" err="1"/>
+              <a:t>co</a:t>
+            </a:r>
+            <a:r>
+              <a:rPr lang="fr-FR" dirty="0"/>
+              <a:t> sur le port 80 sur des ports non privilégiés</a:t>
+            </a:r>
             <a:endParaRPr lang="en-GB" dirty="0"/>
           </a:p>
         </p:txBody>
@@ -1417,7 +1405,7 @@
     </p:spTree>
     <p:extLst>
       <p:ext uri="{BB962C8B-B14F-4D97-AF65-F5344CB8AC3E}">
-        <p14:creationId xmlns:p14="http://schemas.microsoft.com/office/powerpoint/2010/main" val="1722634384"/>
+        <p14:creationId xmlns:p14="http://schemas.microsoft.com/office/powerpoint/2010/main" val="1380484148"/>
       </p:ext>
     </p:extLst>
   </p:cSld>
@@ -1476,6 +1464,122 @@
           <a:bodyPr/>
           <a:lstStyle/>
           <a:p>
+            <a:pPr marL="0" marR="0" lvl="0" indent="0" algn="l" defTabSz="914400" rtl="0" eaLnBrk="1" fontAlgn="auto" latinLnBrk="0" hangingPunct="1">
+              <a:lnSpc>
+                <a:spcPct val="100000"/>
+              </a:lnSpc>
+              <a:spcBef>
+                <a:spcPts val="0"/>
+              </a:spcBef>
+              <a:spcAft>
+                <a:spcPts val="0"/>
+              </a:spcAft>
+              <a:buClrTx/>
+              <a:buSzTx/>
+              <a:buFontTx/>
+              <a:buNone/>
+              <a:tabLst/>
+              <a:defRPr/>
+            </a:pPr>
+            <a:r>
+              <a:rPr lang="en-GB" sz="1200" b="1" i="0" kern="1200" dirty="0">
+                <a:solidFill>
+                  <a:schemeClr val="tx1"/>
+                </a:solidFill>
+                <a:effectLst/>
+                <a:latin typeface="+mn-lt"/>
+                <a:ea typeface="+mn-ea"/>
+                <a:cs typeface="+mn-cs"/>
+              </a:rPr>
+              <a:t>Linux</a:t>
+            </a:r>
+            <a:r>
+              <a:rPr lang="en-GB" sz="1200" b="0" i="0" kern="1200" dirty="0">
+                <a:solidFill>
+                  <a:schemeClr val="tx1"/>
+                </a:solidFill>
+                <a:effectLst/>
+                <a:latin typeface="+mn-lt"/>
+                <a:ea typeface="+mn-ea"/>
+                <a:cs typeface="+mn-cs"/>
+              </a:rPr>
+              <a:t>-</a:t>
+            </a:r>
+            <a:r>
+              <a:rPr lang="en-GB" sz="1200" b="1" i="0" kern="1200" dirty="0">
+                <a:solidFill>
+                  <a:schemeClr val="tx1"/>
+                </a:solidFill>
+                <a:effectLst/>
+                <a:latin typeface="+mn-lt"/>
+                <a:ea typeface="+mn-ea"/>
+                <a:cs typeface="+mn-cs"/>
+              </a:rPr>
+              <a:t>PAM</a:t>
+            </a:r>
+            <a:r>
+              <a:rPr lang="en-GB" sz="1200" b="0" i="0" kern="1200" dirty="0">
+                <a:solidFill>
+                  <a:schemeClr val="tx1"/>
+                </a:solidFill>
+                <a:effectLst/>
+                <a:latin typeface="+mn-lt"/>
+                <a:ea typeface="+mn-ea"/>
+                <a:cs typeface="+mn-cs"/>
+              </a:rPr>
+              <a:t> (short for Pluggable Authentication Modules) is a powerful suite of shared libraries used to dynamically authenticate a </a:t>
+            </a:r>
+            <a:r>
+              <a:rPr lang="en-GB" sz="1200" b="1" i="0" kern="1200" dirty="0">
+                <a:solidFill>
+                  <a:schemeClr val="tx1"/>
+                </a:solidFill>
+                <a:effectLst/>
+                <a:latin typeface="+mn-lt"/>
+                <a:ea typeface="+mn-ea"/>
+                <a:cs typeface="+mn-cs"/>
+              </a:rPr>
+              <a:t>user</a:t>
+            </a:r>
+            <a:r>
+              <a:rPr lang="en-GB" sz="1200" b="0" i="0" kern="1200" dirty="0">
+                <a:solidFill>
+                  <a:schemeClr val="tx1"/>
+                </a:solidFill>
+                <a:effectLst/>
+                <a:latin typeface="+mn-lt"/>
+                <a:ea typeface="+mn-ea"/>
+                <a:cs typeface="+mn-cs"/>
+              </a:rPr>
+              <a:t> to applications (or services) in a </a:t>
+            </a:r>
+            <a:r>
+              <a:rPr lang="en-GB" sz="1200" b="1" i="0" kern="1200" dirty="0">
+                <a:solidFill>
+                  <a:schemeClr val="tx1"/>
+                </a:solidFill>
+                <a:effectLst/>
+                <a:latin typeface="+mn-lt"/>
+                <a:ea typeface="+mn-ea"/>
+                <a:cs typeface="+mn-cs"/>
+              </a:rPr>
+              <a:t>Linux</a:t>
+            </a:r>
+            <a:r>
+              <a:rPr lang="en-GB" sz="1200" b="0" i="0" kern="1200" dirty="0">
+                <a:solidFill>
+                  <a:schemeClr val="tx1"/>
+                </a:solidFill>
+                <a:effectLst/>
+                <a:latin typeface="+mn-lt"/>
+                <a:ea typeface="+mn-ea"/>
+                <a:cs typeface="+mn-cs"/>
+              </a:rPr>
+              <a:t> system.</a:t>
+            </a:r>
+            <a:endParaRPr lang="en-GB" dirty="0"/>
+          </a:p>
+          <a:p>
             <a:endParaRPr lang="en-GB" dirty="0"/>
           </a:p>
         </p:txBody>
@@ -1511,7 +1615,7 @@
     </p:spTree>
     <p:extLst>
       <p:ext uri="{BB962C8B-B14F-4D97-AF65-F5344CB8AC3E}">
-        <p14:creationId xmlns:p14="http://schemas.microsoft.com/office/powerpoint/2010/main" val="2473427161"/>
+        <p14:creationId xmlns:p14="http://schemas.microsoft.com/office/powerpoint/2010/main" val="1722634384"/>
       </p:ext>
     </p:extLst>
   </p:cSld>
@@ -1570,14 +1674,6 @@
           <a:bodyPr/>
           <a:lstStyle/>
           <a:p>
-            <a:r>
-              <a:rPr lang="fr-FR" dirty="0"/>
-              <a:t>On drop all et après on fait ses config </a:t>
-            </a:r>
-            <a:r>
-              <a:rPr lang="fr-FR" dirty="0" err="1"/>
-              <a:t>DNS,loopback,http</a:t>
-            </a:r>
             <a:endParaRPr lang="en-GB" dirty="0"/>
           </a:p>
         </p:txBody>
@@ -1602,7 +1698,7 @@
               <a:rPr lang="fr-FR" sz="1400" b="0" strike="noStrike" spc="-1" smtClean="0">
                 <a:latin typeface="Times New Roman"/>
               </a:rPr>
-              <a:t>18</a:t>
+              <a:t>16</a:t>
             </a:fld>
             <a:endParaRPr lang="fr-FR" sz="1400" b="0" strike="noStrike" spc="-1">
               <a:latin typeface="Times New Roman"/>
@@ -1613,7 +1709,101 @@
     </p:spTree>
     <p:extLst>
       <p:ext uri="{BB962C8B-B14F-4D97-AF65-F5344CB8AC3E}">
-        <p14:creationId xmlns:p14="http://schemas.microsoft.com/office/powerpoint/2010/main" val="1981169883"/>
+        <p14:creationId xmlns:p14="http://schemas.microsoft.com/office/powerpoint/2010/main" val="2473427161"/>
+      </p:ext>
+    </p:extLst>
+  </p:cSld>
+  <p:clrMapOvr>
+    <a:masterClrMapping/>
+  </p:clrMapOvr>
+</p:notes>
+</file>
+
+<file path=ppt/notesSlides/notesSlide9.xml><?xml version="1.0" encoding="utf-8"?>
+<p:notes xmlns:a="http://schemas.openxmlformats.org/drawingml/2006/main" xmlns:r="http://schemas.openxmlformats.org/officeDocument/2006/relationships" xmlns:p="http://schemas.openxmlformats.org/presentationml/2006/main">
+  <p:cSld>
+    <p:spTree>
+      <p:nvGrpSpPr>
+        <p:cNvPr id="1" name=""/>
+        <p:cNvGrpSpPr/>
+        <p:nvPr/>
+      </p:nvGrpSpPr>
+      <p:grpSpPr>
+        <a:xfrm>
+          <a:off x="0" y="0"/>
+          <a:ext cx="0" cy="0"/>
+          <a:chOff x="0" y="0"/>
+          <a:chExt cx="0" cy="0"/>
+        </a:xfrm>
+      </p:grpSpPr>
+      <p:sp>
+        <p:nvSpPr>
+          <p:cNvPr id="2" name="Espace réservé de l'image des diapositives 1"/>
+          <p:cNvSpPr>
+            <a:spLocks noGrp="1" noRot="1" noChangeAspect="1"/>
+          </p:cNvSpPr>
+          <p:nvPr>
+            <p:ph type="sldImg"/>
+          </p:nvPr>
+        </p:nvSpPr>
+        <p:spPr>
+          <a:xfrm>
+            <a:off x="217488" y="812800"/>
+            <a:ext cx="7124700" cy="4008438"/>
+          </a:xfrm>
+        </p:spPr>
+      </p:sp>
+      <p:sp>
+        <p:nvSpPr>
+          <p:cNvPr id="3" name="Espace réservé des notes 2"/>
+          <p:cNvSpPr>
+            <a:spLocks noGrp="1"/>
+          </p:cNvSpPr>
+          <p:nvPr>
+            <p:ph type="body" idx="1"/>
+          </p:nvPr>
+        </p:nvSpPr>
+        <p:spPr/>
+        <p:txBody>
+          <a:bodyPr/>
+          <a:lstStyle/>
+          <a:p>
+            <a:endParaRPr lang="en-GB" dirty="0"/>
+          </a:p>
+        </p:txBody>
+      </p:sp>
+      <p:sp>
+        <p:nvSpPr>
+          <p:cNvPr id="4" name="Espace réservé du numéro de diapositive 3"/>
+          <p:cNvSpPr>
+            <a:spLocks noGrp="1"/>
+          </p:cNvSpPr>
+          <p:nvPr>
+            <p:ph type="sldNum"/>
+          </p:nvPr>
+        </p:nvSpPr>
+        <p:spPr/>
+        <p:txBody>
+          <a:bodyPr/>
+          <a:lstStyle/>
+          <a:p>
+            <a:pPr algn="r"/>
+            <a:fld id="{93A85CC7-67EA-45B6-9C49-C852AF51F82B}" type="slidenum">
+              <a:rPr lang="fr-FR" sz="1400" b="0" strike="noStrike" spc="-1" smtClean="0">
+                <a:latin typeface="Times New Roman"/>
+              </a:rPr>
+              <a:t>17</a:t>
+            </a:fld>
+            <a:endParaRPr lang="fr-FR" sz="1400" b="0" strike="noStrike" spc="-1">
+              <a:latin typeface="Times New Roman"/>
+            </a:endParaRPr>
+          </a:p>
+        </p:txBody>
+      </p:sp>
+    </p:spTree>
+    <p:extLst>
+      <p:ext uri="{BB962C8B-B14F-4D97-AF65-F5344CB8AC3E}">
+        <p14:creationId xmlns:p14="http://schemas.microsoft.com/office/powerpoint/2010/main" val="2072218021"/>
       </p:ext>
     </p:extLst>
   </p:cSld>
@@ -8098,6 +8288,336 @@
           <a:chExt cx="0" cy="0"/>
         </a:xfrm>
       </p:grpSpPr>
+      <p:pic>
+        <p:nvPicPr>
+          <p:cNvPr id="4" name="Picture 10" descr="Related image">
+            <a:extLst>
+              <a:ext uri="{FF2B5EF4-FFF2-40B4-BE49-F238E27FC236}">
+                <a16:creationId xmlns:a16="http://schemas.microsoft.com/office/drawing/2014/main" id="{D2B05E06-9C99-41AE-80F9-5C15702FD0FE}"/>
+              </a:ext>
+            </a:extLst>
+          </p:cNvPr>
+          <p:cNvPicPr>
+            <a:picLocks noChangeAspect="1" noChangeArrowheads="1"/>
+          </p:cNvPicPr>
+          <p:nvPr/>
+        </p:nvPicPr>
+        <p:blipFill>
+          <a:blip r:embed="rId3">
+            <a:extLst>
+              <a:ext uri="{28A0092B-C50C-407E-A947-70E740481C1C}">
+                <a14:useLocalDpi xmlns:a14="http://schemas.microsoft.com/office/drawing/2010/main" val="0"/>
+              </a:ext>
+            </a:extLst>
+          </a:blip>
+          <a:srcRect/>
+          <a:stretch>
+            <a:fillRect/>
+          </a:stretch>
+        </p:blipFill>
+        <p:spPr bwMode="auto">
+          <a:xfrm>
+            <a:off x="2415862" y="1290185"/>
+            <a:ext cx="727392" cy="727392"/>
+          </a:xfrm>
+          <a:prstGeom prst="rect">
+            <a:avLst/>
+          </a:prstGeom>
+          <a:noFill/>
+          <a:extLst>
+            <a:ext uri="{909E8E84-426E-40DD-AFC4-6F175D3DCCD1}">
+              <a14:hiddenFill xmlns:a14="http://schemas.microsoft.com/office/drawing/2010/main">
+                <a:solidFill>
+                  <a:srgbClr val="FFFFFF"/>
+                </a:solidFill>
+              </a14:hiddenFill>
+            </a:ext>
+          </a:extLst>
+        </p:spPr>
+      </p:pic>
+      <p:sp>
+        <p:nvSpPr>
+          <p:cNvPr id="5" name="ZoneTexte 4">
+            <a:extLst>
+              <a:ext uri="{FF2B5EF4-FFF2-40B4-BE49-F238E27FC236}">
+                <a16:creationId xmlns:a16="http://schemas.microsoft.com/office/drawing/2014/main" id="{5E12F085-DA9C-457A-B0A8-90EB7BF55102}"/>
+              </a:ext>
+            </a:extLst>
+          </p:cNvPr>
+          <p:cNvSpPr txBox="1"/>
+          <p:nvPr/>
+        </p:nvSpPr>
+        <p:spPr>
+          <a:xfrm>
+            <a:off x="3143254" y="1453826"/>
+            <a:ext cx="5325832" cy="400110"/>
+          </a:xfrm>
+          <a:prstGeom prst="rect">
+            <a:avLst/>
+          </a:prstGeom>
+          <a:noFill/>
+        </p:spPr>
+        <p:txBody>
+          <a:bodyPr wrap="square" rtlCol="0">
+            <a:spAutoFit/>
+          </a:bodyPr>
+          <a:lstStyle/>
+          <a:p>
+            <a:pPr marL="342900" indent="-342900">
+              <a:buFont typeface="Wingdings" panose="05000000000000000000" pitchFamily="2" charset="2"/>
+              <a:buChar char="Ø"/>
+            </a:pPr>
+            <a:r>
+              <a:rPr lang="fr-FR" sz="2000" b="1" dirty="0">
+                <a:ln w="6600">
+                  <a:solidFill>
+                    <a:schemeClr val="accent2"/>
+                  </a:solidFill>
+                  <a:prstDash val="solid"/>
+                </a:ln>
+                <a:solidFill>
+                  <a:srgbClr val="FFFFFF"/>
+                </a:solidFill>
+                <a:effectLst>
+                  <a:outerShdw dist="38100" dir="2700000" algn="tl" rotWithShape="0">
+                    <a:schemeClr val="accent2"/>
+                  </a:outerShdw>
+                </a:effectLst>
+              </a:rPr>
+              <a:t>Accès root en SSH</a:t>
+            </a:r>
+          </a:p>
+        </p:txBody>
+      </p:sp>
+      <p:pic>
+        <p:nvPicPr>
+          <p:cNvPr id="6" name="Picture 2" descr="Image result for cybersecurity shield icon">
+            <a:extLst>
+              <a:ext uri="{FF2B5EF4-FFF2-40B4-BE49-F238E27FC236}">
+                <a16:creationId xmlns:a16="http://schemas.microsoft.com/office/drawing/2014/main" id="{69E9D87A-091E-48F1-9C15-000689425A80}"/>
+              </a:ext>
+            </a:extLst>
+          </p:cNvPr>
+          <p:cNvPicPr>
+            <a:picLocks noChangeAspect="1" noChangeArrowheads="1"/>
+          </p:cNvPicPr>
+          <p:nvPr/>
+        </p:nvPicPr>
+        <p:blipFill>
+          <a:blip r:embed="rId4">
+            <a:extLst>
+              <a:ext uri="{28A0092B-C50C-407E-A947-70E740481C1C}">
+                <a14:useLocalDpi xmlns:a14="http://schemas.microsoft.com/office/drawing/2010/main" val="0"/>
+              </a:ext>
+            </a:extLst>
+          </a:blip>
+          <a:srcRect/>
+          <a:stretch>
+            <a:fillRect/>
+          </a:stretch>
+        </p:blipFill>
+        <p:spPr bwMode="auto">
+          <a:xfrm>
+            <a:off x="2562148" y="2510037"/>
+            <a:ext cx="434819" cy="572130"/>
+          </a:xfrm>
+          <a:prstGeom prst="rect">
+            <a:avLst/>
+          </a:prstGeom>
+          <a:noFill/>
+          <a:extLst>
+            <a:ext uri="{909E8E84-426E-40DD-AFC4-6F175D3DCCD1}">
+              <a14:hiddenFill xmlns:a14="http://schemas.microsoft.com/office/drawing/2010/main">
+                <a:solidFill>
+                  <a:srgbClr val="FFFFFF"/>
+                </a:solidFill>
+              </a14:hiddenFill>
+            </a:ext>
+          </a:extLst>
+        </p:spPr>
+      </p:pic>
+      <p:sp>
+        <p:nvSpPr>
+          <p:cNvPr id="7" name="ZoneTexte 6">
+            <a:extLst>
+              <a:ext uri="{FF2B5EF4-FFF2-40B4-BE49-F238E27FC236}">
+                <a16:creationId xmlns:a16="http://schemas.microsoft.com/office/drawing/2014/main" id="{C6FAE761-269F-47B2-9A0A-DE13225FE575}"/>
+              </a:ext>
+            </a:extLst>
+          </p:cNvPr>
+          <p:cNvSpPr txBox="1"/>
+          <p:nvPr/>
+        </p:nvSpPr>
+        <p:spPr>
+          <a:xfrm>
+            <a:off x="3143254" y="2596047"/>
+            <a:ext cx="5325832" cy="400110"/>
+          </a:xfrm>
+          <a:prstGeom prst="rect">
+            <a:avLst/>
+          </a:prstGeom>
+          <a:noFill/>
+        </p:spPr>
+        <p:txBody>
+          <a:bodyPr wrap="square" rtlCol="0">
+            <a:spAutoFit/>
+          </a:bodyPr>
+          <a:lstStyle/>
+          <a:p>
+            <a:pPr marL="342900" indent="-342900">
+              <a:buFont typeface="Wingdings" panose="05000000000000000000" pitchFamily="2" charset="2"/>
+              <a:buChar char="Ø"/>
+            </a:pPr>
+            <a:r>
+              <a:rPr lang="fr-FR" sz="2000" b="1" dirty="0">
+                <a:ln w="6600">
+                  <a:solidFill>
+                    <a:schemeClr val="accent2"/>
+                  </a:solidFill>
+                  <a:prstDash val="solid"/>
+                </a:ln>
+                <a:solidFill>
+                  <a:srgbClr val="FFFFFF"/>
+                </a:solidFill>
+                <a:effectLst>
+                  <a:outerShdw dist="38100" dir="2700000" algn="tl" rotWithShape="0">
+                    <a:schemeClr val="accent2"/>
+                  </a:outerShdw>
+                </a:effectLst>
+              </a:rPr>
+              <a:t>Modifier les permissions </a:t>
+            </a:r>
+          </a:p>
+        </p:txBody>
+      </p:sp>
+      <p:sp>
+        <p:nvSpPr>
+          <p:cNvPr id="3" name="ZoneTexte 2">
+            <a:extLst>
+              <a:ext uri="{FF2B5EF4-FFF2-40B4-BE49-F238E27FC236}">
+                <a16:creationId xmlns:a16="http://schemas.microsoft.com/office/drawing/2014/main" id="{2AD9AE49-41D6-44F3-938E-C8558C2EAC6A}"/>
+              </a:ext>
+            </a:extLst>
+          </p:cNvPr>
+          <p:cNvSpPr txBox="1"/>
+          <p:nvPr/>
+        </p:nvSpPr>
+        <p:spPr>
+          <a:xfrm>
+            <a:off x="2779557" y="3303270"/>
+            <a:ext cx="4249893" cy="369332"/>
+          </a:xfrm>
+          <a:prstGeom prst="rect">
+            <a:avLst/>
+          </a:prstGeom>
+          <a:noFill/>
+        </p:spPr>
+        <p:txBody>
+          <a:bodyPr wrap="square" rtlCol="0">
+            <a:spAutoFit/>
+          </a:bodyPr>
+          <a:lstStyle/>
+          <a:p>
+            <a:r>
+              <a:rPr lang="fr-FR" dirty="0"/>
+              <a:t>/</a:t>
+            </a:r>
+            <a:r>
+              <a:rPr lang="fr-FR" dirty="0" err="1"/>
+              <a:t>etc</a:t>
+            </a:r>
+            <a:r>
+              <a:rPr lang="fr-FR" dirty="0"/>
+              <a:t>/</a:t>
+            </a:r>
+            <a:r>
+              <a:rPr lang="fr-FR" dirty="0" err="1"/>
+              <a:t>ssh</a:t>
+            </a:r>
+            <a:r>
+              <a:rPr lang="fr-FR" dirty="0"/>
+              <a:t>/</a:t>
+            </a:r>
+            <a:r>
+              <a:rPr lang="fr-FR" dirty="0" err="1"/>
+              <a:t>sshd_config</a:t>
+            </a:r>
+            <a:endParaRPr lang="fr-FR" dirty="0"/>
+          </a:p>
+        </p:txBody>
+      </p:sp>
+      <p:pic>
+        <p:nvPicPr>
+          <p:cNvPr id="8" name="Image 7">
+            <a:extLst>
+              <a:ext uri="{FF2B5EF4-FFF2-40B4-BE49-F238E27FC236}">
+                <a16:creationId xmlns:a16="http://schemas.microsoft.com/office/drawing/2014/main" id="{0CE3D1EE-01EC-4737-A62B-2DB6AD7F1BE8}"/>
+              </a:ext>
+            </a:extLst>
+          </p:cNvPr>
+          <p:cNvPicPr>
+            <a:picLocks noChangeAspect="1"/>
+          </p:cNvPicPr>
+          <p:nvPr/>
+        </p:nvPicPr>
+        <p:blipFill>
+          <a:blip r:embed="rId5">
+            <a:extLst>
+              <a:ext uri="{BEBA8EAE-BF5A-486C-A8C5-ECC9F3942E4B}">
+                <a14:imgProps xmlns:a14="http://schemas.microsoft.com/office/drawing/2010/main">
+                  <a14:imgLayer r:embed="rId6">
+                    <a14:imgEffect>
+                      <a14:brightnessContrast contrast="100000"/>
+                    </a14:imgEffect>
+                  </a14:imgLayer>
+                </a14:imgProps>
+              </a:ext>
+            </a:extLst>
+          </a:blip>
+          <a:stretch>
+            <a:fillRect/>
+          </a:stretch>
+        </p:blipFill>
+        <p:spPr>
+          <a:xfrm>
+            <a:off x="2779557" y="4097184"/>
+            <a:ext cx="3975750" cy="369332"/>
+          </a:xfrm>
+          <a:prstGeom prst="rect">
+            <a:avLst/>
+          </a:prstGeom>
+        </p:spPr>
+      </p:pic>
+    </p:spTree>
+    <p:extLst>
+      <p:ext uri="{BB962C8B-B14F-4D97-AF65-F5344CB8AC3E}">
+        <p14:creationId xmlns:p14="http://schemas.microsoft.com/office/powerpoint/2010/main" val="1830186192"/>
+      </p:ext>
+    </p:extLst>
+  </p:cSld>
+  <p:clrMapOvr>
+    <a:masterClrMapping/>
+  </p:clrMapOvr>
+</p:sld>
+</file>
+
+<file path=ppt/slides/slide11.xml><?xml version="1.0" encoding="utf-8"?>
+<p:sld xmlns:a="http://schemas.openxmlformats.org/drawingml/2006/main" xmlns:r="http://schemas.openxmlformats.org/officeDocument/2006/relationships" xmlns:p="http://schemas.openxmlformats.org/presentationml/2006/main">
+  <p:cSld>
+    <p:spTree>
+      <p:nvGrpSpPr>
+        <p:cNvPr id="1" name=""/>
+        <p:cNvGrpSpPr/>
+        <p:nvPr/>
+      </p:nvGrpSpPr>
+      <p:grpSpPr>
+        <a:xfrm>
+          <a:off x="0" y="0"/>
+          <a:ext cx="0" cy="0"/>
+          <a:chOff x="0" y="0"/>
+          <a:chExt cx="0" cy="0"/>
+        </a:xfrm>
+      </p:grpSpPr>
       <p:grpSp>
         <p:nvGrpSpPr>
           <p:cNvPr id="4" name="Groupe 3">
@@ -8769,7 +9289,7 @@
 </p:sld>
 </file>
 
-<file path=ppt/slides/slide11.xml><?xml version="1.0" encoding="utf-8"?>
+<file path=ppt/slides/slide12.xml><?xml version="1.0" encoding="utf-8"?>
 <p:sld xmlns:a="http://schemas.openxmlformats.org/drawingml/2006/main" xmlns:r="http://schemas.openxmlformats.org/officeDocument/2006/relationships" xmlns:p="http://schemas.openxmlformats.org/presentationml/2006/main">
   <p:cSld>
     <p:spTree>
@@ -9198,314 +9718,6 @@
     <p:extLst>
       <p:ext uri="{BB962C8B-B14F-4D97-AF65-F5344CB8AC3E}">
         <p14:creationId xmlns:p14="http://schemas.microsoft.com/office/powerpoint/2010/main" val="3853116289"/>
-      </p:ext>
-    </p:extLst>
-  </p:cSld>
-  <p:clrMapOvr>
-    <a:masterClrMapping/>
-  </p:clrMapOvr>
-</p:sld>
-</file>
-
-<file path=ppt/slides/slide12.xml><?xml version="1.0" encoding="utf-8"?>
-<p:sld xmlns:a="http://schemas.openxmlformats.org/drawingml/2006/main" xmlns:r="http://schemas.openxmlformats.org/officeDocument/2006/relationships" xmlns:p="http://schemas.openxmlformats.org/presentationml/2006/main">
-  <p:cSld>
-    <p:spTree>
-      <p:nvGrpSpPr>
-        <p:cNvPr id="1" name=""/>
-        <p:cNvGrpSpPr/>
-        <p:nvPr/>
-      </p:nvGrpSpPr>
-      <p:grpSpPr>
-        <a:xfrm>
-          <a:off x="0" y="0"/>
-          <a:ext cx="0" cy="0"/>
-          <a:chOff x="0" y="0"/>
-          <a:chExt cx="0" cy="0"/>
-        </a:xfrm>
-      </p:grpSpPr>
-      <p:pic>
-        <p:nvPicPr>
-          <p:cNvPr id="6" name="Image 5">
-            <a:extLst>
-              <a:ext uri="{FF2B5EF4-FFF2-40B4-BE49-F238E27FC236}">
-                <a16:creationId xmlns:a16="http://schemas.microsoft.com/office/drawing/2014/main" id="{DBA99859-02B1-4D81-9FBA-4F3EC29E5ADA}"/>
-              </a:ext>
-            </a:extLst>
-          </p:cNvPr>
-          <p:cNvPicPr/>
-          <p:nvPr/>
-        </p:nvPicPr>
-        <p:blipFill>
-          <a:blip r:embed="rId2">
-            <a:extLst>
-              <a:ext uri="{BEBA8EAE-BF5A-486C-A8C5-ECC9F3942E4B}">
-                <a14:imgProps xmlns:a14="http://schemas.microsoft.com/office/drawing/2010/main">
-                  <a14:imgLayer r:embed="rId3">
-                    <a14:imgEffect>
-                      <a14:brightnessContrast bright="40000" contrast="100000"/>
-                    </a14:imgEffect>
-                  </a14:imgLayer>
-                </a14:imgProps>
-              </a:ext>
-            </a:extLst>
-          </a:blip>
-          <a:stretch>
-            <a:fillRect/>
-          </a:stretch>
-        </p:blipFill>
-        <p:spPr>
-          <a:xfrm>
-            <a:off x="2276475" y="1756092"/>
-            <a:ext cx="7933938" cy="410165"/>
-          </a:xfrm>
-          <a:prstGeom prst="rect">
-            <a:avLst/>
-          </a:prstGeom>
-        </p:spPr>
-      </p:pic>
-      <p:pic>
-        <p:nvPicPr>
-          <p:cNvPr id="7" name="Image 6">
-            <a:extLst>
-              <a:ext uri="{FF2B5EF4-FFF2-40B4-BE49-F238E27FC236}">
-                <a16:creationId xmlns:a16="http://schemas.microsoft.com/office/drawing/2014/main" id="{48D89685-723B-490F-B570-DDF53D048C81}"/>
-              </a:ext>
-            </a:extLst>
-          </p:cNvPr>
-          <p:cNvPicPr/>
-          <p:nvPr/>
-        </p:nvPicPr>
-        <p:blipFill>
-          <a:blip r:embed="rId4">
-            <a:extLst>
-              <a:ext uri="{BEBA8EAE-BF5A-486C-A8C5-ECC9F3942E4B}">
-                <a14:imgProps xmlns:a14="http://schemas.microsoft.com/office/drawing/2010/main">
-                  <a14:imgLayer r:embed="rId5">
-                    <a14:imgEffect>
-                      <a14:sharpenSoften amount="100000"/>
-                    </a14:imgEffect>
-                    <a14:imgEffect>
-                      <a14:brightnessContrast bright="5000" contrast="100000"/>
-                    </a14:imgEffect>
-                  </a14:imgLayer>
-                </a14:imgProps>
-              </a:ext>
-            </a:extLst>
-          </a:blip>
-          <a:stretch>
-            <a:fillRect/>
-          </a:stretch>
-        </p:blipFill>
-        <p:spPr>
-          <a:xfrm>
-            <a:off x="2276475" y="2440601"/>
-            <a:ext cx="8797855" cy="1715543"/>
-          </a:xfrm>
-          <a:prstGeom prst="rect">
-            <a:avLst/>
-          </a:prstGeom>
-        </p:spPr>
-      </p:pic>
-      <p:pic>
-        <p:nvPicPr>
-          <p:cNvPr id="8" name="Image 7">
-            <a:extLst>
-              <a:ext uri="{FF2B5EF4-FFF2-40B4-BE49-F238E27FC236}">
-                <a16:creationId xmlns:a16="http://schemas.microsoft.com/office/drawing/2014/main" id="{82B508C9-E79C-4827-891E-C8B051ECEFD5}"/>
-              </a:ext>
-            </a:extLst>
-          </p:cNvPr>
-          <p:cNvPicPr/>
-          <p:nvPr/>
-        </p:nvPicPr>
-        <p:blipFill>
-          <a:blip r:embed="rId6">
-            <a:extLst>
-              <a:ext uri="{BEBA8EAE-BF5A-486C-A8C5-ECC9F3942E4B}">
-                <a14:imgProps xmlns:a14="http://schemas.microsoft.com/office/drawing/2010/main">
-                  <a14:imgLayer r:embed="rId7">
-                    <a14:imgEffect>
-                      <a14:brightnessContrast contrast="100000"/>
-                    </a14:imgEffect>
-                  </a14:imgLayer>
-                </a14:imgProps>
-              </a:ext>
-            </a:extLst>
-          </a:blip>
-          <a:stretch>
-            <a:fillRect/>
-          </a:stretch>
-        </p:blipFill>
-        <p:spPr>
-          <a:xfrm>
-            <a:off x="2276475" y="4474030"/>
-            <a:ext cx="3819525" cy="200025"/>
-          </a:xfrm>
-          <a:prstGeom prst="rect">
-            <a:avLst/>
-          </a:prstGeom>
-        </p:spPr>
-      </p:pic>
-      <p:pic>
-        <p:nvPicPr>
-          <p:cNvPr id="1026" name="Picture 2" descr="Image result for target logo">
-            <a:extLst>
-              <a:ext uri="{FF2B5EF4-FFF2-40B4-BE49-F238E27FC236}">
-                <a16:creationId xmlns:a16="http://schemas.microsoft.com/office/drawing/2014/main" id="{07DAC198-F3B3-471B-88B8-B5BFF20C4E3C}"/>
-              </a:ext>
-            </a:extLst>
-          </p:cNvPr>
-          <p:cNvPicPr>
-            <a:picLocks noChangeAspect="1" noChangeArrowheads="1"/>
-          </p:cNvPicPr>
-          <p:nvPr/>
-        </p:nvPicPr>
-        <p:blipFill>
-          <a:blip r:embed="rId8">
-            <a:extLst>
-              <a:ext uri="{28A0092B-C50C-407E-A947-70E740481C1C}">
-                <a14:useLocalDpi xmlns:a14="http://schemas.microsoft.com/office/drawing/2010/main" val="0"/>
-              </a:ext>
-            </a:extLst>
-          </a:blip>
-          <a:srcRect/>
-          <a:stretch>
-            <a:fillRect/>
-          </a:stretch>
-        </p:blipFill>
-        <p:spPr bwMode="auto">
-          <a:xfrm>
-            <a:off x="2144484" y="676206"/>
-            <a:ext cx="1088572" cy="762000"/>
-          </a:xfrm>
-          <a:prstGeom prst="rect">
-            <a:avLst/>
-          </a:prstGeom>
-          <a:noFill/>
-          <a:extLst>
-            <a:ext uri="{909E8E84-426E-40DD-AFC4-6F175D3DCCD1}">
-              <a14:hiddenFill xmlns:a14="http://schemas.microsoft.com/office/drawing/2010/main">
-                <a:solidFill>
-                  <a:srgbClr val="FFFFFF"/>
-                </a:solidFill>
-              </a14:hiddenFill>
-            </a:ext>
-          </a:extLst>
-        </p:spPr>
-      </p:pic>
-      <p:sp>
-        <p:nvSpPr>
-          <p:cNvPr id="10" name="ZoneTexte 9">
-            <a:extLst>
-              <a:ext uri="{FF2B5EF4-FFF2-40B4-BE49-F238E27FC236}">
-                <a16:creationId xmlns:a16="http://schemas.microsoft.com/office/drawing/2014/main" id="{9243C623-A713-4076-861E-241F241EE448}"/>
-              </a:ext>
-            </a:extLst>
-          </p:cNvPr>
-          <p:cNvSpPr txBox="1"/>
-          <p:nvPr/>
-        </p:nvSpPr>
-        <p:spPr>
-          <a:xfrm>
-            <a:off x="3178628" y="712661"/>
-            <a:ext cx="5004070" cy="523220"/>
-          </a:xfrm>
-          <a:prstGeom prst="rect">
-            <a:avLst/>
-          </a:prstGeom>
-          <a:noFill/>
-        </p:spPr>
-        <p:txBody>
-          <a:bodyPr wrap="square" rtlCol="0">
-            <a:spAutoFit/>
-          </a:bodyPr>
-          <a:lstStyle/>
-          <a:p>
-            <a:r>
-              <a:rPr lang="fr-FR" sz="2800" b="1" u="sng" dirty="0">
-                <a:ln w="6600">
-                  <a:solidFill>
-                    <a:schemeClr val="accent2"/>
-                  </a:solidFill>
-                  <a:prstDash val="solid"/>
-                </a:ln>
-                <a:solidFill>
-                  <a:srgbClr val="FFFFFF"/>
-                </a:solidFill>
-                <a:effectLst>
-                  <a:outerShdw dist="38100" dir="2700000" algn="tl" rotWithShape="0">
-                    <a:schemeClr val="accent2"/>
-                  </a:outerShdw>
-                </a:effectLst>
-              </a:rPr>
-              <a:t>Attack Path</a:t>
-            </a:r>
-            <a:endParaRPr lang="en-GB" sz="2800" b="1" u="sng" dirty="0">
-              <a:ln w="6600">
-                <a:solidFill>
-                  <a:schemeClr val="accent2"/>
-                </a:solidFill>
-                <a:prstDash val="solid"/>
-              </a:ln>
-              <a:solidFill>
-                <a:srgbClr val="FFFFFF"/>
-              </a:solidFill>
-              <a:effectLst>
-                <a:outerShdw dist="38100" dir="2700000" algn="tl" rotWithShape="0">
-                  <a:schemeClr val="accent2"/>
-                </a:outerShdw>
-              </a:effectLst>
-            </a:endParaRPr>
-          </a:p>
-        </p:txBody>
-      </p:sp>
-      <p:pic>
-        <p:nvPicPr>
-          <p:cNvPr id="9" name="Image 8">
-            <a:extLst>
-              <a:ext uri="{FF2B5EF4-FFF2-40B4-BE49-F238E27FC236}">
-                <a16:creationId xmlns:a16="http://schemas.microsoft.com/office/drawing/2014/main" id="{5A7F1C41-D928-48A1-82B8-6C8977610FE6}"/>
-              </a:ext>
-            </a:extLst>
-          </p:cNvPr>
-          <p:cNvPicPr>
-            <a:picLocks noChangeAspect="1"/>
-          </p:cNvPicPr>
-          <p:nvPr/>
-        </p:nvPicPr>
-        <p:blipFill>
-          <a:blip r:embed="rId9">
-            <a:extLst>
-              <a:ext uri="{BEBA8EAE-BF5A-486C-A8C5-ECC9F3942E4B}">
-                <a14:imgProps xmlns:a14="http://schemas.microsoft.com/office/drawing/2010/main">
-                  <a14:imgLayer r:embed="rId10">
-                    <a14:imgEffect>
-                      <a14:brightnessContrast bright="40000" contrast="100000"/>
-                    </a14:imgEffect>
-                  </a14:imgLayer>
-                </a14:imgProps>
-              </a:ext>
-            </a:extLst>
-          </a:blip>
-          <a:stretch>
-            <a:fillRect/>
-          </a:stretch>
-        </p:blipFill>
-        <p:spPr>
-          <a:xfrm>
-            <a:off x="2276475" y="4991941"/>
-            <a:ext cx="8572500" cy="638175"/>
-          </a:xfrm>
-          <a:prstGeom prst="rect">
-            <a:avLst/>
-          </a:prstGeom>
-        </p:spPr>
-      </p:pic>
-    </p:spTree>
-    <p:extLst>
-      <p:ext uri="{BB962C8B-B14F-4D97-AF65-F5344CB8AC3E}">
-        <p14:creationId xmlns:p14="http://schemas.microsoft.com/office/powerpoint/2010/main" val="2272361750"/>
       </p:ext>
     </p:extLst>
   </p:cSld>
@@ -9532,6 +9744,314 @@
           <a:chExt cx="0" cy="0"/>
         </a:xfrm>
       </p:grpSpPr>
+      <p:pic>
+        <p:nvPicPr>
+          <p:cNvPr id="6" name="Image 5">
+            <a:extLst>
+              <a:ext uri="{FF2B5EF4-FFF2-40B4-BE49-F238E27FC236}">
+                <a16:creationId xmlns:a16="http://schemas.microsoft.com/office/drawing/2014/main" id="{DBA99859-02B1-4D81-9FBA-4F3EC29E5ADA}"/>
+              </a:ext>
+            </a:extLst>
+          </p:cNvPr>
+          <p:cNvPicPr/>
+          <p:nvPr/>
+        </p:nvPicPr>
+        <p:blipFill>
+          <a:blip r:embed="rId2">
+            <a:extLst>
+              <a:ext uri="{BEBA8EAE-BF5A-486C-A8C5-ECC9F3942E4B}">
+                <a14:imgProps xmlns:a14="http://schemas.microsoft.com/office/drawing/2010/main">
+                  <a14:imgLayer r:embed="rId3">
+                    <a14:imgEffect>
+                      <a14:brightnessContrast bright="40000" contrast="100000"/>
+                    </a14:imgEffect>
+                  </a14:imgLayer>
+                </a14:imgProps>
+              </a:ext>
+            </a:extLst>
+          </a:blip>
+          <a:stretch>
+            <a:fillRect/>
+          </a:stretch>
+        </p:blipFill>
+        <p:spPr>
+          <a:xfrm>
+            <a:off x="2276475" y="1756092"/>
+            <a:ext cx="7933938" cy="410165"/>
+          </a:xfrm>
+          <a:prstGeom prst="rect">
+            <a:avLst/>
+          </a:prstGeom>
+        </p:spPr>
+      </p:pic>
+      <p:pic>
+        <p:nvPicPr>
+          <p:cNvPr id="7" name="Image 6">
+            <a:extLst>
+              <a:ext uri="{FF2B5EF4-FFF2-40B4-BE49-F238E27FC236}">
+                <a16:creationId xmlns:a16="http://schemas.microsoft.com/office/drawing/2014/main" id="{48D89685-723B-490F-B570-DDF53D048C81}"/>
+              </a:ext>
+            </a:extLst>
+          </p:cNvPr>
+          <p:cNvPicPr/>
+          <p:nvPr/>
+        </p:nvPicPr>
+        <p:blipFill>
+          <a:blip r:embed="rId4">
+            <a:extLst>
+              <a:ext uri="{BEBA8EAE-BF5A-486C-A8C5-ECC9F3942E4B}">
+                <a14:imgProps xmlns:a14="http://schemas.microsoft.com/office/drawing/2010/main">
+                  <a14:imgLayer r:embed="rId5">
+                    <a14:imgEffect>
+                      <a14:sharpenSoften amount="100000"/>
+                    </a14:imgEffect>
+                    <a14:imgEffect>
+                      <a14:brightnessContrast bright="5000" contrast="100000"/>
+                    </a14:imgEffect>
+                  </a14:imgLayer>
+                </a14:imgProps>
+              </a:ext>
+            </a:extLst>
+          </a:blip>
+          <a:stretch>
+            <a:fillRect/>
+          </a:stretch>
+        </p:blipFill>
+        <p:spPr>
+          <a:xfrm>
+            <a:off x="2276475" y="2440601"/>
+            <a:ext cx="8797855" cy="1715543"/>
+          </a:xfrm>
+          <a:prstGeom prst="rect">
+            <a:avLst/>
+          </a:prstGeom>
+        </p:spPr>
+      </p:pic>
+      <p:pic>
+        <p:nvPicPr>
+          <p:cNvPr id="8" name="Image 7">
+            <a:extLst>
+              <a:ext uri="{FF2B5EF4-FFF2-40B4-BE49-F238E27FC236}">
+                <a16:creationId xmlns:a16="http://schemas.microsoft.com/office/drawing/2014/main" id="{82B508C9-E79C-4827-891E-C8B051ECEFD5}"/>
+              </a:ext>
+            </a:extLst>
+          </p:cNvPr>
+          <p:cNvPicPr/>
+          <p:nvPr/>
+        </p:nvPicPr>
+        <p:blipFill>
+          <a:blip r:embed="rId6">
+            <a:extLst>
+              <a:ext uri="{BEBA8EAE-BF5A-486C-A8C5-ECC9F3942E4B}">
+                <a14:imgProps xmlns:a14="http://schemas.microsoft.com/office/drawing/2010/main">
+                  <a14:imgLayer r:embed="rId7">
+                    <a14:imgEffect>
+                      <a14:brightnessContrast contrast="100000"/>
+                    </a14:imgEffect>
+                  </a14:imgLayer>
+                </a14:imgProps>
+              </a:ext>
+            </a:extLst>
+          </a:blip>
+          <a:stretch>
+            <a:fillRect/>
+          </a:stretch>
+        </p:blipFill>
+        <p:spPr>
+          <a:xfrm>
+            <a:off x="2276475" y="4474030"/>
+            <a:ext cx="3819525" cy="200025"/>
+          </a:xfrm>
+          <a:prstGeom prst="rect">
+            <a:avLst/>
+          </a:prstGeom>
+        </p:spPr>
+      </p:pic>
+      <p:pic>
+        <p:nvPicPr>
+          <p:cNvPr id="1026" name="Picture 2" descr="Image result for target logo">
+            <a:extLst>
+              <a:ext uri="{FF2B5EF4-FFF2-40B4-BE49-F238E27FC236}">
+                <a16:creationId xmlns:a16="http://schemas.microsoft.com/office/drawing/2014/main" id="{07DAC198-F3B3-471B-88B8-B5BFF20C4E3C}"/>
+              </a:ext>
+            </a:extLst>
+          </p:cNvPr>
+          <p:cNvPicPr>
+            <a:picLocks noChangeAspect="1" noChangeArrowheads="1"/>
+          </p:cNvPicPr>
+          <p:nvPr/>
+        </p:nvPicPr>
+        <p:blipFill>
+          <a:blip r:embed="rId8">
+            <a:extLst>
+              <a:ext uri="{28A0092B-C50C-407E-A947-70E740481C1C}">
+                <a14:useLocalDpi xmlns:a14="http://schemas.microsoft.com/office/drawing/2010/main" val="0"/>
+              </a:ext>
+            </a:extLst>
+          </a:blip>
+          <a:srcRect/>
+          <a:stretch>
+            <a:fillRect/>
+          </a:stretch>
+        </p:blipFill>
+        <p:spPr bwMode="auto">
+          <a:xfrm>
+            <a:off x="2144484" y="676206"/>
+            <a:ext cx="1088572" cy="762000"/>
+          </a:xfrm>
+          <a:prstGeom prst="rect">
+            <a:avLst/>
+          </a:prstGeom>
+          <a:noFill/>
+          <a:extLst>
+            <a:ext uri="{909E8E84-426E-40DD-AFC4-6F175D3DCCD1}">
+              <a14:hiddenFill xmlns:a14="http://schemas.microsoft.com/office/drawing/2010/main">
+                <a:solidFill>
+                  <a:srgbClr val="FFFFFF"/>
+                </a:solidFill>
+              </a14:hiddenFill>
+            </a:ext>
+          </a:extLst>
+        </p:spPr>
+      </p:pic>
+      <p:sp>
+        <p:nvSpPr>
+          <p:cNvPr id="10" name="ZoneTexte 9">
+            <a:extLst>
+              <a:ext uri="{FF2B5EF4-FFF2-40B4-BE49-F238E27FC236}">
+                <a16:creationId xmlns:a16="http://schemas.microsoft.com/office/drawing/2014/main" id="{9243C623-A713-4076-861E-241F241EE448}"/>
+              </a:ext>
+            </a:extLst>
+          </p:cNvPr>
+          <p:cNvSpPr txBox="1"/>
+          <p:nvPr/>
+        </p:nvSpPr>
+        <p:spPr>
+          <a:xfrm>
+            <a:off x="3178628" y="712661"/>
+            <a:ext cx="5004070" cy="523220"/>
+          </a:xfrm>
+          <a:prstGeom prst="rect">
+            <a:avLst/>
+          </a:prstGeom>
+          <a:noFill/>
+        </p:spPr>
+        <p:txBody>
+          <a:bodyPr wrap="square" rtlCol="0">
+            <a:spAutoFit/>
+          </a:bodyPr>
+          <a:lstStyle/>
+          <a:p>
+            <a:r>
+              <a:rPr lang="fr-FR" sz="2800" b="1" u="sng" dirty="0">
+                <a:ln w="6600">
+                  <a:solidFill>
+                    <a:schemeClr val="accent2"/>
+                  </a:solidFill>
+                  <a:prstDash val="solid"/>
+                </a:ln>
+                <a:solidFill>
+                  <a:srgbClr val="FFFFFF"/>
+                </a:solidFill>
+                <a:effectLst>
+                  <a:outerShdw dist="38100" dir="2700000" algn="tl" rotWithShape="0">
+                    <a:schemeClr val="accent2"/>
+                  </a:outerShdw>
+                </a:effectLst>
+              </a:rPr>
+              <a:t>Attack Path</a:t>
+            </a:r>
+            <a:endParaRPr lang="en-GB" sz="2800" b="1" u="sng" dirty="0">
+              <a:ln w="6600">
+                <a:solidFill>
+                  <a:schemeClr val="accent2"/>
+                </a:solidFill>
+                <a:prstDash val="solid"/>
+              </a:ln>
+              <a:solidFill>
+                <a:srgbClr val="FFFFFF"/>
+              </a:solidFill>
+              <a:effectLst>
+                <a:outerShdw dist="38100" dir="2700000" algn="tl" rotWithShape="0">
+                  <a:schemeClr val="accent2"/>
+                </a:outerShdw>
+              </a:effectLst>
+            </a:endParaRPr>
+          </a:p>
+        </p:txBody>
+      </p:sp>
+      <p:pic>
+        <p:nvPicPr>
+          <p:cNvPr id="9" name="Image 8">
+            <a:extLst>
+              <a:ext uri="{FF2B5EF4-FFF2-40B4-BE49-F238E27FC236}">
+                <a16:creationId xmlns:a16="http://schemas.microsoft.com/office/drawing/2014/main" id="{5A7F1C41-D928-48A1-82B8-6C8977610FE6}"/>
+              </a:ext>
+            </a:extLst>
+          </p:cNvPr>
+          <p:cNvPicPr>
+            <a:picLocks noChangeAspect="1"/>
+          </p:cNvPicPr>
+          <p:nvPr/>
+        </p:nvPicPr>
+        <p:blipFill>
+          <a:blip r:embed="rId9">
+            <a:extLst>
+              <a:ext uri="{BEBA8EAE-BF5A-486C-A8C5-ECC9F3942E4B}">
+                <a14:imgProps xmlns:a14="http://schemas.microsoft.com/office/drawing/2010/main">
+                  <a14:imgLayer r:embed="rId10">
+                    <a14:imgEffect>
+                      <a14:brightnessContrast bright="40000" contrast="100000"/>
+                    </a14:imgEffect>
+                  </a14:imgLayer>
+                </a14:imgProps>
+              </a:ext>
+            </a:extLst>
+          </a:blip>
+          <a:stretch>
+            <a:fillRect/>
+          </a:stretch>
+        </p:blipFill>
+        <p:spPr>
+          <a:xfrm>
+            <a:off x="2276475" y="4991941"/>
+            <a:ext cx="8572500" cy="638175"/>
+          </a:xfrm>
+          <a:prstGeom prst="rect">
+            <a:avLst/>
+          </a:prstGeom>
+        </p:spPr>
+      </p:pic>
+    </p:spTree>
+    <p:extLst>
+      <p:ext uri="{BB962C8B-B14F-4D97-AF65-F5344CB8AC3E}">
+        <p14:creationId xmlns:p14="http://schemas.microsoft.com/office/powerpoint/2010/main" val="2272361750"/>
+      </p:ext>
+    </p:extLst>
+  </p:cSld>
+  <p:clrMapOvr>
+    <a:masterClrMapping/>
+  </p:clrMapOvr>
+</p:sld>
+</file>
+
+<file path=ppt/slides/slide14.xml><?xml version="1.0" encoding="utf-8"?>
+<p:sld xmlns:a="http://schemas.openxmlformats.org/drawingml/2006/main" xmlns:r="http://schemas.openxmlformats.org/officeDocument/2006/relationships" xmlns:p="http://schemas.openxmlformats.org/presentationml/2006/main">
+  <p:cSld>
+    <p:spTree>
+      <p:nvGrpSpPr>
+        <p:cNvPr id="1" name=""/>
+        <p:cNvGrpSpPr/>
+        <p:nvPr/>
+      </p:nvGrpSpPr>
+      <p:grpSpPr>
+        <a:xfrm>
+          <a:off x="0" y="0"/>
+          <a:ext cx="0" cy="0"/>
+          <a:chOff x="0" y="0"/>
+          <a:chExt cx="0" cy="0"/>
+        </a:xfrm>
+      </p:grpSpPr>
       <p:sp>
         <p:nvSpPr>
           <p:cNvPr id="4" name="ZoneTexte 3">
@@ -9993,7 +10513,7 @@
 </p:sld>
 </file>
 
-<file path=ppt/slides/slide14.xml><?xml version="1.0" encoding="utf-8"?>
+<file path=ppt/slides/slide15.xml><?xml version="1.0" encoding="utf-8"?>
 <p:sld xmlns:a="http://schemas.openxmlformats.org/drawingml/2006/main" xmlns:r="http://schemas.openxmlformats.org/officeDocument/2006/relationships" xmlns:p="http://schemas.openxmlformats.org/presentationml/2006/main">
   <p:cSld>
     <p:spTree>
@@ -10767,7 +11287,7 @@
 </p:sld>
 </file>
 
-<file path=ppt/slides/slide15.xml><?xml version="1.0" encoding="utf-8"?>
+<file path=ppt/slides/slide16.xml><?xml version="1.0" encoding="utf-8"?>
 <p:sld xmlns:a="http://schemas.openxmlformats.org/drawingml/2006/main" xmlns:r="http://schemas.openxmlformats.org/officeDocument/2006/relationships" xmlns:p="http://schemas.openxmlformats.org/presentationml/2006/main">
   <p:cSld>
     <p:spTree>
@@ -11315,7 +11835,472 @@
 </p:sld>
 </file>
 
-<file path=ppt/slides/slide16.xml><?xml version="1.0" encoding="utf-8"?>
+<file path=ppt/slides/slide17.xml><?xml version="1.0" encoding="utf-8"?>
+<p:sld xmlns:a="http://schemas.openxmlformats.org/drawingml/2006/main" xmlns:r="http://schemas.openxmlformats.org/officeDocument/2006/relationships" xmlns:p="http://schemas.openxmlformats.org/presentationml/2006/main">
+  <p:cSld>
+    <p:spTree>
+      <p:nvGrpSpPr>
+        <p:cNvPr id="1" name=""/>
+        <p:cNvGrpSpPr/>
+        <p:nvPr/>
+      </p:nvGrpSpPr>
+      <p:grpSpPr>
+        <a:xfrm>
+          <a:off x="0" y="0"/>
+          <a:ext cx="0" cy="0"/>
+          <a:chOff x="0" y="0"/>
+          <a:chExt cx="0" cy="0"/>
+        </a:xfrm>
+      </p:grpSpPr>
+      <p:pic>
+        <p:nvPicPr>
+          <p:cNvPr id="4" name="Picture 10" descr="Related image">
+            <a:extLst>
+              <a:ext uri="{FF2B5EF4-FFF2-40B4-BE49-F238E27FC236}">
+                <a16:creationId xmlns:a16="http://schemas.microsoft.com/office/drawing/2014/main" id="{D2B05E06-9C99-41AE-80F9-5C15702FD0FE}"/>
+              </a:ext>
+            </a:extLst>
+          </p:cNvPr>
+          <p:cNvPicPr>
+            <a:picLocks noChangeAspect="1" noChangeArrowheads="1"/>
+          </p:cNvPicPr>
+          <p:nvPr/>
+        </p:nvPicPr>
+        <p:blipFill>
+          <a:blip r:embed="rId3">
+            <a:extLst>
+              <a:ext uri="{28A0092B-C50C-407E-A947-70E740481C1C}">
+                <a14:useLocalDpi xmlns:a14="http://schemas.microsoft.com/office/drawing/2010/main" val="0"/>
+              </a:ext>
+            </a:extLst>
+          </a:blip>
+          <a:srcRect/>
+          <a:stretch>
+            <a:fillRect/>
+          </a:stretch>
+        </p:blipFill>
+        <p:spPr bwMode="auto">
+          <a:xfrm>
+            <a:off x="2415862" y="1290185"/>
+            <a:ext cx="727392" cy="727392"/>
+          </a:xfrm>
+          <a:prstGeom prst="rect">
+            <a:avLst/>
+          </a:prstGeom>
+          <a:noFill/>
+          <a:extLst>
+            <a:ext uri="{909E8E84-426E-40DD-AFC4-6F175D3DCCD1}">
+              <a14:hiddenFill xmlns:a14="http://schemas.microsoft.com/office/drawing/2010/main">
+                <a:solidFill>
+                  <a:srgbClr val="FFFFFF"/>
+                </a:solidFill>
+              </a14:hiddenFill>
+            </a:ext>
+          </a:extLst>
+        </p:spPr>
+      </p:pic>
+      <p:sp>
+        <p:nvSpPr>
+          <p:cNvPr id="5" name="ZoneTexte 4">
+            <a:extLst>
+              <a:ext uri="{FF2B5EF4-FFF2-40B4-BE49-F238E27FC236}">
+                <a16:creationId xmlns:a16="http://schemas.microsoft.com/office/drawing/2014/main" id="{5E12F085-DA9C-457A-B0A8-90EB7BF55102}"/>
+              </a:ext>
+            </a:extLst>
+          </p:cNvPr>
+          <p:cNvSpPr txBox="1"/>
+          <p:nvPr/>
+        </p:nvSpPr>
+        <p:spPr>
+          <a:xfrm>
+            <a:off x="3143254" y="1296239"/>
+            <a:ext cx="5325832" cy="1015663"/>
+          </a:xfrm>
+          <a:prstGeom prst="rect">
+            <a:avLst/>
+          </a:prstGeom>
+          <a:noFill/>
+        </p:spPr>
+        <p:txBody>
+          <a:bodyPr wrap="square" rtlCol="0">
+            <a:spAutoFit/>
+          </a:bodyPr>
+          <a:lstStyle/>
+          <a:p>
+            <a:pPr marL="342900" indent="-342900">
+              <a:buFont typeface="Wingdings" panose="05000000000000000000" pitchFamily="2" charset="2"/>
+              <a:buChar char="Ø"/>
+            </a:pPr>
+            <a:r>
+              <a:rPr lang="fr-FR" sz="2000" b="1" dirty="0">
+                <a:ln w="6600">
+                  <a:solidFill>
+                    <a:schemeClr val="accent2"/>
+                  </a:solidFill>
+                  <a:prstDash val="solid"/>
+                </a:ln>
+                <a:solidFill>
+                  <a:srgbClr val="FFFFFF"/>
+                </a:solidFill>
+                <a:effectLst>
+                  <a:outerShdw dist="38100" dir="2700000" algn="tl" rotWithShape="0">
+                    <a:schemeClr val="accent2"/>
+                  </a:outerShdw>
+                </a:effectLst>
+              </a:rPr>
+              <a:t>Fichier </a:t>
+            </a:r>
+            <a:r>
+              <a:rPr lang="fr-FR" sz="2000" b="1" dirty="0" err="1">
+                <a:ln w="6600">
+                  <a:solidFill>
+                    <a:schemeClr val="accent2"/>
+                  </a:solidFill>
+                  <a:prstDash val="solid"/>
+                </a:ln>
+                <a:solidFill>
+                  <a:srgbClr val="FFFFFF"/>
+                </a:solidFill>
+                <a:effectLst>
+                  <a:outerShdw dist="38100" dir="2700000" algn="tl" rotWithShape="0">
+                    <a:schemeClr val="accent2"/>
+                  </a:outerShdw>
+                </a:effectLst>
+              </a:rPr>
+              <a:t>passwd</a:t>
+            </a:r>
+            <a:r>
+              <a:rPr lang="fr-FR" sz="2000" b="1" dirty="0">
+                <a:ln w="6600">
+                  <a:solidFill>
+                    <a:schemeClr val="accent2"/>
+                  </a:solidFill>
+                  <a:prstDash val="solid"/>
+                </a:ln>
+                <a:solidFill>
+                  <a:srgbClr val="FFFFFF"/>
+                </a:solidFill>
+                <a:effectLst>
+                  <a:outerShdw dist="38100" dir="2700000" algn="tl" rotWithShape="0">
+                    <a:schemeClr val="accent2"/>
+                  </a:outerShdw>
+                </a:effectLst>
+              </a:rPr>
+              <a:t> </a:t>
+            </a:r>
+            <a:r>
+              <a:rPr lang="fr-FR" sz="2000" b="1" dirty="0" err="1">
+                <a:ln w="6600">
+                  <a:solidFill>
+                    <a:schemeClr val="accent2"/>
+                  </a:solidFill>
+                  <a:prstDash val="solid"/>
+                </a:ln>
+                <a:solidFill>
+                  <a:srgbClr val="FFFFFF"/>
+                </a:solidFill>
+                <a:effectLst>
+                  <a:outerShdw dist="38100" dir="2700000" algn="tl" rotWithShape="0">
+                    <a:schemeClr val="accent2"/>
+                  </a:outerShdw>
+                </a:effectLst>
+              </a:rPr>
+              <a:t>readable</a:t>
+            </a:r>
+            <a:r>
+              <a:rPr lang="fr-FR" sz="2000" b="1" dirty="0">
+                <a:ln w="6600">
+                  <a:solidFill>
+                    <a:schemeClr val="accent2"/>
+                  </a:solidFill>
+                  <a:prstDash val="solid"/>
+                </a:ln>
+                <a:solidFill>
+                  <a:srgbClr val="FFFFFF"/>
+                </a:solidFill>
+                <a:effectLst>
+                  <a:outerShdw dist="38100" dir="2700000" algn="tl" rotWithShape="0">
+                    <a:schemeClr val="accent2"/>
+                  </a:outerShdw>
+                </a:effectLst>
+              </a:rPr>
+              <a:t> par tout le monde</a:t>
+            </a:r>
+          </a:p>
+          <a:p>
+            <a:pPr marL="342900" indent="-342900">
+              <a:buFont typeface="Wingdings" panose="05000000000000000000" pitchFamily="2" charset="2"/>
+              <a:buChar char="Ø"/>
+            </a:pPr>
+            <a:r>
+              <a:rPr lang="fr-FR" sz="2000" b="1" dirty="0">
+                <a:ln w="6600">
+                  <a:solidFill>
+                    <a:schemeClr val="accent2"/>
+                  </a:solidFill>
+                  <a:prstDash val="solid"/>
+                </a:ln>
+                <a:solidFill>
+                  <a:srgbClr val="FFFFFF"/>
+                </a:solidFill>
+                <a:effectLst>
+                  <a:outerShdw dist="38100" dir="2700000" algn="tl" rotWithShape="0">
+                    <a:schemeClr val="accent2"/>
+                  </a:outerShdw>
+                </a:effectLst>
+              </a:rPr>
+              <a:t>Informations pour l’attaquant</a:t>
+            </a:r>
+          </a:p>
+        </p:txBody>
+      </p:sp>
+      <p:pic>
+        <p:nvPicPr>
+          <p:cNvPr id="6" name="Picture 2" descr="Image result for cybersecurity shield icon">
+            <a:extLst>
+              <a:ext uri="{FF2B5EF4-FFF2-40B4-BE49-F238E27FC236}">
+                <a16:creationId xmlns:a16="http://schemas.microsoft.com/office/drawing/2014/main" id="{69E9D87A-091E-48F1-9C15-000689425A80}"/>
+              </a:ext>
+            </a:extLst>
+          </p:cNvPr>
+          <p:cNvPicPr>
+            <a:picLocks noChangeAspect="1" noChangeArrowheads="1"/>
+          </p:cNvPicPr>
+          <p:nvPr/>
+        </p:nvPicPr>
+        <p:blipFill>
+          <a:blip r:embed="rId4">
+            <a:extLst>
+              <a:ext uri="{28A0092B-C50C-407E-A947-70E740481C1C}">
+                <a14:useLocalDpi xmlns:a14="http://schemas.microsoft.com/office/drawing/2010/main" val="0"/>
+              </a:ext>
+            </a:extLst>
+          </a:blip>
+          <a:srcRect/>
+          <a:stretch>
+            <a:fillRect/>
+          </a:stretch>
+        </p:blipFill>
+        <p:spPr bwMode="auto">
+          <a:xfrm>
+            <a:off x="2562148" y="3628889"/>
+            <a:ext cx="434819" cy="572130"/>
+          </a:xfrm>
+          <a:prstGeom prst="rect">
+            <a:avLst/>
+          </a:prstGeom>
+          <a:noFill/>
+          <a:extLst>
+            <a:ext uri="{909E8E84-426E-40DD-AFC4-6F175D3DCCD1}">
+              <a14:hiddenFill xmlns:a14="http://schemas.microsoft.com/office/drawing/2010/main">
+                <a:solidFill>
+                  <a:srgbClr val="FFFFFF"/>
+                </a:solidFill>
+              </a14:hiddenFill>
+            </a:ext>
+          </a:extLst>
+        </p:spPr>
+      </p:pic>
+      <p:sp>
+        <p:nvSpPr>
+          <p:cNvPr id="7" name="ZoneTexte 6">
+            <a:extLst>
+              <a:ext uri="{FF2B5EF4-FFF2-40B4-BE49-F238E27FC236}">
+                <a16:creationId xmlns:a16="http://schemas.microsoft.com/office/drawing/2014/main" id="{C6FAE761-269F-47B2-9A0A-DE13225FE575}"/>
+              </a:ext>
+            </a:extLst>
+          </p:cNvPr>
+          <p:cNvSpPr txBox="1"/>
+          <p:nvPr/>
+        </p:nvSpPr>
+        <p:spPr>
+          <a:xfrm>
+            <a:off x="3143254" y="3673325"/>
+            <a:ext cx="5325832" cy="400110"/>
+          </a:xfrm>
+          <a:prstGeom prst="rect">
+            <a:avLst/>
+          </a:prstGeom>
+          <a:noFill/>
+        </p:spPr>
+        <p:txBody>
+          <a:bodyPr wrap="square" rtlCol="0">
+            <a:spAutoFit/>
+          </a:bodyPr>
+          <a:lstStyle/>
+          <a:p>
+            <a:pPr marL="342900" indent="-342900">
+              <a:buFont typeface="Wingdings" panose="05000000000000000000" pitchFamily="2" charset="2"/>
+              <a:buChar char="Ø"/>
+            </a:pPr>
+            <a:r>
+              <a:rPr lang="fr-FR" sz="2000" b="1" dirty="0">
+                <a:ln w="6600">
+                  <a:solidFill>
+                    <a:schemeClr val="accent2"/>
+                  </a:solidFill>
+                  <a:prstDash val="solid"/>
+                </a:ln>
+                <a:solidFill>
+                  <a:srgbClr val="FFFFFF"/>
+                </a:solidFill>
+                <a:effectLst>
+                  <a:outerShdw dist="38100" dir="2700000" algn="tl" rotWithShape="0">
+                    <a:schemeClr val="accent2"/>
+                  </a:outerShdw>
+                </a:effectLst>
+              </a:rPr>
+              <a:t>Limiter les droits</a:t>
+            </a:r>
+          </a:p>
+        </p:txBody>
+      </p:sp>
+      <p:sp>
+        <p:nvSpPr>
+          <p:cNvPr id="9" name="ZoneTexte 8">
+            <a:extLst>
+              <a:ext uri="{FF2B5EF4-FFF2-40B4-BE49-F238E27FC236}">
+                <a16:creationId xmlns:a16="http://schemas.microsoft.com/office/drawing/2014/main" id="{8C82CEAB-9C91-4A74-8866-AF9AF67D8A43}"/>
+              </a:ext>
+            </a:extLst>
+          </p:cNvPr>
+          <p:cNvSpPr txBox="1"/>
+          <p:nvPr/>
+        </p:nvSpPr>
+        <p:spPr>
+          <a:xfrm>
+            <a:off x="2779557" y="2307771"/>
+            <a:ext cx="4698929" cy="369332"/>
+          </a:xfrm>
+          <a:prstGeom prst="rect">
+            <a:avLst/>
+          </a:prstGeom>
+          <a:noFill/>
+        </p:spPr>
+        <p:txBody>
+          <a:bodyPr wrap="square" rtlCol="0">
+            <a:spAutoFit/>
+          </a:bodyPr>
+          <a:lstStyle/>
+          <a:p>
+            <a:r>
+              <a:rPr lang="fr-FR" dirty="0"/>
+              <a:t>/</a:t>
+            </a:r>
+            <a:r>
+              <a:rPr lang="fr-FR" dirty="0" err="1"/>
+              <a:t>etc</a:t>
+            </a:r>
+            <a:r>
+              <a:rPr lang="fr-FR" dirty="0"/>
+              <a:t>/</a:t>
+            </a:r>
+            <a:r>
+              <a:rPr lang="fr-FR" dirty="0" err="1"/>
+              <a:t>passwd</a:t>
+            </a:r>
+            <a:endParaRPr lang="en-GB" dirty="0"/>
+          </a:p>
+        </p:txBody>
+      </p:sp>
+      <p:pic>
+        <p:nvPicPr>
+          <p:cNvPr id="2" name="Image 1">
+            <a:extLst>
+              <a:ext uri="{FF2B5EF4-FFF2-40B4-BE49-F238E27FC236}">
+                <a16:creationId xmlns:a16="http://schemas.microsoft.com/office/drawing/2014/main" id="{1C90EC7E-86DA-4770-A03C-EAA4AEC8CD08}"/>
+              </a:ext>
+            </a:extLst>
+          </p:cNvPr>
+          <p:cNvPicPr>
+            <a:picLocks noChangeAspect="1"/>
+          </p:cNvPicPr>
+          <p:nvPr/>
+        </p:nvPicPr>
+        <p:blipFill>
+          <a:blip r:embed="rId5">
+            <a:extLst>
+              <a:ext uri="{BEBA8EAE-BF5A-486C-A8C5-ECC9F3942E4B}">
+                <a14:imgProps xmlns:a14="http://schemas.microsoft.com/office/drawing/2010/main">
+                  <a14:imgLayer r:embed="rId6">
+                    <a14:imgEffect>
+                      <a14:brightnessContrast contrast="100000"/>
+                    </a14:imgEffect>
+                  </a14:imgLayer>
+                </a14:imgProps>
+              </a:ext>
+            </a:extLst>
+          </a:blip>
+          <a:stretch>
+            <a:fillRect/>
+          </a:stretch>
+        </p:blipFill>
+        <p:spPr>
+          <a:xfrm>
+            <a:off x="2562148" y="2752980"/>
+            <a:ext cx="9388783" cy="369331"/>
+          </a:xfrm>
+          <a:prstGeom prst="rect">
+            <a:avLst/>
+          </a:prstGeom>
+        </p:spPr>
+      </p:pic>
+      <p:pic>
+        <p:nvPicPr>
+          <p:cNvPr id="12" name="Image 11">
+            <a:extLst>
+              <a:ext uri="{FF2B5EF4-FFF2-40B4-BE49-F238E27FC236}">
+                <a16:creationId xmlns:a16="http://schemas.microsoft.com/office/drawing/2014/main" id="{DC8D5F36-426B-4AA5-9FCE-D4F2B04CA1C8}"/>
+              </a:ext>
+            </a:extLst>
+          </p:cNvPr>
+          <p:cNvPicPr>
+            <a:picLocks noChangeAspect="1"/>
+          </p:cNvPicPr>
+          <p:nvPr/>
+        </p:nvPicPr>
+        <p:blipFill>
+          <a:blip r:embed="rId7">
+            <a:extLst>
+              <a:ext uri="{BEBA8EAE-BF5A-486C-A8C5-ECC9F3942E4B}">
+                <a14:imgProps xmlns:a14="http://schemas.microsoft.com/office/drawing/2010/main">
+                  <a14:imgLayer r:embed="rId8">
+                    <a14:imgEffect>
+                      <a14:brightnessContrast contrast="100000"/>
+                    </a14:imgEffect>
+                  </a14:imgLayer>
+                </a14:imgProps>
+              </a:ext>
+            </a:extLst>
+          </a:blip>
+          <a:stretch>
+            <a:fillRect/>
+          </a:stretch>
+        </p:blipFill>
+        <p:spPr>
+          <a:xfrm>
+            <a:off x="2562149" y="4705565"/>
+            <a:ext cx="8867852" cy="364695"/>
+          </a:xfrm>
+          <a:prstGeom prst="rect">
+            <a:avLst/>
+          </a:prstGeom>
+        </p:spPr>
+      </p:pic>
+    </p:spTree>
+    <p:extLst>
+      <p:ext uri="{BB962C8B-B14F-4D97-AF65-F5344CB8AC3E}">
+        <p14:creationId xmlns:p14="http://schemas.microsoft.com/office/powerpoint/2010/main" val="746293009"/>
+      </p:ext>
+    </p:extLst>
+  </p:cSld>
+  <p:clrMapOvr>
+    <a:masterClrMapping/>
+  </p:clrMapOvr>
+</p:sld>
+</file>
+
+<file path=ppt/slides/slide18.xml><?xml version="1.0" encoding="utf-8"?>
 <p:sld xmlns:a="http://schemas.openxmlformats.org/drawingml/2006/main" xmlns:r="http://schemas.openxmlformats.org/officeDocument/2006/relationships" xmlns:p="http://schemas.openxmlformats.org/presentationml/2006/main">
   <p:cSld>
     <p:spTree>
@@ -12187,7 +13172,7 @@
 </p:sld>
 </file>
 
-<file path=ppt/slides/slide17.xml><?xml version="1.0" encoding="utf-8"?>
+<file path=ppt/slides/slide19.xml><?xml version="1.0" encoding="utf-8"?>
 <p:sld xmlns:a="http://schemas.openxmlformats.org/drawingml/2006/main" xmlns:r="http://schemas.openxmlformats.org/officeDocument/2006/relationships" xmlns:p="http://schemas.openxmlformats.org/presentationml/2006/main">
   <p:cSld>
     <p:spTree>
@@ -12402,316 +13387,6 @@
     <p:extLst>
       <p:ext uri="{BB962C8B-B14F-4D97-AF65-F5344CB8AC3E}">
         <p14:creationId xmlns:p14="http://schemas.microsoft.com/office/powerpoint/2010/main" val="3690107117"/>
-      </p:ext>
-    </p:extLst>
-  </p:cSld>
-  <p:clrMapOvr>
-    <a:masterClrMapping/>
-  </p:clrMapOvr>
-</p:sld>
-</file>
-
-<file path=ppt/slides/slide18.xml><?xml version="1.0" encoding="utf-8"?>
-<p:sld xmlns:a="http://schemas.openxmlformats.org/drawingml/2006/main" xmlns:r="http://schemas.openxmlformats.org/officeDocument/2006/relationships" xmlns:p="http://schemas.openxmlformats.org/presentationml/2006/main">
-  <p:cSld>
-    <p:spTree>
-      <p:nvGrpSpPr>
-        <p:cNvPr id="1" name=""/>
-        <p:cNvGrpSpPr/>
-        <p:nvPr/>
-      </p:nvGrpSpPr>
-      <p:grpSpPr>
-        <a:xfrm>
-          <a:off x="0" y="0"/>
-          <a:ext cx="0" cy="0"/>
-          <a:chOff x="0" y="0"/>
-          <a:chExt cx="0" cy="0"/>
-        </a:xfrm>
-      </p:grpSpPr>
-      <p:pic>
-        <p:nvPicPr>
-          <p:cNvPr id="4" name="Picture 2" descr="Image result for cybersecurity shield icon">
-            <a:extLst>
-              <a:ext uri="{FF2B5EF4-FFF2-40B4-BE49-F238E27FC236}">
-                <a16:creationId xmlns:a16="http://schemas.microsoft.com/office/drawing/2014/main" id="{8CA6692A-A578-4231-9948-7075944AA382}"/>
-              </a:ext>
-            </a:extLst>
-          </p:cNvPr>
-          <p:cNvPicPr>
-            <a:picLocks noChangeAspect="1" noChangeArrowheads="1"/>
-          </p:cNvPicPr>
-          <p:nvPr/>
-        </p:nvPicPr>
-        <p:blipFill>
-          <a:blip r:embed="rId3">
-            <a:extLst>
-              <a:ext uri="{28A0092B-C50C-407E-A947-70E740481C1C}">
-                <a14:useLocalDpi xmlns:a14="http://schemas.microsoft.com/office/drawing/2010/main" val="0"/>
-              </a:ext>
-            </a:extLst>
-          </a:blip>
-          <a:srcRect/>
-          <a:stretch>
-            <a:fillRect/>
-          </a:stretch>
-        </p:blipFill>
-        <p:spPr bwMode="auto">
-          <a:xfrm>
-            <a:off x="2594805" y="1549718"/>
-            <a:ext cx="434819" cy="572130"/>
-          </a:xfrm>
-          <a:prstGeom prst="rect">
-            <a:avLst/>
-          </a:prstGeom>
-          <a:noFill/>
-          <a:extLst>
-            <a:ext uri="{909E8E84-426E-40DD-AFC4-6F175D3DCCD1}">
-              <a14:hiddenFill xmlns:a14="http://schemas.microsoft.com/office/drawing/2010/main">
-                <a:solidFill>
-                  <a:srgbClr val="FFFFFF"/>
-                </a:solidFill>
-              </a14:hiddenFill>
-            </a:ext>
-          </a:extLst>
-        </p:spPr>
-      </p:pic>
-      <p:sp>
-        <p:nvSpPr>
-          <p:cNvPr id="5" name="ZoneTexte 4">
-            <a:extLst>
-              <a:ext uri="{FF2B5EF4-FFF2-40B4-BE49-F238E27FC236}">
-                <a16:creationId xmlns:a16="http://schemas.microsoft.com/office/drawing/2014/main" id="{32573924-0937-4272-A2DE-128517F50CF0}"/>
-              </a:ext>
-            </a:extLst>
-          </p:cNvPr>
-          <p:cNvSpPr txBox="1"/>
-          <p:nvPr/>
-        </p:nvSpPr>
-        <p:spPr>
-          <a:xfrm>
-            <a:off x="3175911" y="1575436"/>
-            <a:ext cx="2364918" cy="400110"/>
-          </a:xfrm>
-          <a:prstGeom prst="rect">
-            <a:avLst/>
-          </a:prstGeom>
-          <a:noFill/>
-        </p:spPr>
-        <p:txBody>
-          <a:bodyPr wrap="square" rtlCol="0">
-            <a:spAutoFit/>
-          </a:bodyPr>
-          <a:lstStyle/>
-          <a:p>
-            <a:pPr marL="342900" indent="-342900">
-              <a:buFont typeface="Wingdings" panose="05000000000000000000" pitchFamily="2" charset="2"/>
-              <a:buChar char="Ø"/>
-            </a:pPr>
-            <a:r>
-              <a:rPr lang="fr-FR" sz="2000" dirty="0">
-                <a:solidFill>
-                  <a:schemeClr val="accent2">
-                    <a:lumMod val="75000"/>
-                  </a:schemeClr>
-                </a:solidFill>
-              </a:rPr>
-              <a:t>IP Tables</a:t>
-            </a:r>
-          </a:p>
-        </p:txBody>
-      </p:sp>
-      <p:pic>
-        <p:nvPicPr>
-          <p:cNvPr id="2" name="Image 1">
-            <a:extLst>
-              <a:ext uri="{FF2B5EF4-FFF2-40B4-BE49-F238E27FC236}">
-                <a16:creationId xmlns:a16="http://schemas.microsoft.com/office/drawing/2014/main" id="{1FBA13D5-9F98-4B21-A30C-D447591B433A}"/>
-              </a:ext>
-            </a:extLst>
-          </p:cNvPr>
-          <p:cNvPicPr>
-            <a:picLocks noChangeAspect="1"/>
-          </p:cNvPicPr>
-          <p:nvPr/>
-        </p:nvPicPr>
-        <p:blipFill>
-          <a:blip r:embed="rId4">
-            <a:extLst>
-              <a:ext uri="{BEBA8EAE-BF5A-486C-A8C5-ECC9F3942E4B}">
-                <a14:imgProps xmlns:a14="http://schemas.microsoft.com/office/drawing/2010/main">
-                  <a14:imgLayer r:embed="rId5">
-                    <a14:imgEffect>
-                      <a14:brightnessContrast bright="40000" contrast="40000"/>
-                    </a14:imgEffect>
-                  </a14:imgLayer>
-                </a14:imgProps>
-              </a:ext>
-            </a:extLst>
-          </a:blip>
-          <a:stretch>
-            <a:fillRect/>
-          </a:stretch>
-        </p:blipFill>
-        <p:spPr>
-          <a:xfrm>
-            <a:off x="2790442" y="2707480"/>
-            <a:ext cx="3005137" cy="1117488"/>
-          </a:xfrm>
-          <a:prstGeom prst="rect">
-            <a:avLst/>
-          </a:prstGeom>
-        </p:spPr>
-      </p:pic>
-      <p:sp>
-        <p:nvSpPr>
-          <p:cNvPr id="3" name="ZoneTexte 2">
-            <a:extLst>
-              <a:ext uri="{FF2B5EF4-FFF2-40B4-BE49-F238E27FC236}">
-                <a16:creationId xmlns:a16="http://schemas.microsoft.com/office/drawing/2014/main" id="{5044241E-DD40-414F-BDC6-BB91B0B71EF7}"/>
-              </a:ext>
-            </a:extLst>
-          </p:cNvPr>
-          <p:cNvSpPr txBox="1"/>
-          <p:nvPr/>
-        </p:nvSpPr>
-        <p:spPr>
-          <a:xfrm>
-            <a:off x="2714242" y="3824968"/>
-            <a:ext cx="2238758" cy="369332"/>
-          </a:xfrm>
-          <a:prstGeom prst="rect">
-            <a:avLst/>
-          </a:prstGeom>
-          <a:noFill/>
-        </p:spPr>
-        <p:txBody>
-          <a:bodyPr wrap="square" rtlCol="0">
-            <a:spAutoFit/>
-          </a:bodyPr>
-          <a:lstStyle/>
-          <a:p>
-            <a:r>
-              <a:rPr lang="fr-FR" dirty="0"/>
-              <a:t>Drop all by default</a:t>
-            </a:r>
-            <a:endParaRPr lang="en-GB" dirty="0"/>
-          </a:p>
-        </p:txBody>
-      </p:sp>
-      <p:sp>
-        <p:nvSpPr>
-          <p:cNvPr id="7" name="ZoneTexte 6">
-            <a:extLst>
-              <a:ext uri="{FF2B5EF4-FFF2-40B4-BE49-F238E27FC236}">
-                <a16:creationId xmlns:a16="http://schemas.microsoft.com/office/drawing/2014/main" id="{6D92AA16-90B1-46D6-9BA5-E6E338D00F38}"/>
-              </a:ext>
-            </a:extLst>
-          </p:cNvPr>
-          <p:cNvSpPr txBox="1"/>
-          <p:nvPr/>
-        </p:nvSpPr>
-        <p:spPr>
-          <a:xfrm>
-            <a:off x="6311186" y="2624639"/>
-            <a:ext cx="5576014" cy="1200329"/>
-          </a:xfrm>
-          <a:prstGeom prst="rect">
-            <a:avLst/>
-          </a:prstGeom>
-          <a:noFill/>
-        </p:spPr>
-        <p:txBody>
-          <a:bodyPr wrap="square" rtlCol="0">
-            <a:spAutoFit/>
-          </a:bodyPr>
-          <a:lstStyle/>
-          <a:p>
-            <a:pPr marL="285750" indent="-285750">
-              <a:buFont typeface="Arial" panose="020B0604020202020204" pitchFamily="34" charset="0"/>
-              <a:buChar char="•"/>
-            </a:pPr>
-            <a:r>
-              <a:rPr lang="fr-FR" dirty="0"/>
-              <a:t>Block a </a:t>
-            </a:r>
-            <a:r>
-              <a:rPr lang="fr-FR" dirty="0" err="1"/>
-              <a:t>specific</a:t>
-            </a:r>
-            <a:r>
-              <a:rPr lang="fr-FR" dirty="0"/>
-              <a:t> IP</a:t>
-            </a:r>
-          </a:p>
-          <a:p>
-            <a:pPr marL="285750" indent="-285750">
-              <a:buFont typeface="Arial" panose="020B0604020202020204" pitchFamily="34" charset="0"/>
-              <a:buChar char="•"/>
-            </a:pPr>
-            <a:r>
-              <a:rPr lang="fr-FR" dirty="0" err="1"/>
-              <a:t>Allow</a:t>
-            </a:r>
-            <a:r>
-              <a:rPr lang="fr-FR" dirty="0"/>
-              <a:t> </a:t>
-            </a:r>
-            <a:r>
-              <a:rPr lang="fr-FR" dirty="0" err="1"/>
-              <a:t>incoming</a:t>
-            </a:r>
-            <a:r>
-              <a:rPr lang="fr-FR" dirty="0"/>
-              <a:t> SSH </a:t>
-            </a:r>
-            <a:r>
-              <a:rPr lang="fr-FR" dirty="0" err="1"/>
-              <a:t>from</a:t>
-            </a:r>
-            <a:r>
-              <a:rPr lang="fr-FR" dirty="0"/>
-              <a:t> a </a:t>
-            </a:r>
-            <a:r>
-              <a:rPr lang="fr-FR" dirty="0" err="1"/>
-              <a:t>specific</a:t>
-            </a:r>
-            <a:r>
-              <a:rPr lang="fr-FR" dirty="0"/>
-              <a:t> network</a:t>
-            </a:r>
-          </a:p>
-          <a:p>
-            <a:pPr marL="285750" indent="-285750">
-              <a:buFont typeface="Arial" panose="020B0604020202020204" pitchFamily="34" charset="0"/>
-              <a:buChar char="•"/>
-            </a:pPr>
-            <a:r>
-              <a:rPr lang="fr-FR" dirty="0"/>
-              <a:t>Block ping</a:t>
-            </a:r>
-          </a:p>
-          <a:p>
-            <a:pPr marL="285750" indent="-285750">
-              <a:buFont typeface="Arial" panose="020B0604020202020204" pitchFamily="34" charset="0"/>
-              <a:buChar char="•"/>
-            </a:pPr>
-            <a:r>
-              <a:rPr lang="fr-FR" dirty="0" err="1"/>
-              <a:t>Load</a:t>
-            </a:r>
-            <a:r>
-              <a:rPr lang="fr-FR" dirty="0"/>
-              <a:t> balancing</a:t>
-            </a:r>
-            <a:endParaRPr lang="en-GB" dirty="0"/>
-          </a:p>
-        </p:txBody>
-      </p:sp>
-    </p:spTree>
-    <p:extLst>
-      <p:ext uri="{BB962C8B-B14F-4D97-AF65-F5344CB8AC3E}">
-        <p14:creationId xmlns:p14="http://schemas.microsoft.com/office/powerpoint/2010/main" val="3115234766"/>
       </p:ext>
     </p:extLst>
   </p:cSld>
@@ -13443,6 +14118,316 @@
     <p:extLst>
       <p:ext uri="{BB962C8B-B14F-4D97-AF65-F5344CB8AC3E}">
         <p14:creationId xmlns:p14="http://schemas.microsoft.com/office/powerpoint/2010/main" val="1034015954"/>
+      </p:ext>
+    </p:extLst>
+  </p:cSld>
+  <p:clrMapOvr>
+    <a:masterClrMapping/>
+  </p:clrMapOvr>
+</p:sld>
+</file>
+
+<file path=ppt/slides/slide20.xml><?xml version="1.0" encoding="utf-8"?>
+<p:sld xmlns:a="http://schemas.openxmlformats.org/drawingml/2006/main" xmlns:r="http://schemas.openxmlformats.org/officeDocument/2006/relationships" xmlns:p="http://schemas.openxmlformats.org/presentationml/2006/main">
+  <p:cSld>
+    <p:spTree>
+      <p:nvGrpSpPr>
+        <p:cNvPr id="1" name=""/>
+        <p:cNvGrpSpPr/>
+        <p:nvPr/>
+      </p:nvGrpSpPr>
+      <p:grpSpPr>
+        <a:xfrm>
+          <a:off x="0" y="0"/>
+          <a:ext cx="0" cy="0"/>
+          <a:chOff x="0" y="0"/>
+          <a:chExt cx="0" cy="0"/>
+        </a:xfrm>
+      </p:grpSpPr>
+      <p:pic>
+        <p:nvPicPr>
+          <p:cNvPr id="4" name="Picture 2" descr="Image result for cybersecurity shield icon">
+            <a:extLst>
+              <a:ext uri="{FF2B5EF4-FFF2-40B4-BE49-F238E27FC236}">
+                <a16:creationId xmlns:a16="http://schemas.microsoft.com/office/drawing/2014/main" id="{8CA6692A-A578-4231-9948-7075944AA382}"/>
+              </a:ext>
+            </a:extLst>
+          </p:cNvPr>
+          <p:cNvPicPr>
+            <a:picLocks noChangeAspect="1" noChangeArrowheads="1"/>
+          </p:cNvPicPr>
+          <p:nvPr/>
+        </p:nvPicPr>
+        <p:blipFill>
+          <a:blip r:embed="rId3">
+            <a:extLst>
+              <a:ext uri="{28A0092B-C50C-407E-A947-70E740481C1C}">
+                <a14:useLocalDpi xmlns:a14="http://schemas.microsoft.com/office/drawing/2010/main" val="0"/>
+              </a:ext>
+            </a:extLst>
+          </a:blip>
+          <a:srcRect/>
+          <a:stretch>
+            <a:fillRect/>
+          </a:stretch>
+        </p:blipFill>
+        <p:spPr bwMode="auto">
+          <a:xfrm>
+            <a:off x="2594805" y="1549718"/>
+            <a:ext cx="434819" cy="572130"/>
+          </a:xfrm>
+          <a:prstGeom prst="rect">
+            <a:avLst/>
+          </a:prstGeom>
+          <a:noFill/>
+          <a:extLst>
+            <a:ext uri="{909E8E84-426E-40DD-AFC4-6F175D3DCCD1}">
+              <a14:hiddenFill xmlns:a14="http://schemas.microsoft.com/office/drawing/2010/main">
+                <a:solidFill>
+                  <a:srgbClr val="FFFFFF"/>
+                </a:solidFill>
+              </a14:hiddenFill>
+            </a:ext>
+          </a:extLst>
+        </p:spPr>
+      </p:pic>
+      <p:sp>
+        <p:nvSpPr>
+          <p:cNvPr id="5" name="ZoneTexte 4">
+            <a:extLst>
+              <a:ext uri="{FF2B5EF4-FFF2-40B4-BE49-F238E27FC236}">
+                <a16:creationId xmlns:a16="http://schemas.microsoft.com/office/drawing/2014/main" id="{32573924-0937-4272-A2DE-128517F50CF0}"/>
+              </a:ext>
+            </a:extLst>
+          </p:cNvPr>
+          <p:cNvSpPr txBox="1"/>
+          <p:nvPr/>
+        </p:nvSpPr>
+        <p:spPr>
+          <a:xfrm>
+            <a:off x="3175911" y="1575436"/>
+            <a:ext cx="2364918" cy="400110"/>
+          </a:xfrm>
+          <a:prstGeom prst="rect">
+            <a:avLst/>
+          </a:prstGeom>
+          <a:noFill/>
+        </p:spPr>
+        <p:txBody>
+          <a:bodyPr wrap="square" rtlCol="0">
+            <a:spAutoFit/>
+          </a:bodyPr>
+          <a:lstStyle/>
+          <a:p>
+            <a:pPr marL="342900" indent="-342900">
+              <a:buFont typeface="Wingdings" panose="05000000000000000000" pitchFamily="2" charset="2"/>
+              <a:buChar char="Ø"/>
+            </a:pPr>
+            <a:r>
+              <a:rPr lang="fr-FR" sz="2000" dirty="0">
+                <a:solidFill>
+                  <a:schemeClr val="accent2">
+                    <a:lumMod val="75000"/>
+                  </a:schemeClr>
+                </a:solidFill>
+              </a:rPr>
+              <a:t>IP Tables</a:t>
+            </a:r>
+          </a:p>
+        </p:txBody>
+      </p:sp>
+      <p:pic>
+        <p:nvPicPr>
+          <p:cNvPr id="2" name="Image 1">
+            <a:extLst>
+              <a:ext uri="{FF2B5EF4-FFF2-40B4-BE49-F238E27FC236}">
+                <a16:creationId xmlns:a16="http://schemas.microsoft.com/office/drawing/2014/main" id="{1FBA13D5-9F98-4B21-A30C-D447591B433A}"/>
+              </a:ext>
+            </a:extLst>
+          </p:cNvPr>
+          <p:cNvPicPr>
+            <a:picLocks noChangeAspect="1"/>
+          </p:cNvPicPr>
+          <p:nvPr/>
+        </p:nvPicPr>
+        <p:blipFill>
+          <a:blip r:embed="rId4">
+            <a:extLst>
+              <a:ext uri="{BEBA8EAE-BF5A-486C-A8C5-ECC9F3942E4B}">
+                <a14:imgProps xmlns:a14="http://schemas.microsoft.com/office/drawing/2010/main">
+                  <a14:imgLayer r:embed="rId5">
+                    <a14:imgEffect>
+                      <a14:brightnessContrast bright="40000" contrast="40000"/>
+                    </a14:imgEffect>
+                  </a14:imgLayer>
+                </a14:imgProps>
+              </a:ext>
+            </a:extLst>
+          </a:blip>
+          <a:stretch>
+            <a:fillRect/>
+          </a:stretch>
+        </p:blipFill>
+        <p:spPr>
+          <a:xfrm>
+            <a:off x="2790442" y="2707480"/>
+            <a:ext cx="3005137" cy="1117488"/>
+          </a:xfrm>
+          <a:prstGeom prst="rect">
+            <a:avLst/>
+          </a:prstGeom>
+        </p:spPr>
+      </p:pic>
+      <p:sp>
+        <p:nvSpPr>
+          <p:cNvPr id="3" name="ZoneTexte 2">
+            <a:extLst>
+              <a:ext uri="{FF2B5EF4-FFF2-40B4-BE49-F238E27FC236}">
+                <a16:creationId xmlns:a16="http://schemas.microsoft.com/office/drawing/2014/main" id="{5044241E-DD40-414F-BDC6-BB91B0B71EF7}"/>
+              </a:ext>
+            </a:extLst>
+          </p:cNvPr>
+          <p:cNvSpPr txBox="1"/>
+          <p:nvPr/>
+        </p:nvSpPr>
+        <p:spPr>
+          <a:xfrm>
+            <a:off x="2714242" y="3824968"/>
+            <a:ext cx="2238758" cy="369332"/>
+          </a:xfrm>
+          <a:prstGeom prst="rect">
+            <a:avLst/>
+          </a:prstGeom>
+          <a:noFill/>
+        </p:spPr>
+        <p:txBody>
+          <a:bodyPr wrap="square" rtlCol="0">
+            <a:spAutoFit/>
+          </a:bodyPr>
+          <a:lstStyle/>
+          <a:p>
+            <a:r>
+              <a:rPr lang="fr-FR" dirty="0"/>
+              <a:t>Drop all by default</a:t>
+            </a:r>
+            <a:endParaRPr lang="en-GB" dirty="0"/>
+          </a:p>
+        </p:txBody>
+      </p:sp>
+      <p:sp>
+        <p:nvSpPr>
+          <p:cNvPr id="7" name="ZoneTexte 6">
+            <a:extLst>
+              <a:ext uri="{FF2B5EF4-FFF2-40B4-BE49-F238E27FC236}">
+                <a16:creationId xmlns:a16="http://schemas.microsoft.com/office/drawing/2014/main" id="{6D92AA16-90B1-46D6-9BA5-E6E338D00F38}"/>
+              </a:ext>
+            </a:extLst>
+          </p:cNvPr>
+          <p:cNvSpPr txBox="1"/>
+          <p:nvPr/>
+        </p:nvSpPr>
+        <p:spPr>
+          <a:xfrm>
+            <a:off x="6311186" y="2624639"/>
+            <a:ext cx="5576014" cy="1200329"/>
+          </a:xfrm>
+          <a:prstGeom prst="rect">
+            <a:avLst/>
+          </a:prstGeom>
+          <a:noFill/>
+        </p:spPr>
+        <p:txBody>
+          <a:bodyPr wrap="square" rtlCol="0">
+            <a:spAutoFit/>
+          </a:bodyPr>
+          <a:lstStyle/>
+          <a:p>
+            <a:pPr marL="285750" indent="-285750">
+              <a:buFont typeface="Arial" panose="020B0604020202020204" pitchFamily="34" charset="0"/>
+              <a:buChar char="•"/>
+            </a:pPr>
+            <a:r>
+              <a:rPr lang="fr-FR" dirty="0"/>
+              <a:t>Block a </a:t>
+            </a:r>
+            <a:r>
+              <a:rPr lang="fr-FR" dirty="0" err="1"/>
+              <a:t>specific</a:t>
+            </a:r>
+            <a:r>
+              <a:rPr lang="fr-FR" dirty="0"/>
+              <a:t> IP</a:t>
+            </a:r>
+          </a:p>
+          <a:p>
+            <a:pPr marL="285750" indent="-285750">
+              <a:buFont typeface="Arial" panose="020B0604020202020204" pitchFamily="34" charset="0"/>
+              <a:buChar char="•"/>
+            </a:pPr>
+            <a:r>
+              <a:rPr lang="fr-FR" dirty="0" err="1"/>
+              <a:t>Allow</a:t>
+            </a:r>
+            <a:r>
+              <a:rPr lang="fr-FR" dirty="0"/>
+              <a:t> </a:t>
+            </a:r>
+            <a:r>
+              <a:rPr lang="fr-FR" dirty="0" err="1"/>
+              <a:t>incoming</a:t>
+            </a:r>
+            <a:r>
+              <a:rPr lang="fr-FR" dirty="0"/>
+              <a:t> SSH </a:t>
+            </a:r>
+            <a:r>
+              <a:rPr lang="fr-FR" dirty="0" err="1"/>
+              <a:t>from</a:t>
+            </a:r>
+            <a:r>
+              <a:rPr lang="fr-FR" dirty="0"/>
+              <a:t> a </a:t>
+            </a:r>
+            <a:r>
+              <a:rPr lang="fr-FR" dirty="0" err="1"/>
+              <a:t>specific</a:t>
+            </a:r>
+            <a:r>
+              <a:rPr lang="fr-FR" dirty="0"/>
+              <a:t> network</a:t>
+            </a:r>
+          </a:p>
+          <a:p>
+            <a:pPr marL="285750" indent="-285750">
+              <a:buFont typeface="Arial" panose="020B0604020202020204" pitchFamily="34" charset="0"/>
+              <a:buChar char="•"/>
+            </a:pPr>
+            <a:r>
+              <a:rPr lang="fr-FR" dirty="0"/>
+              <a:t>Block ping</a:t>
+            </a:r>
+          </a:p>
+          <a:p>
+            <a:pPr marL="285750" indent="-285750">
+              <a:buFont typeface="Arial" panose="020B0604020202020204" pitchFamily="34" charset="0"/>
+              <a:buChar char="•"/>
+            </a:pPr>
+            <a:r>
+              <a:rPr lang="fr-FR" dirty="0" err="1"/>
+              <a:t>Load</a:t>
+            </a:r>
+            <a:r>
+              <a:rPr lang="fr-FR" dirty="0"/>
+              <a:t> balancing</a:t>
+            </a:r>
+            <a:endParaRPr lang="en-GB" dirty="0"/>
+          </a:p>
+        </p:txBody>
+      </p:sp>
+    </p:spTree>
+    <p:extLst>
+      <p:ext uri="{BB962C8B-B14F-4D97-AF65-F5344CB8AC3E}">
+        <p14:creationId xmlns:p14="http://schemas.microsoft.com/office/powerpoint/2010/main" val="3115234766"/>
       </p:ext>
     </p:extLst>
   </p:cSld>

--- a/Projet-Linux.pptx
+++ b/Projet-Linux.pptx
@@ -6,7 +6,7 @@
     <p:sldMasterId id="2147483687" r:id="rId2"/>
   </p:sldMasterIdLst>
   <p:notesMasterIdLst>
-    <p:notesMasterId r:id="rId33"/>
+    <p:notesMasterId r:id="rId36"/>
   </p:notesMasterIdLst>
   <p:sldIdLst>
     <p:sldId id="256" r:id="rId3"/>
@@ -39,6 +39,9 @@
     <p:sldId id="284" r:id="rId30"/>
     <p:sldId id="285" r:id="rId31"/>
     <p:sldId id="278" r:id="rId32"/>
+    <p:sldId id="286" r:id="rId33"/>
+    <p:sldId id="287" r:id="rId34"/>
+    <p:sldId id="288" r:id="rId35"/>
   </p:sldIdLst>
   <p:sldSz cx="12192000" cy="6858000"/>
   <p:notesSz cx="6858000" cy="9144000"/>
@@ -1294,6 +1297,108 @@
     <p:extLst>
       <p:ext uri="{BB962C8B-B14F-4D97-AF65-F5344CB8AC3E}">
         <p14:creationId xmlns:p14="http://schemas.microsoft.com/office/powerpoint/2010/main" val="3961678369"/>
+      </p:ext>
+    </p:extLst>
+  </p:cSld>
+  <p:clrMapOvr>
+    <a:masterClrMapping/>
+  </p:clrMapOvr>
+</p:notes>
+</file>
+
+<file path=ppt/notesSlides/notesSlide17.xml><?xml version="1.0" encoding="utf-8"?>
+<p:notes xmlns:a="http://schemas.openxmlformats.org/drawingml/2006/main" xmlns:r="http://schemas.openxmlformats.org/officeDocument/2006/relationships" xmlns:p="http://schemas.openxmlformats.org/presentationml/2006/main">
+  <p:cSld>
+    <p:spTree>
+      <p:nvGrpSpPr>
+        <p:cNvPr id="1" name=""/>
+        <p:cNvGrpSpPr/>
+        <p:nvPr/>
+      </p:nvGrpSpPr>
+      <p:grpSpPr>
+        <a:xfrm>
+          <a:off x="0" y="0"/>
+          <a:ext cx="0" cy="0"/>
+          <a:chOff x="0" y="0"/>
+          <a:chExt cx="0" cy="0"/>
+        </a:xfrm>
+      </p:grpSpPr>
+      <p:sp>
+        <p:nvSpPr>
+          <p:cNvPr id="2" name="Espace réservé de l'image des diapositives 1"/>
+          <p:cNvSpPr>
+            <a:spLocks noGrp="1" noRot="1" noChangeAspect="1"/>
+          </p:cNvSpPr>
+          <p:nvPr>
+            <p:ph type="sldImg"/>
+          </p:nvPr>
+        </p:nvSpPr>
+        <p:spPr>
+          <a:xfrm>
+            <a:off x="217488" y="812800"/>
+            <a:ext cx="7124700" cy="4008438"/>
+          </a:xfrm>
+        </p:spPr>
+      </p:sp>
+      <p:sp>
+        <p:nvSpPr>
+          <p:cNvPr id="3" name="Espace réservé des notes 2"/>
+          <p:cNvSpPr>
+            <a:spLocks noGrp="1"/>
+          </p:cNvSpPr>
+          <p:nvPr>
+            <p:ph type="body" idx="1"/>
+          </p:nvPr>
+        </p:nvSpPr>
+        <p:spPr/>
+        <p:txBody>
+          <a:bodyPr/>
+          <a:lstStyle/>
+          <a:p>
+            <a:r>
+              <a:rPr lang="fr-FR" dirty="0"/>
+              <a:t>On drop all et après on fait ses config </a:t>
+            </a:r>
+            <a:r>
+              <a:rPr lang="fr-FR" dirty="0" err="1"/>
+              <a:t>DNS,loopback,http</a:t>
+            </a:r>
+            <a:endParaRPr lang="en-GB" dirty="0"/>
+          </a:p>
+        </p:txBody>
+      </p:sp>
+      <p:sp>
+        <p:nvSpPr>
+          <p:cNvPr id="4" name="Espace réservé du numéro de diapositive 3"/>
+          <p:cNvSpPr>
+            <a:spLocks noGrp="1"/>
+          </p:cNvSpPr>
+          <p:nvPr>
+            <p:ph type="sldNum"/>
+          </p:nvPr>
+        </p:nvSpPr>
+        <p:spPr/>
+        <p:txBody>
+          <a:bodyPr/>
+          <a:lstStyle/>
+          <a:p>
+            <a:pPr algn="r"/>
+            <a:fld id="{93A85CC7-67EA-45B6-9C49-C852AF51F82B}" type="slidenum">
+              <a:rPr lang="fr-FR" sz="1400" b="0" strike="noStrike" spc="-1" smtClean="0">
+                <a:latin typeface="Times New Roman"/>
+              </a:rPr>
+              <a:t>33</a:t>
+            </a:fld>
+            <a:endParaRPr lang="fr-FR" sz="1400" b="0" strike="noStrike" spc="-1">
+              <a:latin typeface="Times New Roman"/>
+            </a:endParaRPr>
+          </a:p>
+        </p:txBody>
+      </p:sp>
+    </p:spTree>
+    <p:extLst>
+      <p:ext uri="{BB962C8B-B14F-4D97-AF65-F5344CB8AC3E}">
+        <p14:creationId xmlns:p14="http://schemas.microsoft.com/office/powerpoint/2010/main" val="46890225"/>
       </p:ext>
     </p:extLst>
   </p:cSld>
@@ -21950,6 +22055,1361 @@
 </p:sld>
 </file>
 
+<file path=ppt/slides/slide31.xml><?xml version="1.0" encoding="utf-8"?>
+<p:sld xmlns:a="http://schemas.openxmlformats.org/drawingml/2006/main" xmlns:r="http://schemas.openxmlformats.org/officeDocument/2006/relationships" xmlns:p="http://schemas.openxmlformats.org/presentationml/2006/main">
+  <p:cSld>
+    <p:spTree>
+      <p:nvGrpSpPr>
+        <p:cNvPr id="1" name=""/>
+        <p:cNvGrpSpPr/>
+        <p:nvPr/>
+      </p:nvGrpSpPr>
+      <p:grpSpPr>
+        <a:xfrm>
+          <a:off x="0" y="0"/>
+          <a:ext cx="0" cy="0"/>
+          <a:chOff x="0" y="0"/>
+          <a:chExt cx="0" cy="0"/>
+        </a:xfrm>
+      </p:grpSpPr>
+      <p:sp>
+        <p:nvSpPr>
+          <p:cNvPr id="2" name="ZoneTexte 1">
+            <a:extLst>
+              <a:ext uri="{FF2B5EF4-FFF2-40B4-BE49-F238E27FC236}">
+                <a16:creationId xmlns:a16="http://schemas.microsoft.com/office/drawing/2014/main" id="{36A4AEF6-3384-48E9-AD78-E7DFA602657C}"/>
+              </a:ext>
+            </a:extLst>
+          </p:cNvPr>
+          <p:cNvSpPr txBox="1"/>
+          <p:nvPr/>
+        </p:nvSpPr>
+        <p:spPr>
+          <a:xfrm>
+            <a:off x="1899769" y="700816"/>
+            <a:ext cx="8328751" cy="646331"/>
+          </a:xfrm>
+          <a:prstGeom prst="rect">
+            <a:avLst/>
+          </a:prstGeom>
+          <a:noFill/>
+        </p:spPr>
+        <p:txBody>
+          <a:bodyPr wrap="square" rtlCol="0">
+            <a:spAutoFit/>
+          </a:bodyPr>
+          <a:lstStyle/>
+          <a:p>
+            <a:r>
+              <a:rPr lang="fr-FR" sz="2800" u="sng" dirty="0">
+                <a:solidFill>
+                  <a:schemeClr val="accent2">
+                    <a:lumMod val="75000"/>
+                  </a:schemeClr>
+                </a:solidFill>
+              </a:rPr>
+              <a:t>11</a:t>
+            </a:r>
+            <a:r>
+              <a:rPr lang="fr-FR" sz="3600" u="sng" dirty="0">
+                <a:solidFill>
+                  <a:schemeClr val="accent2">
+                    <a:lumMod val="75000"/>
+                  </a:schemeClr>
+                </a:solidFill>
+              </a:rPr>
+              <a:t>. Test file </a:t>
+            </a:r>
+            <a:endParaRPr lang="en-GB" sz="2800" u="sng" dirty="0">
+              <a:solidFill>
+                <a:schemeClr val="accent2">
+                  <a:lumMod val="75000"/>
+                </a:schemeClr>
+              </a:solidFill>
+            </a:endParaRPr>
+          </a:p>
+        </p:txBody>
+      </p:sp>
+      <p:grpSp>
+        <p:nvGrpSpPr>
+          <p:cNvPr id="3" name="Groupe 2">
+            <a:extLst>
+              <a:ext uri="{FF2B5EF4-FFF2-40B4-BE49-F238E27FC236}">
+                <a16:creationId xmlns:a16="http://schemas.microsoft.com/office/drawing/2014/main" id="{C018C75B-D187-425B-8681-7D73081D1174}"/>
+              </a:ext>
+            </a:extLst>
+          </p:cNvPr>
+          <p:cNvGrpSpPr/>
+          <p:nvPr/>
+        </p:nvGrpSpPr>
+        <p:grpSpPr>
+          <a:xfrm>
+            <a:off x="2377263" y="1347147"/>
+            <a:ext cx="7437474" cy="5321594"/>
+            <a:chOff x="2381693" y="1185532"/>
+            <a:chExt cx="7437474" cy="5321594"/>
+          </a:xfrm>
+        </p:grpSpPr>
+        <p:sp>
+          <p:nvSpPr>
+            <p:cNvPr id="4" name="Rectangle : coins arrondis 3">
+              <a:extLst>
+                <a:ext uri="{FF2B5EF4-FFF2-40B4-BE49-F238E27FC236}">
+                  <a16:creationId xmlns:a16="http://schemas.microsoft.com/office/drawing/2014/main" id="{8D64DBB6-5C9A-4ACD-B255-E95416AC350A}"/>
+                </a:ext>
+              </a:extLst>
+            </p:cNvPr>
+            <p:cNvSpPr/>
+            <p:nvPr/>
+          </p:nvSpPr>
+          <p:spPr>
+            <a:xfrm>
+              <a:off x="2381693" y="3466214"/>
+              <a:ext cx="1552354" cy="3040912"/>
+            </a:xfrm>
+            <a:prstGeom prst="roundRect">
+              <a:avLst/>
+            </a:prstGeom>
+          </p:spPr>
+          <p:style>
+            <a:lnRef idx="1">
+              <a:schemeClr val="accent2"/>
+            </a:lnRef>
+            <a:fillRef idx="2">
+              <a:schemeClr val="accent2"/>
+            </a:fillRef>
+            <a:effectRef idx="1">
+              <a:schemeClr val="accent2"/>
+            </a:effectRef>
+            <a:fontRef idx="minor">
+              <a:schemeClr val="dk1"/>
+            </a:fontRef>
+          </p:style>
+          <p:txBody>
+            <a:bodyPr rtlCol="0" anchor="ctr"/>
+            <a:lstStyle/>
+            <a:p>
+              <a:pPr algn="ctr"/>
+              <a:r>
+                <a:rPr lang="fr-FR" dirty="0"/>
+                <a:t>GRUB</a:t>
+              </a:r>
+            </a:p>
+            <a:p>
+              <a:pPr algn="ctr"/>
+              <a:r>
+                <a:rPr lang="fr-FR" dirty="0" err="1"/>
+                <a:t>BootLoader</a:t>
+              </a:r>
+              <a:endParaRPr lang="en-GB" dirty="0"/>
+            </a:p>
+          </p:txBody>
+        </p:sp>
+        <p:sp>
+          <p:nvSpPr>
+            <p:cNvPr id="5" name="Flèche : droite 4">
+              <a:extLst>
+                <a:ext uri="{FF2B5EF4-FFF2-40B4-BE49-F238E27FC236}">
+                  <a16:creationId xmlns:a16="http://schemas.microsoft.com/office/drawing/2014/main" id="{66218686-00D8-491F-9A53-1D6036DB37AB}"/>
+                </a:ext>
+              </a:extLst>
+            </p:cNvPr>
+            <p:cNvSpPr/>
+            <p:nvPr/>
+          </p:nvSpPr>
+          <p:spPr>
+            <a:xfrm>
+              <a:off x="3981893" y="5582091"/>
+              <a:ext cx="1446028" cy="361507"/>
+            </a:xfrm>
+            <a:prstGeom prst="rightArrow">
+              <a:avLst/>
+            </a:prstGeom>
+          </p:spPr>
+          <p:style>
+            <a:lnRef idx="2">
+              <a:schemeClr val="accent1">
+                <a:shade val="50000"/>
+              </a:schemeClr>
+            </a:lnRef>
+            <a:fillRef idx="1">
+              <a:schemeClr val="accent1"/>
+            </a:fillRef>
+            <a:effectRef idx="0">
+              <a:schemeClr val="accent1"/>
+            </a:effectRef>
+            <a:fontRef idx="minor">
+              <a:schemeClr val="lt1"/>
+            </a:fontRef>
+          </p:style>
+          <p:txBody>
+            <a:bodyPr rtlCol="0" anchor="ctr"/>
+            <a:lstStyle/>
+            <a:p>
+              <a:pPr algn="ctr"/>
+              <a:endParaRPr lang="en-GB"/>
+            </a:p>
+          </p:txBody>
+        </p:sp>
+        <p:sp>
+          <p:nvSpPr>
+            <p:cNvPr id="6" name="Rectangle : coins arrondis 5">
+              <a:extLst>
+                <a:ext uri="{FF2B5EF4-FFF2-40B4-BE49-F238E27FC236}">
+                  <a16:creationId xmlns:a16="http://schemas.microsoft.com/office/drawing/2014/main" id="{7C9EEFD2-BF25-4670-B9AC-EE6E5D54B718}"/>
+                </a:ext>
+              </a:extLst>
+            </p:cNvPr>
+            <p:cNvSpPr/>
+            <p:nvPr/>
+          </p:nvSpPr>
+          <p:spPr>
+            <a:xfrm>
+              <a:off x="5475768" y="5061096"/>
+              <a:ext cx="4221125" cy="1403498"/>
+            </a:xfrm>
+            <a:prstGeom prst="roundRect">
+              <a:avLst/>
+            </a:prstGeom>
+          </p:spPr>
+          <p:style>
+            <a:lnRef idx="1">
+              <a:schemeClr val="accent3"/>
+            </a:lnRef>
+            <a:fillRef idx="2">
+              <a:schemeClr val="accent3"/>
+            </a:fillRef>
+            <a:effectRef idx="1">
+              <a:schemeClr val="accent3"/>
+            </a:effectRef>
+            <a:fontRef idx="minor">
+              <a:schemeClr val="dk1"/>
+            </a:fontRef>
+          </p:style>
+          <p:txBody>
+            <a:bodyPr rtlCol="0" anchor="ctr"/>
+            <a:lstStyle/>
+            <a:p>
+              <a:pPr algn="ctr"/>
+              <a:r>
+                <a:rPr lang="fr-FR" dirty="0"/>
+                <a:t>Kernel</a:t>
+              </a:r>
+              <a:endParaRPr lang="en-GB" dirty="0"/>
+            </a:p>
+          </p:txBody>
+        </p:sp>
+        <p:sp>
+          <p:nvSpPr>
+            <p:cNvPr id="7" name="Rectangle : coins arrondis 6">
+              <a:extLst>
+                <a:ext uri="{FF2B5EF4-FFF2-40B4-BE49-F238E27FC236}">
+                  <a16:creationId xmlns:a16="http://schemas.microsoft.com/office/drawing/2014/main" id="{8F4331B3-87B9-492D-8EBA-EB86A9CD47F5}"/>
+                </a:ext>
+              </a:extLst>
+            </p:cNvPr>
+            <p:cNvSpPr/>
+            <p:nvPr/>
+          </p:nvSpPr>
+          <p:spPr>
+            <a:xfrm>
+              <a:off x="7060019" y="4098851"/>
+              <a:ext cx="2558902" cy="510363"/>
+            </a:xfrm>
+            <a:prstGeom prst="roundRect">
+              <a:avLst/>
+            </a:prstGeom>
+          </p:spPr>
+          <p:style>
+            <a:lnRef idx="1">
+              <a:schemeClr val="accent3"/>
+            </a:lnRef>
+            <a:fillRef idx="3">
+              <a:schemeClr val="accent3"/>
+            </a:fillRef>
+            <a:effectRef idx="2">
+              <a:schemeClr val="accent3"/>
+            </a:effectRef>
+            <a:fontRef idx="minor">
+              <a:schemeClr val="lt1"/>
+            </a:fontRef>
+          </p:style>
+          <p:txBody>
+            <a:bodyPr rtlCol="0" anchor="ctr"/>
+            <a:lstStyle/>
+            <a:p>
+              <a:pPr algn="ctr"/>
+              <a:r>
+                <a:rPr lang="fr-FR" dirty="0"/>
+                <a:t>GNU </a:t>
+              </a:r>
+              <a:r>
+                <a:rPr lang="fr-FR" dirty="0" err="1"/>
+                <a:t>libc</a:t>
+              </a:r>
+              <a:endParaRPr lang="en-GB" dirty="0"/>
+            </a:p>
+          </p:txBody>
+        </p:sp>
+        <p:sp>
+          <p:nvSpPr>
+            <p:cNvPr id="8" name="Rectangle : coins arrondis 7">
+              <a:extLst>
+                <a:ext uri="{FF2B5EF4-FFF2-40B4-BE49-F238E27FC236}">
+                  <a16:creationId xmlns:a16="http://schemas.microsoft.com/office/drawing/2014/main" id="{021B194D-90BC-40EA-A616-6FDC14CE6A99}"/>
+                </a:ext>
+              </a:extLst>
+            </p:cNvPr>
+            <p:cNvSpPr/>
+            <p:nvPr/>
+          </p:nvSpPr>
+          <p:spPr>
+            <a:xfrm>
+              <a:off x="4300870" y="1185532"/>
+              <a:ext cx="5518297" cy="2461437"/>
+            </a:xfrm>
+            <a:prstGeom prst="roundRect">
+              <a:avLst/>
+            </a:prstGeom>
+          </p:spPr>
+          <p:style>
+            <a:lnRef idx="1">
+              <a:schemeClr val="accent2"/>
+            </a:lnRef>
+            <a:fillRef idx="2">
+              <a:schemeClr val="accent2"/>
+            </a:fillRef>
+            <a:effectRef idx="1">
+              <a:schemeClr val="accent2"/>
+            </a:effectRef>
+            <a:fontRef idx="minor">
+              <a:schemeClr val="dk1"/>
+            </a:fontRef>
+          </p:style>
+          <p:txBody>
+            <a:bodyPr rtlCol="0" anchor="ctr"/>
+            <a:lstStyle/>
+            <a:p>
+              <a:pPr algn="ctr"/>
+              <a:r>
+                <a:rPr lang="fr-FR" dirty="0"/>
+                <a:t>Applications</a:t>
+              </a:r>
+              <a:endParaRPr lang="en-GB" dirty="0"/>
+            </a:p>
+          </p:txBody>
+        </p:sp>
+        <p:pic>
+          <p:nvPicPr>
+            <p:cNvPr id="9" name="Picture 6" descr="Image result for docker logo">
+              <a:extLst>
+                <a:ext uri="{FF2B5EF4-FFF2-40B4-BE49-F238E27FC236}">
+                  <a16:creationId xmlns:a16="http://schemas.microsoft.com/office/drawing/2014/main" id="{6C708E15-69D7-404C-B092-388FA8229456}"/>
+                </a:ext>
+              </a:extLst>
+            </p:cNvPr>
+            <p:cNvPicPr>
+              <a:picLocks noChangeAspect="1" noChangeArrowheads="1"/>
+            </p:cNvPicPr>
+            <p:nvPr/>
+          </p:nvPicPr>
+          <p:blipFill>
+            <a:blip r:embed="rId2">
+              <a:extLst>
+                <a:ext uri="{28A0092B-C50C-407E-A947-70E740481C1C}">
+                  <a14:useLocalDpi xmlns:a14="http://schemas.microsoft.com/office/drawing/2010/main" val="0"/>
+                </a:ext>
+              </a:extLst>
+            </a:blip>
+            <a:srcRect/>
+            <a:stretch>
+              <a:fillRect/>
+            </a:stretch>
+          </p:blipFill>
+          <p:spPr bwMode="auto">
+            <a:xfrm>
+              <a:off x="4704907" y="1321095"/>
+              <a:ext cx="1282133" cy="1095155"/>
+            </a:xfrm>
+            <a:prstGeom prst="rect">
+              <a:avLst/>
+            </a:prstGeom>
+            <a:noFill/>
+            <a:extLst>
+              <a:ext uri="{909E8E84-426E-40DD-AFC4-6F175D3DCCD1}">
+                <a14:hiddenFill xmlns:a14="http://schemas.microsoft.com/office/drawing/2010/main">
+                  <a:solidFill>
+                    <a:srgbClr val="FFFFFF"/>
+                  </a:solidFill>
+                </a14:hiddenFill>
+              </a:ext>
+            </a:extLst>
+          </p:spPr>
+        </p:pic>
+        <p:pic>
+          <p:nvPicPr>
+            <p:cNvPr id="10" name="Picture 8" descr="Image result for avahi logo">
+              <a:extLst>
+                <a:ext uri="{FF2B5EF4-FFF2-40B4-BE49-F238E27FC236}">
+                  <a16:creationId xmlns:a16="http://schemas.microsoft.com/office/drawing/2014/main" id="{726E72EA-E02E-41B9-BFD6-89860DE507EF}"/>
+                </a:ext>
+              </a:extLst>
+            </p:cNvPr>
+            <p:cNvPicPr>
+              <a:picLocks noChangeAspect="1" noChangeArrowheads="1"/>
+            </p:cNvPicPr>
+            <p:nvPr/>
+          </p:nvPicPr>
+          <p:blipFill>
+            <a:blip r:embed="rId3">
+              <a:extLst>
+                <a:ext uri="{28A0092B-C50C-407E-A947-70E740481C1C}">
+                  <a14:useLocalDpi xmlns:a14="http://schemas.microsoft.com/office/drawing/2010/main" val="0"/>
+                </a:ext>
+              </a:extLst>
+            </a:blip>
+            <a:srcRect/>
+            <a:stretch>
+              <a:fillRect/>
+            </a:stretch>
+          </p:blipFill>
+          <p:spPr bwMode="auto">
+            <a:xfrm>
+              <a:off x="8198564" y="1427421"/>
+              <a:ext cx="1282133" cy="976519"/>
+            </a:xfrm>
+            <a:prstGeom prst="rect">
+              <a:avLst/>
+            </a:prstGeom>
+            <a:noFill/>
+            <a:extLst>
+              <a:ext uri="{909E8E84-426E-40DD-AFC4-6F175D3DCCD1}">
+                <a14:hiddenFill xmlns:a14="http://schemas.microsoft.com/office/drawing/2010/main">
+                  <a:solidFill>
+                    <a:srgbClr val="FFFFFF"/>
+                  </a:solidFill>
+                </a14:hiddenFill>
+              </a:ext>
+            </a:extLst>
+          </p:spPr>
+        </p:pic>
+        <p:sp>
+          <p:nvSpPr>
+            <p:cNvPr id="11" name="Flèche : double flèche verticale 10">
+              <a:extLst>
+                <a:ext uri="{FF2B5EF4-FFF2-40B4-BE49-F238E27FC236}">
+                  <a16:creationId xmlns:a16="http://schemas.microsoft.com/office/drawing/2014/main" id="{6CBE2A2D-87E3-4F89-B486-B92E3906C358}"/>
+                </a:ext>
+              </a:extLst>
+            </p:cNvPr>
+            <p:cNvSpPr/>
+            <p:nvPr/>
+          </p:nvSpPr>
+          <p:spPr>
+            <a:xfrm>
+              <a:off x="5827552" y="3682408"/>
+              <a:ext cx="361507" cy="1359195"/>
+            </a:xfrm>
+            <a:prstGeom prst="upDownArrow">
+              <a:avLst/>
+            </a:prstGeom>
+          </p:spPr>
+          <p:style>
+            <a:lnRef idx="2">
+              <a:schemeClr val="accent1">
+                <a:shade val="50000"/>
+              </a:schemeClr>
+            </a:lnRef>
+            <a:fillRef idx="1">
+              <a:schemeClr val="accent1"/>
+            </a:fillRef>
+            <a:effectRef idx="0">
+              <a:schemeClr val="accent1"/>
+            </a:effectRef>
+            <a:fontRef idx="minor">
+              <a:schemeClr val="lt1"/>
+            </a:fontRef>
+          </p:style>
+          <p:txBody>
+            <a:bodyPr rtlCol="0" anchor="ctr"/>
+            <a:lstStyle/>
+            <a:p>
+              <a:pPr algn="ctr"/>
+              <a:endParaRPr lang="en-GB"/>
+            </a:p>
+          </p:txBody>
+        </p:sp>
+        <p:sp>
+          <p:nvSpPr>
+            <p:cNvPr id="12" name="Flèche : double flèche verticale 11">
+              <a:extLst>
+                <a:ext uri="{FF2B5EF4-FFF2-40B4-BE49-F238E27FC236}">
+                  <a16:creationId xmlns:a16="http://schemas.microsoft.com/office/drawing/2014/main" id="{B13D127F-276B-47A4-B963-CDED97E74E55}"/>
+                </a:ext>
+              </a:extLst>
+            </p:cNvPr>
+            <p:cNvSpPr/>
+            <p:nvPr/>
+          </p:nvSpPr>
+          <p:spPr>
+            <a:xfrm>
+              <a:off x="8261953" y="4628706"/>
+              <a:ext cx="155034" cy="412898"/>
+            </a:xfrm>
+            <a:prstGeom prst="upDownArrow">
+              <a:avLst/>
+            </a:prstGeom>
+          </p:spPr>
+          <p:style>
+            <a:lnRef idx="2">
+              <a:schemeClr val="accent1">
+                <a:shade val="50000"/>
+              </a:schemeClr>
+            </a:lnRef>
+            <a:fillRef idx="1">
+              <a:schemeClr val="accent1"/>
+            </a:fillRef>
+            <a:effectRef idx="0">
+              <a:schemeClr val="accent1"/>
+            </a:effectRef>
+            <a:fontRef idx="minor">
+              <a:schemeClr val="lt1"/>
+            </a:fontRef>
+          </p:style>
+          <p:txBody>
+            <a:bodyPr rtlCol="0" anchor="ctr"/>
+            <a:lstStyle/>
+            <a:p>
+              <a:pPr algn="ctr"/>
+              <a:endParaRPr lang="en-GB"/>
+            </a:p>
+          </p:txBody>
+        </p:sp>
+        <p:sp>
+          <p:nvSpPr>
+            <p:cNvPr id="13" name="Flèche : double flèche verticale 12">
+              <a:extLst>
+                <a:ext uri="{FF2B5EF4-FFF2-40B4-BE49-F238E27FC236}">
+                  <a16:creationId xmlns:a16="http://schemas.microsoft.com/office/drawing/2014/main" id="{764BFE8A-0A79-4732-960B-240AB99AD94A}"/>
+                </a:ext>
+              </a:extLst>
+            </p:cNvPr>
+            <p:cNvSpPr/>
+            <p:nvPr/>
+          </p:nvSpPr>
+          <p:spPr>
+            <a:xfrm>
+              <a:off x="8261953" y="3682409"/>
+              <a:ext cx="155034" cy="412898"/>
+            </a:xfrm>
+            <a:prstGeom prst="upDownArrow">
+              <a:avLst/>
+            </a:prstGeom>
+          </p:spPr>
+          <p:style>
+            <a:lnRef idx="2">
+              <a:schemeClr val="accent1">
+                <a:shade val="50000"/>
+              </a:schemeClr>
+            </a:lnRef>
+            <a:fillRef idx="1">
+              <a:schemeClr val="accent1"/>
+            </a:fillRef>
+            <a:effectRef idx="0">
+              <a:schemeClr val="accent1"/>
+            </a:effectRef>
+            <a:fontRef idx="minor">
+              <a:schemeClr val="lt1"/>
+            </a:fontRef>
+          </p:style>
+          <p:txBody>
+            <a:bodyPr rtlCol="0" anchor="ctr"/>
+            <a:lstStyle/>
+            <a:p>
+              <a:pPr algn="ctr"/>
+              <a:endParaRPr lang="en-GB"/>
+            </a:p>
+          </p:txBody>
+        </p:sp>
+        <p:pic>
+          <p:nvPicPr>
+            <p:cNvPr id="14" name="Picture 10" descr="Image result for nginx">
+              <a:extLst>
+                <a:ext uri="{FF2B5EF4-FFF2-40B4-BE49-F238E27FC236}">
+                  <a16:creationId xmlns:a16="http://schemas.microsoft.com/office/drawing/2014/main" id="{FFFB4FC5-59EE-423D-9E44-BC3F3E84CD84}"/>
+                </a:ext>
+              </a:extLst>
+            </p:cNvPr>
+            <p:cNvPicPr>
+              <a:picLocks noChangeAspect="1" noChangeArrowheads="1"/>
+            </p:cNvPicPr>
+            <p:nvPr/>
+          </p:nvPicPr>
+          <p:blipFill>
+            <a:blip r:embed="rId4">
+              <a:extLst>
+                <a:ext uri="{28A0092B-C50C-407E-A947-70E740481C1C}">
+                  <a14:useLocalDpi xmlns:a14="http://schemas.microsoft.com/office/drawing/2010/main" val="0"/>
+                </a:ext>
+              </a:extLst>
+            </a:blip>
+            <a:srcRect/>
+            <a:stretch>
+              <a:fillRect/>
+            </a:stretch>
+          </p:blipFill>
+          <p:spPr bwMode="auto">
+            <a:xfrm>
+              <a:off x="6391077" y="1508762"/>
+              <a:ext cx="1336158" cy="448692"/>
+            </a:xfrm>
+            <a:prstGeom prst="rect">
+              <a:avLst/>
+            </a:prstGeom>
+            <a:noFill/>
+            <a:extLst>
+              <a:ext uri="{909E8E84-426E-40DD-AFC4-6F175D3DCCD1}">
+                <a14:hiddenFill xmlns:a14="http://schemas.microsoft.com/office/drawing/2010/main">
+                  <a:solidFill>
+                    <a:srgbClr val="FFFFFF"/>
+                  </a:solidFill>
+                </a14:hiddenFill>
+              </a:ext>
+            </a:extLst>
+          </p:spPr>
+        </p:pic>
+      </p:grpSp>
+      <p:cxnSp>
+        <p:nvCxnSpPr>
+          <p:cNvPr id="17" name="Connecteur droit 16">
+            <a:extLst>
+              <a:ext uri="{FF2B5EF4-FFF2-40B4-BE49-F238E27FC236}">
+                <a16:creationId xmlns:a16="http://schemas.microsoft.com/office/drawing/2014/main" id="{6AE8CFC9-1C0B-42F9-9B66-D830AF235A99}"/>
+              </a:ext>
+            </a:extLst>
+          </p:cNvPr>
+          <p:cNvCxnSpPr>
+            <a:cxnSpLocks/>
+          </p:cNvCxnSpPr>
+          <p:nvPr/>
+        </p:nvCxnSpPr>
+        <p:spPr>
+          <a:xfrm>
+            <a:off x="9927771" y="794657"/>
+            <a:ext cx="0" cy="5669937"/>
+          </a:xfrm>
+          <a:prstGeom prst="line">
+            <a:avLst/>
+          </a:prstGeom>
+          <a:ln w="57150" cap="flat" cmpd="sng" algn="ctr">
+            <a:solidFill>
+              <a:schemeClr val="tx1"/>
+            </a:solidFill>
+            <a:prstDash val="dash"/>
+            <a:round/>
+            <a:headEnd type="none" w="med" len="med"/>
+            <a:tailEnd type="none" w="med" len="med"/>
+          </a:ln>
+        </p:spPr>
+        <p:style>
+          <a:lnRef idx="0">
+            <a:scrgbClr r="0" g="0" b="0"/>
+          </a:lnRef>
+          <a:fillRef idx="0">
+            <a:scrgbClr r="0" g="0" b="0"/>
+          </a:fillRef>
+          <a:effectRef idx="0">
+            <a:scrgbClr r="0" g="0" b="0"/>
+          </a:effectRef>
+          <a:fontRef idx="minor">
+            <a:schemeClr val="tx1"/>
+          </a:fontRef>
+        </p:style>
+      </p:cxnSp>
+      <p:pic>
+        <p:nvPicPr>
+          <p:cNvPr id="18" name="Picture 2" descr="Image result for ssh logo">
+            <a:extLst>
+              <a:ext uri="{FF2B5EF4-FFF2-40B4-BE49-F238E27FC236}">
+                <a16:creationId xmlns:a16="http://schemas.microsoft.com/office/drawing/2014/main" id="{DFDB1931-E387-4FD7-BC1F-850D3772BBE0}"/>
+              </a:ext>
+            </a:extLst>
+          </p:cNvPr>
+          <p:cNvPicPr>
+            <a:picLocks noChangeAspect="1" noChangeArrowheads="1"/>
+          </p:cNvPicPr>
+          <p:nvPr/>
+        </p:nvPicPr>
+        <p:blipFill>
+          <a:blip r:embed="rId5">
+            <a:extLst>
+              <a:ext uri="{28A0092B-C50C-407E-A947-70E740481C1C}">
+                <a14:useLocalDpi xmlns:a14="http://schemas.microsoft.com/office/drawing/2010/main" val="0"/>
+              </a:ext>
+            </a:extLst>
+          </a:blip>
+          <a:srcRect/>
+          <a:stretch>
+            <a:fillRect/>
+          </a:stretch>
+        </p:blipFill>
+        <p:spPr bwMode="auto">
+          <a:xfrm>
+            <a:off x="9393057" y="2367562"/>
+            <a:ext cx="976519" cy="976519"/>
+          </a:xfrm>
+          <a:prstGeom prst="rect">
+            <a:avLst/>
+          </a:prstGeom>
+          <a:noFill/>
+          <a:extLst>
+            <a:ext uri="{909E8E84-426E-40DD-AFC4-6F175D3DCCD1}">
+              <a14:hiddenFill xmlns:a14="http://schemas.microsoft.com/office/drawing/2010/main">
+                <a:solidFill>
+                  <a:srgbClr val="FFFFFF"/>
+                </a:solidFill>
+              </a14:hiddenFill>
+            </a:ext>
+          </a:extLst>
+        </p:spPr>
+      </p:pic>
+      <p:cxnSp>
+        <p:nvCxnSpPr>
+          <p:cNvPr id="20" name="Connecteur droit avec flèche 19">
+            <a:extLst>
+              <a:ext uri="{FF2B5EF4-FFF2-40B4-BE49-F238E27FC236}">
+                <a16:creationId xmlns:a16="http://schemas.microsoft.com/office/drawing/2014/main" id="{55CD4675-1085-4D6C-BEDB-C7E216E2EF32}"/>
+              </a:ext>
+            </a:extLst>
+          </p:cNvPr>
+          <p:cNvCxnSpPr>
+            <a:cxnSpLocks/>
+          </p:cNvCxnSpPr>
+          <p:nvPr/>
+        </p:nvCxnSpPr>
+        <p:spPr>
+          <a:xfrm flipH="1">
+            <a:off x="10086547" y="5743706"/>
+            <a:ext cx="1299910" cy="0"/>
+          </a:xfrm>
+          <a:prstGeom prst="straightConnector1">
+            <a:avLst/>
+          </a:prstGeom>
+          <a:ln w="76200">
+            <a:prstDash val="sysDash"/>
+            <a:tailEnd type="triangle"/>
+          </a:ln>
+        </p:spPr>
+        <p:style>
+          <a:lnRef idx="3">
+            <a:schemeClr val="accent2"/>
+          </a:lnRef>
+          <a:fillRef idx="0">
+            <a:schemeClr val="accent2"/>
+          </a:fillRef>
+          <a:effectRef idx="2">
+            <a:schemeClr val="accent2"/>
+          </a:effectRef>
+          <a:fontRef idx="minor">
+            <a:schemeClr val="tx1"/>
+          </a:fontRef>
+        </p:style>
+      </p:cxnSp>
+      <p:sp>
+        <p:nvSpPr>
+          <p:cNvPr id="21" name="Rectangle : coins arrondis 20">
+            <a:extLst>
+              <a:ext uri="{FF2B5EF4-FFF2-40B4-BE49-F238E27FC236}">
+                <a16:creationId xmlns:a16="http://schemas.microsoft.com/office/drawing/2014/main" id="{51BD7E8F-0D0E-4261-8BB7-DC9DF0828C39}"/>
+              </a:ext>
+            </a:extLst>
+          </p:cNvPr>
+          <p:cNvSpPr/>
+          <p:nvPr/>
+        </p:nvSpPr>
+        <p:spPr>
+          <a:xfrm>
+            <a:off x="4754544" y="2675880"/>
+            <a:ext cx="1173998" cy="1002790"/>
+          </a:xfrm>
+          <a:prstGeom prst="roundRect">
+            <a:avLst/>
+          </a:prstGeom>
+        </p:spPr>
+        <p:style>
+          <a:lnRef idx="1">
+            <a:schemeClr val="accent1"/>
+          </a:lnRef>
+          <a:fillRef idx="2">
+            <a:schemeClr val="accent1"/>
+          </a:fillRef>
+          <a:effectRef idx="1">
+            <a:schemeClr val="accent1"/>
+          </a:effectRef>
+          <a:fontRef idx="minor">
+            <a:schemeClr val="dk1"/>
+          </a:fontRef>
+        </p:style>
+        <p:txBody>
+          <a:bodyPr rtlCol="0" anchor="ctr"/>
+          <a:lstStyle/>
+          <a:p>
+            <a:pPr algn="ctr"/>
+            <a:r>
+              <a:rPr lang="fr-FR" dirty="0" err="1"/>
+              <a:t>Auditd</a:t>
+            </a:r>
+            <a:endParaRPr lang="en-GB" dirty="0"/>
+          </a:p>
+        </p:txBody>
+      </p:sp>
+      <p:sp>
+        <p:nvSpPr>
+          <p:cNvPr id="22" name="Ellipse 21">
+            <a:extLst>
+              <a:ext uri="{FF2B5EF4-FFF2-40B4-BE49-F238E27FC236}">
+                <a16:creationId xmlns:a16="http://schemas.microsoft.com/office/drawing/2014/main" id="{5296A93B-F533-454D-9D6A-8486289749EE}"/>
+              </a:ext>
+            </a:extLst>
+          </p:cNvPr>
+          <p:cNvSpPr/>
+          <p:nvPr/>
+        </p:nvSpPr>
+        <p:spPr>
+          <a:xfrm>
+            <a:off x="6236280" y="1981699"/>
+            <a:ext cx="1606283" cy="1332626"/>
+          </a:xfrm>
+          <a:prstGeom prst="ellipse">
+            <a:avLst/>
+          </a:prstGeom>
+          <a:noFill/>
+          <a:ln w="57150">
+            <a:solidFill>
+              <a:srgbClr val="FF0000"/>
+            </a:solidFill>
+            <a:prstDash val="lgDash"/>
+          </a:ln>
+        </p:spPr>
+        <p:style>
+          <a:lnRef idx="2">
+            <a:schemeClr val="dk1"/>
+          </a:lnRef>
+          <a:fillRef idx="1">
+            <a:schemeClr val="lt1"/>
+          </a:fillRef>
+          <a:effectRef idx="0">
+            <a:schemeClr val="dk1"/>
+          </a:effectRef>
+          <a:fontRef idx="minor">
+            <a:schemeClr val="dk1"/>
+          </a:fontRef>
+        </p:style>
+        <p:txBody>
+          <a:bodyPr rtlCol="0" anchor="ctr"/>
+          <a:lstStyle/>
+          <a:p>
+            <a:pPr algn="ctr"/>
+            <a:endParaRPr lang="en-GB" dirty="0"/>
+          </a:p>
+        </p:txBody>
+      </p:sp>
+    </p:spTree>
+    <p:extLst>
+      <p:ext uri="{BB962C8B-B14F-4D97-AF65-F5344CB8AC3E}">
+        <p14:creationId xmlns:p14="http://schemas.microsoft.com/office/powerpoint/2010/main" val="3281600400"/>
+      </p:ext>
+    </p:extLst>
+  </p:cSld>
+  <p:clrMapOvr>
+    <a:masterClrMapping/>
+  </p:clrMapOvr>
+</p:sld>
+</file>
+
+<file path=ppt/slides/slide32.xml><?xml version="1.0" encoding="utf-8"?>
+<p:sld xmlns:a="http://schemas.openxmlformats.org/drawingml/2006/main" xmlns:r="http://schemas.openxmlformats.org/officeDocument/2006/relationships" xmlns:p="http://schemas.openxmlformats.org/presentationml/2006/main">
+  <p:cSld>
+    <p:spTree>
+      <p:nvGrpSpPr>
+        <p:cNvPr id="1" name=""/>
+        <p:cNvGrpSpPr/>
+        <p:nvPr/>
+      </p:nvGrpSpPr>
+      <p:grpSpPr>
+        <a:xfrm>
+          <a:off x="0" y="0"/>
+          <a:ext cx="0" cy="0"/>
+          <a:chOff x="0" y="0"/>
+          <a:chExt cx="0" cy="0"/>
+        </a:xfrm>
+      </p:grpSpPr>
+      <p:pic>
+        <p:nvPicPr>
+          <p:cNvPr id="6" name="Picture 10" descr="Related image">
+            <a:extLst>
+              <a:ext uri="{FF2B5EF4-FFF2-40B4-BE49-F238E27FC236}">
+                <a16:creationId xmlns:a16="http://schemas.microsoft.com/office/drawing/2014/main" id="{62518C4F-E08C-4C5B-8936-8BCB165CB48D}"/>
+              </a:ext>
+            </a:extLst>
+          </p:cNvPr>
+          <p:cNvPicPr>
+            <a:picLocks noChangeAspect="1" noChangeArrowheads="1"/>
+          </p:cNvPicPr>
+          <p:nvPr/>
+        </p:nvPicPr>
+        <p:blipFill>
+          <a:blip r:embed="rId2">
+            <a:extLst>
+              <a:ext uri="{28A0092B-C50C-407E-A947-70E740481C1C}">
+                <a14:useLocalDpi xmlns:a14="http://schemas.microsoft.com/office/drawing/2010/main" val="0"/>
+              </a:ext>
+            </a:extLst>
+          </a:blip>
+          <a:srcRect/>
+          <a:stretch>
+            <a:fillRect/>
+          </a:stretch>
+        </p:blipFill>
+        <p:spPr bwMode="auto">
+          <a:xfrm>
+            <a:off x="2415862" y="1290185"/>
+            <a:ext cx="727392" cy="727392"/>
+          </a:xfrm>
+          <a:prstGeom prst="rect">
+            <a:avLst/>
+          </a:prstGeom>
+          <a:noFill/>
+          <a:extLst>
+            <a:ext uri="{909E8E84-426E-40DD-AFC4-6F175D3DCCD1}">
+              <a14:hiddenFill xmlns:a14="http://schemas.microsoft.com/office/drawing/2010/main">
+                <a:solidFill>
+                  <a:srgbClr val="FFFFFF"/>
+                </a:solidFill>
+              </a14:hiddenFill>
+            </a:ext>
+          </a:extLst>
+        </p:spPr>
+      </p:pic>
+      <p:sp>
+        <p:nvSpPr>
+          <p:cNvPr id="7" name="ZoneTexte 6">
+            <a:extLst>
+              <a:ext uri="{FF2B5EF4-FFF2-40B4-BE49-F238E27FC236}">
+                <a16:creationId xmlns:a16="http://schemas.microsoft.com/office/drawing/2014/main" id="{CB51BFCB-21D6-435B-B553-9A4A29EDCB3C}"/>
+              </a:ext>
+            </a:extLst>
+          </p:cNvPr>
+          <p:cNvSpPr txBox="1"/>
+          <p:nvPr/>
+        </p:nvSpPr>
+        <p:spPr>
+          <a:xfrm>
+            <a:off x="3275242" y="1453826"/>
+            <a:ext cx="6413043" cy="400110"/>
+          </a:xfrm>
+          <a:prstGeom prst="rect">
+            <a:avLst/>
+          </a:prstGeom>
+          <a:noFill/>
+        </p:spPr>
+        <p:txBody>
+          <a:bodyPr wrap="square" rtlCol="0">
+            <a:spAutoFit/>
+          </a:bodyPr>
+          <a:lstStyle/>
+          <a:p>
+            <a:pPr marL="342900" indent="-342900">
+              <a:buFont typeface="Wingdings" panose="05000000000000000000" pitchFamily="2" charset="2"/>
+              <a:buChar char="Ø"/>
+            </a:pPr>
+            <a:r>
+              <a:rPr lang="fr-FR" sz="2000" dirty="0">
+                <a:solidFill>
+                  <a:schemeClr val="accent2">
+                    <a:lumMod val="75000"/>
+                  </a:schemeClr>
+                </a:solidFill>
+              </a:rPr>
+              <a:t>Fichier permettant de passer en root à l’exécution </a:t>
+            </a:r>
+          </a:p>
+        </p:txBody>
+      </p:sp>
+      <p:pic>
+        <p:nvPicPr>
+          <p:cNvPr id="2" name="Image 1">
+            <a:extLst>
+              <a:ext uri="{FF2B5EF4-FFF2-40B4-BE49-F238E27FC236}">
+                <a16:creationId xmlns:a16="http://schemas.microsoft.com/office/drawing/2014/main" id="{CF25AC02-9CB1-4B49-BAC2-53247CA7C1D2}"/>
+              </a:ext>
+            </a:extLst>
+          </p:cNvPr>
+          <p:cNvPicPr>
+            <a:picLocks noChangeAspect="1"/>
+          </p:cNvPicPr>
+          <p:nvPr/>
+        </p:nvPicPr>
+        <p:blipFill>
+          <a:blip r:embed="rId3"/>
+          <a:stretch>
+            <a:fillRect/>
+          </a:stretch>
+        </p:blipFill>
+        <p:spPr>
+          <a:xfrm>
+            <a:off x="2340624" y="2819400"/>
+            <a:ext cx="8282277" cy="400110"/>
+          </a:xfrm>
+          <a:prstGeom prst="rect">
+            <a:avLst/>
+          </a:prstGeom>
+        </p:spPr>
+      </p:pic>
+      <p:sp>
+        <p:nvSpPr>
+          <p:cNvPr id="3" name="ZoneTexte 2">
+            <a:extLst>
+              <a:ext uri="{FF2B5EF4-FFF2-40B4-BE49-F238E27FC236}">
+                <a16:creationId xmlns:a16="http://schemas.microsoft.com/office/drawing/2014/main" id="{C3501F2E-C2F4-4BA0-BEBD-ADD1D5146991}"/>
+              </a:ext>
+            </a:extLst>
+          </p:cNvPr>
+          <p:cNvSpPr txBox="1"/>
+          <p:nvPr/>
+        </p:nvSpPr>
+        <p:spPr>
+          <a:xfrm>
+            <a:off x="2415862" y="2211996"/>
+            <a:ext cx="6922448" cy="369332"/>
+          </a:xfrm>
+          <a:prstGeom prst="rect">
+            <a:avLst/>
+          </a:prstGeom>
+          <a:noFill/>
+        </p:spPr>
+        <p:txBody>
+          <a:bodyPr wrap="square" rtlCol="0">
+            <a:spAutoFit/>
+          </a:bodyPr>
+          <a:lstStyle/>
+          <a:p>
+            <a:r>
+              <a:rPr lang="fr-FR" dirty="0"/>
+              <a:t>/home/</a:t>
+            </a:r>
+            <a:r>
+              <a:rPr lang="fr-FR" dirty="0" err="1"/>
+              <a:t>lab</a:t>
+            </a:r>
+            <a:r>
+              <a:rPr lang="fr-FR" dirty="0"/>
+              <a:t>-user</a:t>
+            </a:r>
+          </a:p>
+        </p:txBody>
+      </p:sp>
+      <p:pic>
+        <p:nvPicPr>
+          <p:cNvPr id="4" name="Image 3">
+            <a:extLst>
+              <a:ext uri="{FF2B5EF4-FFF2-40B4-BE49-F238E27FC236}">
+                <a16:creationId xmlns:a16="http://schemas.microsoft.com/office/drawing/2014/main" id="{D5255402-3211-4D85-BC57-74F882C645EC}"/>
+              </a:ext>
+            </a:extLst>
+          </p:cNvPr>
+          <p:cNvPicPr>
+            <a:picLocks noChangeAspect="1"/>
+          </p:cNvPicPr>
+          <p:nvPr/>
+        </p:nvPicPr>
+        <p:blipFill>
+          <a:blip r:embed="rId4">
+            <a:extLst>
+              <a:ext uri="{BEBA8EAE-BF5A-486C-A8C5-ECC9F3942E4B}">
+                <a14:imgProps xmlns:a14="http://schemas.microsoft.com/office/drawing/2010/main">
+                  <a14:imgLayer r:embed="rId5">
+                    <a14:imgEffect>
+                      <a14:brightnessContrast contrast="100000"/>
+                    </a14:imgEffect>
+                  </a14:imgLayer>
+                </a14:imgProps>
+              </a:ext>
+            </a:extLst>
+          </a:blip>
+          <a:stretch>
+            <a:fillRect/>
+          </a:stretch>
+        </p:blipFill>
+        <p:spPr>
+          <a:xfrm>
+            <a:off x="3423446" y="3419035"/>
+            <a:ext cx="5345108" cy="1576507"/>
+          </a:xfrm>
+          <a:prstGeom prst="rect">
+            <a:avLst/>
+          </a:prstGeom>
+        </p:spPr>
+      </p:pic>
+    </p:spTree>
+    <p:extLst>
+      <p:ext uri="{BB962C8B-B14F-4D97-AF65-F5344CB8AC3E}">
+        <p14:creationId xmlns:p14="http://schemas.microsoft.com/office/powerpoint/2010/main" val="2920143432"/>
+      </p:ext>
+    </p:extLst>
+  </p:cSld>
+  <p:clrMapOvr>
+    <a:masterClrMapping/>
+  </p:clrMapOvr>
+</p:sld>
+</file>
+
+<file path=ppt/slides/slide33.xml><?xml version="1.0" encoding="utf-8"?>
+<p:sld xmlns:a="http://schemas.openxmlformats.org/drawingml/2006/main" xmlns:r="http://schemas.openxmlformats.org/officeDocument/2006/relationships" xmlns:p="http://schemas.openxmlformats.org/presentationml/2006/main">
+  <p:cSld>
+    <p:spTree>
+      <p:nvGrpSpPr>
+        <p:cNvPr id="1" name=""/>
+        <p:cNvGrpSpPr/>
+        <p:nvPr/>
+      </p:nvGrpSpPr>
+      <p:grpSpPr>
+        <a:xfrm>
+          <a:off x="0" y="0"/>
+          <a:ext cx="0" cy="0"/>
+          <a:chOff x="0" y="0"/>
+          <a:chExt cx="0" cy="0"/>
+        </a:xfrm>
+      </p:grpSpPr>
+      <p:pic>
+        <p:nvPicPr>
+          <p:cNvPr id="4" name="Picture 2" descr="Image result for cybersecurity shield icon">
+            <a:extLst>
+              <a:ext uri="{FF2B5EF4-FFF2-40B4-BE49-F238E27FC236}">
+                <a16:creationId xmlns:a16="http://schemas.microsoft.com/office/drawing/2014/main" id="{8CA6692A-A578-4231-9948-7075944AA382}"/>
+              </a:ext>
+            </a:extLst>
+          </p:cNvPr>
+          <p:cNvPicPr>
+            <a:picLocks noChangeAspect="1" noChangeArrowheads="1"/>
+          </p:cNvPicPr>
+          <p:nvPr/>
+        </p:nvPicPr>
+        <p:blipFill>
+          <a:blip r:embed="rId3">
+            <a:extLst>
+              <a:ext uri="{28A0092B-C50C-407E-A947-70E740481C1C}">
+                <a14:useLocalDpi xmlns:a14="http://schemas.microsoft.com/office/drawing/2010/main" val="0"/>
+              </a:ext>
+            </a:extLst>
+          </a:blip>
+          <a:srcRect/>
+          <a:stretch>
+            <a:fillRect/>
+          </a:stretch>
+        </p:blipFill>
+        <p:spPr bwMode="auto">
+          <a:xfrm>
+            <a:off x="2594805" y="1549718"/>
+            <a:ext cx="434819" cy="572130"/>
+          </a:xfrm>
+          <a:prstGeom prst="rect">
+            <a:avLst/>
+          </a:prstGeom>
+          <a:noFill/>
+          <a:extLst>
+            <a:ext uri="{909E8E84-426E-40DD-AFC4-6F175D3DCCD1}">
+              <a14:hiddenFill xmlns:a14="http://schemas.microsoft.com/office/drawing/2010/main">
+                <a:solidFill>
+                  <a:srgbClr val="FFFFFF"/>
+                </a:solidFill>
+              </a14:hiddenFill>
+            </a:ext>
+          </a:extLst>
+        </p:spPr>
+      </p:pic>
+      <p:sp>
+        <p:nvSpPr>
+          <p:cNvPr id="5" name="ZoneTexte 4">
+            <a:extLst>
+              <a:ext uri="{FF2B5EF4-FFF2-40B4-BE49-F238E27FC236}">
+                <a16:creationId xmlns:a16="http://schemas.microsoft.com/office/drawing/2014/main" id="{32573924-0937-4272-A2DE-128517F50CF0}"/>
+              </a:ext>
+            </a:extLst>
+          </p:cNvPr>
+          <p:cNvSpPr txBox="1"/>
+          <p:nvPr/>
+        </p:nvSpPr>
+        <p:spPr>
+          <a:xfrm>
+            <a:off x="3175910" y="1575436"/>
+            <a:ext cx="5819499" cy="400110"/>
+          </a:xfrm>
+          <a:prstGeom prst="rect">
+            <a:avLst/>
+          </a:prstGeom>
+          <a:noFill/>
+        </p:spPr>
+        <p:txBody>
+          <a:bodyPr wrap="square" rtlCol="0">
+            <a:spAutoFit/>
+          </a:bodyPr>
+          <a:lstStyle/>
+          <a:p>
+            <a:pPr marL="342900" indent="-342900">
+              <a:buFont typeface="Wingdings" panose="05000000000000000000" pitchFamily="2" charset="2"/>
+              <a:buChar char="Ø"/>
+            </a:pPr>
+            <a:r>
+              <a:rPr lang="fr-FR" sz="2000" dirty="0">
+                <a:solidFill>
+                  <a:schemeClr val="accent2">
+                    <a:lumMod val="75000"/>
+                  </a:schemeClr>
+                </a:solidFill>
+              </a:rPr>
+              <a:t>Changer les </a:t>
+            </a:r>
+            <a:r>
+              <a:rPr lang="fr-FR" sz="2000" dirty="0" err="1">
+                <a:solidFill>
+                  <a:schemeClr val="accent2">
+                    <a:lumMod val="75000"/>
+                  </a:schemeClr>
+                </a:solidFill>
+              </a:rPr>
+              <a:t>setuid</a:t>
+            </a:r>
+            <a:r>
+              <a:rPr lang="fr-FR" sz="2000" dirty="0">
+                <a:solidFill>
+                  <a:schemeClr val="accent2">
+                    <a:lumMod val="75000"/>
+                  </a:schemeClr>
+                </a:solidFill>
+              </a:rPr>
+              <a:t> et </a:t>
+            </a:r>
+            <a:r>
+              <a:rPr lang="fr-FR" sz="2000" dirty="0" err="1">
+                <a:solidFill>
+                  <a:schemeClr val="accent2">
+                    <a:lumMod val="75000"/>
+                  </a:schemeClr>
+                </a:solidFill>
+              </a:rPr>
+              <a:t>groupuid</a:t>
+            </a:r>
+            <a:r>
+              <a:rPr lang="fr-FR" sz="2000" dirty="0">
+                <a:solidFill>
+                  <a:schemeClr val="accent2">
+                    <a:lumMod val="75000"/>
+                  </a:schemeClr>
+                </a:solidFill>
+              </a:rPr>
+              <a:t> </a:t>
+            </a:r>
+          </a:p>
+        </p:txBody>
+      </p:sp>
+      <p:pic>
+        <p:nvPicPr>
+          <p:cNvPr id="6" name="Image 5">
+            <a:extLst>
+              <a:ext uri="{FF2B5EF4-FFF2-40B4-BE49-F238E27FC236}">
+                <a16:creationId xmlns:a16="http://schemas.microsoft.com/office/drawing/2014/main" id="{C4BD81A1-2C08-4F0F-89F4-20CB4B170819}"/>
+              </a:ext>
+            </a:extLst>
+          </p:cNvPr>
+          <p:cNvPicPr>
+            <a:picLocks noChangeAspect="1"/>
+          </p:cNvPicPr>
+          <p:nvPr/>
+        </p:nvPicPr>
+        <p:blipFill>
+          <a:blip r:embed="rId4">
+            <a:extLst>
+              <a:ext uri="{BEBA8EAE-BF5A-486C-A8C5-ECC9F3942E4B}">
+                <a14:imgProps xmlns:a14="http://schemas.microsoft.com/office/drawing/2010/main">
+                  <a14:imgLayer r:embed="rId5">
+                    <a14:imgEffect>
+                      <a14:brightnessContrast contrast="100000"/>
+                    </a14:imgEffect>
+                  </a14:imgLayer>
+                </a14:imgProps>
+              </a:ext>
+            </a:extLst>
+          </a:blip>
+          <a:stretch>
+            <a:fillRect/>
+          </a:stretch>
+        </p:blipFill>
+        <p:spPr>
+          <a:xfrm>
+            <a:off x="3562350" y="2366962"/>
+            <a:ext cx="5067300" cy="2124075"/>
+          </a:xfrm>
+          <a:prstGeom prst="rect">
+            <a:avLst/>
+          </a:prstGeom>
+        </p:spPr>
+      </p:pic>
+      <p:pic>
+        <p:nvPicPr>
+          <p:cNvPr id="8" name="Image 7">
+            <a:extLst>
+              <a:ext uri="{FF2B5EF4-FFF2-40B4-BE49-F238E27FC236}">
+                <a16:creationId xmlns:a16="http://schemas.microsoft.com/office/drawing/2014/main" id="{E031672E-FC13-472E-8011-D167235FFC7C}"/>
+              </a:ext>
+            </a:extLst>
+          </p:cNvPr>
+          <p:cNvPicPr>
+            <a:picLocks noChangeAspect="1"/>
+          </p:cNvPicPr>
+          <p:nvPr/>
+        </p:nvPicPr>
+        <p:blipFill>
+          <a:blip r:embed="rId6">
+            <a:extLst>
+              <a:ext uri="{BEBA8EAE-BF5A-486C-A8C5-ECC9F3942E4B}">
+                <a14:imgProps xmlns:a14="http://schemas.microsoft.com/office/drawing/2010/main">
+                  <a14:imgLayer r:embed="rId7">
+                    <a14:imgEffect>
+                      <a14:brightnessContrast contrast="100000"/>
+                    </a14:imgEffect>
+                  </a14:imgLayer>
+                </a14:imgProps>
+              </a:ext>
+            </a:extLst>
+          </a:blip>
+          <a:stretch>
+            <a:fillRect/>
+          </a:stretch>
+        </p:blipFill>
+        <p:spPr>
+          <a:xfrm>
+            <a:off x="4264262" y="4724338"/>
+            <a:ext cx="3663475" cy="638236"/>
+          </a:xfrm>
+          <a:prstGeom prst="rect">
+            <a:avLst/>
+          </a:prstGeom>
+        </p:spPr>
+      </p:pic>
+    </p:spTree>
+    <p:extLst>
+      <p:ext uri="{BB962C8B-B14F-4D97-AF65-F5344CB8AC3E}">
+        <p14:creationId xmlns:p14="http://schemas.microsoft.com/office/powerpoint/2010/main" val="1848963070"/>
+      </p:ext>
+    </p:extLst>
+  </p:cSld>
+  <p:clrMapOvr>
+    <a:masterClrMapping/>
+  </p:clrMapOvr>
+</p:sld>
+</file>
+
 <file path=ppt/slides/slide4.xml><?xml version="1.0" encoding="utf-8"?>
 <p:sld xmlns:a="http://schemas.openxmlformats.org/drawingml/2006/main" xmlns:r="http://schemas.openxmlformats.org/officeDocument/2006/relationships" xmlns:p="http://schemas.openxmlformats.org/presentationml/2006/main">
   <p:cSld>

--- a/Projet-Linux.pptx
+++ b/Projet-Linux.pptx
@@ -7111,6 +7111,644 @@
           <a:lstStyle/>
           <a:p>
             <a:r>
+              <a:rPr lang="fr-FR" b="1" u="sng" dirty="0">
+                <a:effectLst/>
+              </a:rPr>
+              <a:t>Telnet :</a:t>
+            </a:r>
+            <a:r>
+              <a:rPr lang="fr-FR" dirty="0"/>
+              <a:t> </a:t>
+            </a:r>
+            <a:r>
+              <a:rPr lang="fr-FR" sz="1200" b="0" i="0" kern="1200" dirty="0">
+                <a:solidFill>
+                  <a:schemeClr val="tx1"/>
+                </a:solidFill>
+                <a:effectLst/>
+                <a:latin typeface="+mn-lt"/>
+                <a:ea typeface="+mn-ea"/>
+                <a:cs typeface="+mn-cs"/>
+              </a:rPr>
+              <a:t>La commande </a:t>
+            </a:r>
+            <a:r>
+              <a:rPr lang="fr-FR" sz="1200" b="1" i="0" kern="1200" dirty="0">
+                <a:solidFill>
+                  <a:schemeClr val="tx1"/>
+                </a:solidFill>
+                <a:effectLst/>
+                <a:latin typeface="+mn-lt"/>
+                <a:ea typeface="+mn-ea"/>
+                <a:cs typeface="+mn-cs"/>
+              </a:rPr>
+              <a:t>telnet</a:t>
+            </a:r>
+            <a:r>
+              <a:rPr lang="fr-FR" sz="1200" b="0" i="0" kern="1200" dirty="0">
+                <a:solidFill>
+                  <a:schemeClr val="tx1"/>
+                </a:solidFill>
+                <a:effectLst/>
+                <a:latin typeface="+mn-lt"/>
+                <a:ea typeface="+mn-ea"/>
+                <a:cs typeface="+mn-cs"/>
+              </a:rPr>
+              <a:t> est utilisée pour communiquer avec un autre hôte en utilisant le protocole TELNET (pas chiffré déprécié)</a:t>
+            </a:r>
+          </a:p>
+          <a:p>
+            <a:r>
+              <a:rPr lang="fr-FR" sz="1200" b="1" i="0" u="sng" kern="1200" dirty="0" err="1">
+                <a:solidFill>
+                  <a:schemeClr val="tx1"/>
+                </a:solidFill>
+                <a:effectLst/>
+                <a:latin typeface="+mn-lt"/>
+                <a:ea typeface="+mn-ea"/>
+                <a:cs typeface="+mn-cs"/>
+              </a:rPr>
+              <a:t>Netcat</a:t>
+            </a:r>
+            <a:r>
+              <a:rPr lang="fr-FR" sz="1200" b="1" i="0" u="sng" kern="1200" dirty="0">
+                <a:solidFill>
+                  <a:schemeClr val="tx1"/>
+                </a:solidFill>
+                <a:effectLst/>
+                <a:latin typeface="+mn-lt"/>
+                <a:ea typeface="+mn-ea"/>
+                <a:cs typeface="+mn-cs"/>
+              </a:rPr>
+              <a:t> :</a:t>
+            </a:r>
+            <a:r>
+              <a:rPr lang="fr-FR" sz="1200" b="0" i="0" u="none" kern="1200" dirty="0">
+                <a:solidFill>
+                  <a:schemeClr val="tx1"/>
+                </a:solidFill>
+                <a:effectLst/>
+                <a:latin typeface="+mn-lt"/>
+                <a:ea typeface="+mn-ea"/>
+                <a:cs typeface="+mn-cs"/>
+              </a:rPr>
+              <a:t> </a:t>
+            </a:r>
+            <a:r>
+              <a:rPr lang="fr-FR" sz="1200" b="0" i="0" kern="1200" dirty="0">
+                <a:solidFill>
+                  <a:schemeClr val="tx1"/>
+                </a:solidFill>
+                <a:effectLst/>
+                <a:latin typeface="+mn-lt"/>
+                <a:ea typeface="+mn-ea"/>
+                <a:cs typeface="+mn-cs"/>
+              </a:rPr>
+              <a:t>est un utilitaire permettant d'ouvrir des connexions </a:t>
+            </a:r>
+            <a:r>
+              <a:rPr lang="fr-FR" sz="1200" b="0" i="0" u="none" strike="noStrike" kern="1200" dirty="0">
+                <a:solidFill>
+                  <a:schemeClr val="tx1"/>
+                </a:solidFill>
+                <a:effectLst/>
+                <a:latin typeface="+mn-lt"/>
+                <a:ea typeface="+mn-ea"/>
+                <a:cs typeface="+mn-cs"/>
+                <a:hlinkClick r:id="rId3" tooltip="Réseau informatique"/>
+              </a:rPr>
+              <a:t>réseau</a:t>
+            </a:r>
+            <a:r>
+              <a:rPr lang="fr-FR" sz="1200" b="0" i="0" kern="1200" dirty="0">
+                <a:solidFill>
+                  <a:schemeClr val="tx1"/>
+                </a:solidFill>
+                <a:effectLst/>
+                <a:latin typeface="+mn-lt"/>
+                <a:ea typeface="+mn-ea"/>
+                <a:cs typeface="+mn-cs"/>
+              </a:rPr>
+              <a:t>, que ce soit </a:t>
+            </a:r>
+            <a:r>
+              <a:rPr lang="fr-FR" sz="1200" b="0" i="0" u="none" strike="noStrike" kern="1200" dirty="0">
+                <a:solidFill>
+                  <a:schemeClr val="tx1"/>
+                </a:solidFill>
+                <a:effectLst/>
+                <a:latin typeface="+mn-lt"/>
+                <a:ea typeface="+mn-ea"/>
+                <a:cs typeface="+mn-cs"/>
+                <a:hlinkClick r:id="rId4" tooltip="User Datagram Protocol"/>
+              </a:rPr>
+              <a:t>UDP</a:t>
+            </a:r>
+            <a:r>
+              <a:rPr lang="fr-FR" sz="1200" b="0" i="0" kern="1200" dirty="0">
+                <a:solidFill>
+                  <a:schemeClr val="tx1"/>
+                </a:solidFill>
+                <a:effectLst/>
+                <a:latin typeface="+mn-lt"/>
+                <a:ea typeface="+mn-ea"/>
+                <a:cs typeface="+mn-cs"/>
+              </a:rPr>
+              <a:t> ou </a:t>
+            </a:r>
+            <a:r>
+              <a:rPr lang="fr-FR" sz="1200" b="0" i="0" u="none" strike="noStrike" kern="1200" dirty="0">
+                <a:solidFill>
+                  <a:schemeClr val="tx1"/>
+                </a:solidFill>
+                <a:effectLst/>
+                <a:latin typeface="+mn-lt"/>
+                <a:ea typeface="+mn-ea"/>
+                <a:cs typeface="+mn-cs"/>
+                <a:hlinkClick r:id="rId5" tooltip="Transmission Control Protocol"/>
+              </a:rPr>
+              <a:t>TCP</a:t>
+            </a:r>
+            <a:endParaRPr lang="fr-FR" sz="1200" b="0" i="0" u="none" strike="noStrike" kern="1200" dirty="0">
+              <a:solidFill>
+                <a:schemeClr val="tx1"/>
+              </a:solidFill>
+              <a:effectLst/>
+              <a:latin typeface="+mn-lt"/>
+              <a:ea typeface="+mn-ea"/>
+              <a:cs typeface="+mn-cs"/>
+            </a:endParaRPr>
+          </a:p>
+          <a:p>
+            <a:r>
+              <a:rPr lang="fr-FR" sz="1200" b="1" i="0" u="sng" kern="1200" dirty="0" err="1">
+                <a:solidFill>
+                  <a:schemeClr val="tx1"/>
+                </a:solidFill>
+                <a:effectLst/>
+                <a:latin typeface="+mn-lt"/>
+                <a:ea typeface="+mn-ea"/>
+                <a:cs typeface="+mn-cs"/>
+              </a:rPr>
+              <a:t>Avahi</a:t>
+            </a:r>
+            <a:r>
+              <a:rPr lang="fr-FR" sz="1200" b="1" i="0" u="sng" kern="1200" dirty="0">
+                <a:solidFill>
+                  <a:schemeClr val="tx1"/>
+                </a:solidFill>
+                <a:effectLst/>
+                <a:latin typeface="+mn-lt"/>
+                <a:ea typeface="+mn-ea"/>
+                <a:cs typeface="+mn-cs"/>
+              </a:rPr>
+              <a:t> : </a:t>
+            </a:r>
+            <a:r>
+              <a:rPr lang="fr-FR" sz="1200" b="0" i="0" u="none" kern="1200" dirty="0">
+                <a:solidFill>
+                  <a:schemeClr val="tx1"/>
+                </a:solidFill>
+                <a:effectLst/>
+                <a:latin typeface="+mn-lt"/>
+                <a:ea typeface="+mn-ea"/>
+                <a:cs typeface="+mn-cs"/>
+              </a:rPr>
+              <a:t> </a:t>
+            </a:r>
+            <a:r>
+              <a:rPr lang="fr-FR" sz="1200" b="0" i="0" kern="1200" dirty="0" err="1">
+                <a:solidFill>
+                  <a:schemeClr val="tx1"/>
+                </a:solidFill>
+                <a:effectLst/>
+                <a:latin typeface="+mn-lt"/>
+                <a:ea typeface="+mn-ea"/>
+                <a:cs typeface="+mn-cs"/>
+              </a:rPr>
+              <a:t>Avahi</a:t>
+            </a:r>
+            <a:r>
+              <a:rPr lang="fr-FR" sz="1200" b="0" i="0" kern="1200" dirty="0">
+                <a:solidFill>
+                  <a:schemeClr val="tx1"/>
+                </a:solidFill>
+                <a:effectLst/>
+                <a:latin typeface="+mn-lt"/>
+                <a:ea typeface="+mn-ea"/>
+                <a:cs typeface="+mn-cs"/>
+              </a:rPr>
+              <a:t> s'occupe d'attribuer automatiquement une adresse </a:t>
+            </a:r>
+            <a:r>
+              <a:rPr lang="fr-FR" sz="1200" b="0" i="0" u="none" strike="noStrike" kern="1200" dirty="0">
+                <a:solidFill>
+                  <a:schemeClr val="tx1"/>
+                </a:solidFill>
+                <a:effectLst/>
+                <a:latin typeface="+mn-lt"/>
+                <a:ea typeface="+mn-ea"/>
+                <a:cs typeface="+mn-cs"/>
+                <a:hlinkClick r:id="rId6" tooltip="Internet Protocol"/>
+              </a:rPr>
+              <a:t>IP</a:t>
+            </a:r>
+            <a:r>
+              <a:rPr lang="fr-FR" sz="1200" b="0" i="0" kern="1200" dirty="0">
+                <a:solidFill>
+                  <a:schemeClr val="tx1"/>
+                </a:solidFill>
+                <a:effectLst/>
+                <a:latin typeface="+mn-lt"/>
+                <a:ea typeface="+mn-ea"/>
+                <a:cs typeface="+mn-cs"/>
+              </a:rPr>
+              <a:t> même sans présence d'un serveur </a:t>
+            </a:r>
+            <a:r>
+              <a:rPr lang="fr-FR" sz="1200" b="0" i="0" u="none" strike="noStrike" kern="1200" dirty="0">
+                <a:solidFill>
+                  <a:schemeClr val="tx1"/>
+                </a:solidFill>
+                <a:effectLst/>
+                <a:latin typeface="+mn-lt"/>
+                <a:ea typeface="+mn-ea"/>
+                <a:cs typeface="+mn-cs"/>
+                <a:hlinkClick r:id="rId7" tooltip="DHCP"/>
+              </a:rPr>
+              <a:t>DHCP</a:t>
+            </a:r>
+            <a:r>
+              <a:rPr lang="fr-FR" sz="1200" b="0" i="0" kern="1200" dirty="0">
+                <a:solidFill>
+                  <a:schemeClr val="tx1"/>
+                </a:solidFill>
+                <a:effectLst/>
+                <a:latin typeface="+mn-lt"/>
+                <a:ea typeface="+mn-ea"/>
+                <a:cs typeface="+mn-cs"/>
+              </a:rPr>
+              <a:t>, de faire office de </a:t>
+            </a:r>
+            <a:r>
+              <a:rPr lang="fr-FR" sz="1200" b="0" i="0" u="none" strike="noStrike" kern="1200" dirty="0">
+                <a:solidFill>
+                  <a:schemeClr val="tx1"/>
+                </a:solidFill>
+                <a:effectLst/>
+                <a:latin typeface="+mn-lt"/>
+                <a:ea typeface="+mn-ea"/>
+                <a:cs typeface="+mn-cs"/>
+                <a:hlinkClick r:id="rId8" tooltip="Domain Name System"/>
+              </a:rPr>
+              <a:t>DNS</a:t>
+            </a:r>
+            <a:r>
+              <a:rPr lang="fr-FR" sz="1200" b="0" i="0" u="none" strike="noStrike" kern="1200" dirty="0">
+                <a:solidFill>
+                  <a:schemeClr val="tx1"/>
+                </a:solidFill>
+                <a:effectLst/>
+                <a:latin typeface="+mn-lt"/>
+                <a:ea typeface="+mn-ea"/>
+                <a:cs typeface="+mn-cs"/>
+              </a:rPr>
+              <a:t>, </a:t>
+            </a:r>
+            <a:r>
+              <a:rPr lang="fr-FR" sz="1200" b="0" i="0" kern="1200" dirty="0">
+                <a:solidFill>
+                  <a:schemeClr val="tx1"/>
+                </a:solidFill>
+                <a:effectLst/>
+                <a:latin typeface="+mn-lt"/>
+                <a:ea typeface="+mn-ea"/>
+                <a:cs typeface="+mn-cs"/>
+              </a:rPr>
+              <a:t>de publier des services et d'y accéder facilement.</a:t>
+            </a:r>
+          </a:p>
+          <a:p>
+            <a:r>
+              <a:rPr lang="fr-FR" sz="1200" b="1" i="1" u="sng" kern="1200" dirty="0">
+                <a:solidFill>
+                  <a:schemeClr val="tx1"/>
+                </a:solidFill>
+                <a:effectLst/>
+                <a:latin typeface="+mn-lt"/>
+                <a:ea typeface="+mn-ea"/>
+                <a:cs typeface="+mn-cs"/>
+              </a:rPr>
+              <a:t>Common Unix Printing System</a:t>
+            </a:r>
+            <a:r>
+              <a:rPr lang="fr-FR" sz="1200" b="1" i="0" u="sng" kern="1200" dirty="0">
+                <a:solidFill>
+                  <a:schemeClr val="tx1"/>
+                </a:solidFill>
+                <a:effectLst/>
+                <a:latin typeface="+mn-lt"/>
+                <a:ea typeface="+mn-ea"/>
+                <a:cs typeface="+mn-cs"/>
+              </a:rPr>
+              <a:t> (CUPS) :</a:t>
+            </a:r>
+            <a:r>
+              <a:rPr lang="fr-FR" sz="1200" b="0" i="0" kern="1200" dirty="0">
+                <a:solidFill>
+                  <a:schemeClr val="tx1"/>
+                </a:solidFill>
+                <a:effectLst/>
+                <a:latin typeface="+mn-lt"/>
+                <a:ea typeface="+mn-ea"/>
+                <a:cs typeface="+mn-cs"/>
+              </a:rPr>
+              <a:t> est un système modulaire d'</a:t>
+            </a:r>
+            <a:r>
+              <a:rPr lang="fr-FR" sz="1200" b="0" i="0" u="none" strike="noStrike" kern="1200" dirty="0">
+                <a:solidFill>
+                  <a:schemeClr val="tx1"/>
+                </a:solidFill>
+                <a:effectLst/>
+                <a:latin typeface="+mn-lt"/>
+                <a:ea typeface="+mn-ea"/>
+                <a:cs typeface="+mn-cs"/>
+                <a:hlinkClick r:id="rId9" tooltip="Impression numérique"/>
+              </a:rPr>
+              <a:t>impression numérique</a:t>
+            </a:r>
+            <a:r>
+              <a:rPr lang="fr-FR" sz="1200" b="0" i="0" kern="1200" dirty="0">
+                <a:solidFill>
+                  <a:schemeClr val="tx1"/>
+                </a:solidFill>
+                <a:effectLst/>
+                <a:latin typeface="+mn-lt"/>
+                <a:ea typeface="+mn-ea"/>
+                <a:cs typeface="+mn-cs"/>
+              </a:rPr>
+              <a:t> pour les </a:t>
+            </a:r>
+            <a:r>
+              <a:rPr lang="fr-FR" sz="1200" b="0" i="0" u="none" strike="noStrike" kern="1200" dirty="0">
+                <a:solidFill>
+                  <a:schemeClr val="tx1"/>
+                </a:solidFill>
+                <a:effectLst/>
+                <a:latin typeface="+mn-lt"/>
+                <a:ea typeface="+mn-ea"/>
+                <a:cs typeface="+mn-cs"/>
+                <a:hlinkClick r:id="rId10" tooltip="Système d'exploitation"/>
+              </a:rPr>
+              <a:t>systèmes d'exploitation</a:t>
+            </a:r>
+            <a:r>
+              <a:rPr lang="fr-FR" sz="1200" b="0" i="0" kern="1200" dirty="0">
+                <a:solidFill>
+                  <a:schemeClr val="tx1"/>
+                </a:solidFill>
+                <a:effectLst/>
+                <a:latin typeface="+mn-lt"/>
+                <a:ea typeface="+mn-ea"/>
+                <a:cs typeface="+mn-cs"/>
+              </a:rPr>
+              <a:t> </a:t>
+            </a:r>
+            <a:r>
+              <a:rPr lang="fr-FR" sz="1200" b="0" i="0" u="none" strike="noStrike" kern="1200" dirty="0">
+                <a:solidFill>
+                  <a:schemeClr val="tx1"/>
+                </a:solidFill>
+                <a:effectLst/>
+                <a:latin typeface="+mn-lt"/>
+                <a:ea typeface="+mn-ea"/>
+                <a:cs typeface="+mn-cs"/>
+                <a:hlinkClick r:id="rId11" tooltip="Unix"/>
+              </a:rPr>
+              <a:t>Unix</a:t>
+            </a:r>
+            <a:endParaRPr lang="fr-FR" sz="1200" b="1" i="0" u="sng" kern="1200" dirty="0">
+              <a:solidFill>
+                <a:schemeClr val="tx1"/>
+              </a:solidFill>
+              <a:effectLst/>
+              <a:latin typeface="+mn-lt"/>
+              <a:ea typeface="+mn-ea"/>
+              <a:cs typeface="+mn-cs"/>
+            </a:endParaRPr>
+          </a:p>
+        </p:txBody>
+      </p:sp>
+      <p:sp>
+        <p:nvSpPr>
+          <p:cNvPr id="4" name="Espace réservé du numéro de diapositive 3"/>
+          <p:cNvSpPr>
+            <a:spLocks noGrp="1"/>
+          </p:cNvSpPr>
+          <p:nvPr>
+            <p:ph type="sldNum"/>
+          </p:nvPr>
+        </p:nvSpPr>
+        <p:spPr/>
+        <p:txBody>
+          <a:bodyPr/>
+          <a:lstStyle/>
+          <a:p>
+            <a:pPr algn="r"/>
+            <a:fld id="{93A85CC7-67EA-45B6-9C49-C852AF51F82B}" type="slidenum">
+              <a:rPr lang="fr-FR" sz="1400" b="0" strike="noStrike" spc="-1" smtClean="0">
+                <a:latin typeface="Times New Roman"/>
+              </a:rPr>
+              <a:t>18</a:t>
+            </a:fld>
+            <a:endParaRPr lang="fr-FR" sz="1400" b="0" strike="noStrike" spc="-1">
+              <a:latin typeface="Times New Roman"/>
+            </a:endParaRPr>
+          </a:p>
+        </p:txBody>
+      </p:sp>
+    </p:spTree>
+    <p:extLst>
+      <p:ext uri="{BB962C8B-B14F-4D97-AF65-F5344CB8AC3E}">
+        <p14:creationId xmlns:p14="http://schemas.microsoft.com/office/powerpoint/2010/main" val="4285985494"/>
+      </p:ext>
+    </p:extLst>
+  </p:cSld>
+  <p:clrMapOvr>
+    <a:masterClrMapping/>
+  </p:clrMapOvr>
+</p:notes>
+</file>
+
+<file path=ppt/notesSlides/notesSlide4.xml><?xml version="1.0" encoding="utf-8"?>
+<p:notes xmlns:a="http://schemas.openxmlformats.org/drawingml/2006/main" xmlns:r="http://schemas.openxmlformats.org/officeDocument/2006/relationships" xmlns:p="http://schemas.openxmlformats.org/presentationml/2006/main">
+  <p:cSld>
+    <p:spTree>
+      <p:nvGrpSpPr>
+        <p:cNvPr id="1" name=""/>
+        <p:cNvGrpSpPr/>
+        <p:nvPr/>
+      </p:nvGrpSpPr>
+      <p:grpSpPr>
+        <a:xfrm>
+          <a:off x="0" y="0"/>
+          <a:ext cx="0" cy="0"/>
+          <a:chOff x="0" y="0"/>
+          <a:chExt cx="0" cy="0"/>
+        </a:xfrm>
+      </p:grpSpPr>
+      <p:sp>
+        <p:nvSpPr>
+          <p:cNvPr id="2" name="Espace réservé de l'image des diapositives 1"/>
+          <p:cNvSpPr>
+            <a:spLocks noGrp="1" noRot="1" noChangeAspect="1"/>
+          </p:cNvSpPr>
+          <p:nvPr>
+            <p:ph type="sldImg"/>
+          </p:nvPr>
+        </p:nvSpPr>
+        <p:spPr>
+          <a:xfrm>
+            <a:off x="217488" y="812800"/>
+            <a:ext cx="7124700" cy="4008438"/>
+          </a:xfrm>
+        </p:spPr>
+      </p:sp>
+      <p:sp>
+        <p:nvSpPr>
+          <p:cNvPr id="3" name="Espace réservé des notes 2"/>
+          <p:cNvSpPr>
+            <a:spLocks noGrp="1"/>
+          </p:cNvSpPr>
+          <p:nvPr>
+            <p:ph type="body" idx="1"/>
+          </p:nvPr>
+        </p:nvSpPr>
+        <p:spPr/>
+        <p:txBody>
+          <a:bodyPr/>
+          <a:lstStyle/>
+          <a:p>
+            <a:r>
+              <a:rPr lang="fr-FR" sz="1200" b="1" i="0" kern="1200" dirty="0">
+                <a:solidFill>
+                  <a:schemeClr val="tx1"/>
+                </a:solidFill>
+                <a:effectLst/>
+                <a:latin typeface="+mn-lt"/>
+                <a:ea typeface="+mn-ea"/>
+                <a:cs typeface="+mn-cs"/>
+              </a:rPr>
+              <a:t>X11Forwarding</a:t>
+            </a:r>
+            <a:r>
+              <a:rPr lang="fr-FR" sz="1200" b="0" i="0" kern="1200" dirty="0">
+                <a:solidFill>
+                  <a:schemeClr val="tx1"/>
+                </a:solidFill>
+                <a:effectLst/>
+                <a:latin typeface="+mn-lt"/>
+                <a:ea typeface="+mn-ea"/>
+                <a:cs typeface="+mn-cs"/>
+              </a:rPr>
+              <a:t> est une technologie permettant la transmission de l'affichage.</a:t>
+            </a:r>
+            <a:endParaRPr lang="fr-FR" dirty="0"/>
+          </a:p>
+        </p:txBody>
+      </p:sp>
+      <p:sp>
+        <p:nvSpPr>
+          <p:cNvPr id="4" name="Espace réservé du numéro de diapositive 3"/>
+          <p:cNvSpPr>
+            <a:spLocks noGrp="1"/>
+          </p:cNvSpPr>
+          <p:nvPr>
+            <p:ph type="sldNum"/>
+          </p:nvPr>
+        </p:nvSpPr>
+        <p:spPr/>
+        <p:txBody>
+          <a:bodyPr/>
+          <a:lstStyle/>
+          <a:p>
+            <a:pPr algn="r"/>
+            <a:fld id="{93A85CC7-67EA-45B6-9C49-C852AF51F82B}" type="slidenum">
+              <a:rPr lang="fr-FR" sz="1400" b="0" strike="noStrike" spc="-1" smtClean="0">
+                <a:latin typeface="Times New Roman"/>
+              </a:rPr>
+              <a:t>37</a:t>
+            </a:fld>
+            <a:endParaRPr lang="fr-FR" sz="1400" b="0" strike="noStrike" spc="-1">
+              <a:latin typeface="Times New Roman"/>
+            </a:endParaRPr>
+          </a:p>
+        </p:txBody>
+      </p:sp>
+    </p:spTree>
+    <p:extLst>
+      <p:ext uri="{BB962C8B-B14F-4D97-AF65-F5344CB8AC3E}">
+        <p14:creationId xmlns:p14="http://schemas.microsoft.com/office/powerpoint/2010/main" val="2692464169"/>
+      </p:ext>
+    </p:extLst>
+  </p:cSld>
+  <p:clrMapOvr>
+    <a:masterClrMapping/>
+  </p:clrMapOvr>
+</p:notes>
+</file>
+
+<file path=ppt/notesSlides/notesSlide5.xml><?xml version="1.0" encoding="utf-8"?>
+<p:notes xmlns:a="http://schemas.openxmlformats.org/drawingml/2006/main" xmlns:r="http://schemas.openxmlformats.org/officeDocument/2006/relationships" xmlns:p="http://schemas.openxmlformats.org/presentationml/2006/main">
+  <p:cSld>
+    <p:spTree>
+      <p:nvGrpSpPr>
+        <p:cNvPr id="1" name=""/>
+        <p:cNvGrpSpPr/>
+        <p:nvPr/>
+      </p:nvGrpSpPr>
+      <p:grpSpPr>
+        <a:xfrm>
+          <a:off x="0" y="0"/>
+          <a:ext cx="0" cy="0"/>
+          <a:chOff x="0" y="0"/>
+          <a:chExt cx="0" cy="0"/>
+        </a:xfrm>
+      </p:grpSpPr>
+      <p:sp>
+        <p:nvSpPr>
+          <p:cNvPr id="2" name="Espace réservé de l'image des diapositives 1"/>
+          <p:cNvSpPr>
+            <a:spLocks noGrp="1" noRot="1" noChangeAspect="1"/>
+          </p:cNvSpPr>
+          <p:nvPr>
+            <p:ph type="sldImg"/>
+          </p:nvPr>
+        </p:nvSpPr>
+        <p:spPr>
+          <a:xfrm>
+            <a:off x="217488" y="812800"/>
+            <a:ext cx="7124700" cy="4008438"/>
+          </a:xfrm>
+        </p:spPr>
+      </p:sp>
+      <p:sp>
+        <p:nvSpPr>
+          <p:cNvPr id="3" name="Espace réservé des notes 2"/>
+          <p:cNvSpPr>
+            <a:spLocks noGrp="1"/>
+          </p:cNvSpPr>
+          <p:nvPr>
+            <p:ph type="body" idx="1"/>
+          </p:nvPr>
+        </p:nvSpPr>
+        <p:spPr/>
+        <p:txBody>
+          <a:bodyPr/>
+          <a:lstStyle/>
+          <a:p>
+            <a:r>
               <a:rPr lang="fr-FR" dirty="0"/>
               <a:t>App </a:t>
             </a:r>
@@ -19411,7 +20049,7 @@
           <p:nvPr/>
         </p:nvPicPr>
         <p:blipFill>
-          <a:blip r:embed="rId2">
+          <a:blip r:embed="rId3">
             <a:extLst>
               <a:ext uri="{28A0092B-C50C-407E-A947-70E740481C1C}">
                 <a14:useLocalDpi xmlns:a14="http://schemas.microsoft.com/office/drawing/2010/main" val="0"/>
@@ -19593,7 +20231,7 @@
           <p:nvPr/>
         </p:nvPicPr>
         <p:blipFill rotWithShape="1">
-          <a:blip r:embed="rId3">
+          <a:blip r:embed="rId4">
             <a:extLst>
               <a:ext uri="{28A0092B-C50C-407E-A947-70E740481C1C}">
                 <a14:useLocalDpi xmlns:a14="http://schemas.microsoft.com/office/drawing/2010/main" val="0"/>
@@ -19605,8 +20243,8 @@
         </p:blipFill>
         <p:spPr bwMode="auto">
           <a:xfrm>
-            <a:off x="677334" y="2627774"/>
-            <a:ext cx="2784021" cy="1409019"/>
+            <a:off x="823621" y="2585563"/>
+            <a:ext cx="2056629" cy="1040879"/>
           </a:xfrm>
           <a:prstGeom prst="rect">
             <a:avLst/>
@@ -19638,7 +20276,7 @@
           <p:nvPr/>
         </p:nvPicPr>
         <p:blipFill>
-          <a:blip r:embed="rId4">
+          <a:blip r:embed="rId5">
             <a:extLst>
               <a:ext uri="{28A0092B-C50C-407E-A947-70E740481C1C}">
                 <a14:useLocalDpi xmlns:a14="http://schemas.microsoft.com/office/drawing/2010/main" val="0"/>
@@ -19652,8 +20290,8 @@
         </p:blipFill>
         <p:spPr bwMode="auto">
           <a:xfrm>
-            <a:off x="3900520" y="2669355"/>
-            <a:ext cx="1685429" cy="1409019"/>
+            <a:off x="3836431" y="2629801"/>
+            <a:ext cx="1139237" cy="952402"/>
           </a:xfrm>
           <a:prstGeom prst="rect">
             <a:avLst/>
@@ -19685,7 +20323,7 @@
           <p:nvPr/>
         </p:nvPicPr>
         <p:blipFill>
-          <a:blip r:embed="rId5">
+          <a:blip r:embed="rId6">
             <a:extLst>
               <a:ext uri="{28A0092B-C50C-407E-A947-70E740481C1C}">
                 <a14:useLocalDpi xmlns:a14="http://schemas.microsoft.com/office/drawing/2010/main" val="0"/>
@@ -19699,8 +20337,8 @@
         </p:blipFill>
         <p:spPr bwMode="auto">
           <a:xfrm>
-            <a:off x="6155471" y="2669355"/>
-            <a:ext cx="1559465" cy="1187745"/>
+            <a:off x="6088912" y="2709108"/>
+            <a:ext cx="945192" cy="719892"/>
           </a:xfrm>
           <a:prstGeom prst="rect">
             <a:avLst/>
@@ -19732,7 +20370,7 @@
           <p:nvPr/>
         </p:nvPicPr>
         <p:blipFill>
-          <a:blip r:embed="rId6">
+          <a:blip r:embed="rId7">
             <a:extLst>
               <a:ext uri="{28A0092B-C50C-407E-A947-70E740481C1C}">
                 <a14:useLocalDpi xmlns:a14="http://schemas.microsoft.com/office/drawing/2010/main" val="0"/>
@@ -19746,8 +20384,8 @@
         </p:blipFill>
         <p:spPr bwMode="auto">
           <a:xfrm>
-            <a:off x="8485596" y="2488866"/>
-            <a:ext cx="1213756" cy="1368234"/>
+            <a:off x="8389088" y="2563251"/>
+            <a:ext cx="768003" cy="865749"/>
           </a:xfrm>
           <a:prstGeom prst="rect">
             <a:avLst/>
@@ -19777,11 +20415,11 @@
           <p:nvPr/>
         </p:nvPicPr>
         <p:blipFill rotWithShape="1">
-          <a:blip r:embed="rId7">
+          <a:blip r:embed="rId8">
             <a:extLst>
               <a:ext uri="{BEBA8EAE-BF5A-486C-A8C5-ECC9F3942E4B}">
                 <a14:imgProps xmlns:a14="http://schemas.microsoft.com/office/drawing/2010/main">
-                  <a14:imgLayer r:embed="rId8">
+                  <a14:imgLayer r:embed="rId9">
                     <a14:imgEffect>
                       <a14:brightnessContrast bright="40000" contrast="40000"/>
                     </a14:imgEffect>
@@ -19795,7 +20433,7 @@
         </p:blipFill>
         <p:spPr>
           <a:xfrm>
-            <a:off x="1109791" y="5070103"/>
+            <a:off x="6013394" y="4094888"/>
             <a:ext cx="5154537" cy="1280586"/>
           </a:xfrm>
           <a:prstGeom prst="rect">
@@ -19818,7 +20456,7 @@
           <p:nvPr/>
         </p:nvPicPr>
         <p:blipFill>
-          <a:blip r:embed="rId9">
+          <a:blip r:embed="rId10">
             <a:extLst>
               <a:ext uri="{28A0092B-C50C-407E-A947-70E740481C1C}">
                 <a14:useLocalDpi xmlns:a14="http://schemas.microsoft.com/office/drawing/2010/main" val="0"/>
@@ -19832,7 +20470,7 @@
         </p:blipFill>
         <p:spPr bwMode="auto">
           <a:xfrm>
-            <a:off x="823620" y="4316102"/>
+            <a:off x="823621" y="5851964"/>
             <a:ext cx="434819" cy="572130"/>
           </a:xfrm>
           <a:prstGeom prst="rect">
@@ -19864,7 +20502,7 @@
         </p:nvSpPr>
         <p:spPr>
           <a:xfrm>
-            <a:off x="1404725" y="4361326"/>
+            <a:off x="1404726" y="5897188"/>
             <a:ext cx="3845375" cy="400110"/>
           </a:xfrm>
           <a:prstGeom prst="rect">
@@ -19962,6 +20600,48 @@
           </a:p>
         </p:txBody>
       </p:sp>
+      <p:pic>
+        <p:nvPicPr>
+          <p:cNvPr id="3" name="Image 2">
+            <a:extLst>
+              <a:ext uri="{FF2B5EF4-FFF2-40B4-BE49-F238E27FC236}">
+                <a16:creationId xmlns:a16="http://schemas.microsoft.com/office/drawing/2014/main" id="{E28D49CA-130E-4810-9F4C-FB6EB5E39598}"/>
+              </a:ext>
+            </a:extLst>
+          </p:cNvPr>
+          <p:cNvPicPr>
+            <a:picLocks noChangeAspect="1"/>
+          </p:cNvPicPr>
+          <p:nvPr/>
+        </p:nvPicPr>
+        <p:blipFill>
+          <a:blip r:embed="rId11">
+            <a:extLst>
+              <a:ext uri="{BEBA8EAE-BF5A-486C-A8C5-ECC9F3942E4B}">
+                <a14:imgProps xmlns:a14="http://schemas.microsoft.com/office/drawing/2010/main">
+                  <a14:imgLayer r:embed="rId12">
+                    <a14:imgEffect>
+                      <a14:brightnessContrast contrast="100000"/>
+                    </a14:imgEffect>
+                  </a14:imgLayer>
+                </a14:imgProps>
+              </a:ext>
+            </a:extLst>
+          </a:blip>
+          <a:stretch>
+            <a:fillRect/>
+          </a:stretch>
+        </p:blipFill>
+        <p:spPr>
+          <a:xfrm>
+            <a:off x="677334" y="3976002"/>
+            <a:ext cx="4495800" cy="1571625"/>
+          </a:xfrm>
+          <a:prstGeom prst="rect">
+            <a:avLst/>
+          </a:prstGeom>
+        </p:spPr>
+      </p:pic>
     </p:spTree>
     <p:extLst>
       <p:ext uri="{BB962C8B-B14F-4D97-AF65-F5344CB8AC3E}">
@@ -20571,8 +21251,8 @@
         </p:nvSpPr>
         <p:spPr>
           <a:xfrm>
-            <a:off x="5475983" y="1257625"/>
-            <a:ext cx="1626946" cy="369332"/>
+            <a:off x="5475982" y="1257625"/>
+            <a:ext cx="4805701" cy="369332"/>
           </a:xfrm>
           <a:prstGeom prst="rect">
             <a:avLst/>
@@ -20587,7 +21267,23 @@
           <a:p>
             <a:r>
               <a:rPr lang="fr-FR" dirty="0"/>
-              <a:t>/</a:t>
+              <a:t>./test </a:t>
+            </a:r>
+            <a:r>
+              <a:rPr lang="fr-FR" dirty="0" err="1"/>
+              <a:t>is</a:t>
+            </a:r>
+            <a:r>
+              <a:rPr lang="fr-FR" dirty="0"/>
+              <a:t> </a:t>
+            </a:r>
+            <a:r>
+              <a:rPr lang="fr-FR" dirty="0" err="1"/>
+              <a:t>used</a:t>
+            </a:r>
+            <a:r>
+              <a:rPr lang="fr-FR" dirty="0"/>
+              <a:t> in /</a:t>
             </a:r>
             <a:r>
               <a:rPr lang="fr-FR" dirty="0" err="1"/>
@@ -22033,7 +22729,7 @@
         </p:blipFill>
         <p:spPr>
           <a:xfrm>
-            <a:off x="1789443" y="1927449"/>
+            <a:off x="2157043" y="1930400"/>
             <a:ext cx="6372450" cy="2671159"/>
           </a:xfrm>
           <a:prstGeom prst="rect">
@@ -25230,40 +25926,10 @@
       </p:sp>
       <p:pic>
         <p:nvPicPr>
-          <p:cNvPr id="5" name="Image 4">
+          <p:cNvPr id="15" name="Picture 10" descr="Related image">
             <a:extLst>
               <a:ext uri="{FF2B5EF4-FFF2-40B4-BE49-F238E27FC236}">
-                <a16:creationId xmlns:a16="http://schemas.microsoft.com/office/drawing/2014/main" id="{BD096C7E-B228-4B00-AF4C-B572ED58F273}"/>
-              </a:ext>
-            </a:extLst>
-          </p:cNvPr>
-          <p:cNvPicPr>
-            <a:picLocks noChangeAspect="1"/>
-          </p:cNvPicPr>
-          <p:nvPr/>
-        </p:nvPicPr>
-        <p:blipFill>
-          <a:blip r:embed="rId2"/>
-          <a:stretch>
-            <a:fillRect/>
-          </a:stretch>
-        </p:blipFill>
-        <p:spPr>
-          <a:xfrm>
-            <a:off x="28575" y="2216758"/>
-            <a:ext cx="12163425" cy="1114425"/>
-          </a:xfrm>
-          <a:prstGeom prst="rect">
-            <a:avLst/>
-          </a:prstGeom>
-        </p:spPr>
-      </p:pic>
-      <p:pic>
-        <p:nvPicPr>
-          <p:cNvPr id="6" name="Picture 10" descr="Related image">
-            <a:extLst>
-              <a:ext uri="{FF2B5EF4-FFF2-40B4-BE49-F238E27FC236}">
-                <a16:creationId xmlns:a16="http://schemas.microsoft.com/office/drawing/2014/main" id="{54DF53C4-AAF9-43B6-B4FF-6EC1AB0D3B47}"/>
+                <a16:creationId xmlns:a16="http://schemas.microsoft.com/office/drawing/2014/main" id="{7908961F-083E-4A46-A848-55B1E85DC3B5}"/>
               </a:ext>
             </a:extLst>
           </p:cNvPr>
@@ -25273,7 +25939,7 @@
           <p:nvPr/>
         </p:nvPicPr>
         <p:blipFill>
-          <a:blip r:embed="rId3">
+          <a:blip r:embed="rId2">
             <a:extLst>
               <a:ext uri="{28A0092B-C50C-407E-A947-70E740481C1C}">
                 <a14:useLocalDpi xmlns:a14="http://schemas.microsoft.com/office/drawing/2010/main" val="0"/>
@@ -25287,7 +25953,7 @@
         </p:blipFill>
         <p:spPr bwMode="auto">
           <a:xfrm>
-            <a:off x="2389403" y="1295712"/>
+            <a:off x="1916857" y="1247499"/>
             <a:ext cx="727392" cy="727392"/>
           </a:xfrm>
           <a:prstGeom prst="rect">
@@ -25307,10 +25973,10 @@
       </p:pic>
       <p:sp>
         <p:nvSpPr>
-          <p:cNvPr id="7" name="ZoneTexte 6">
+          <p:cNvPr id="16" name="ZoneTexte 15">
             <a:extLst>
               <a:ext uri="{FF2B5EF4-FFF2-40B4-BE49-F238E27FC236}">
-                <a16:creationId xmlns:a16="http://schemas.microsoft.com/office/drawing/2014/main" id="{C4391F18-F15A-405A-8BAB-33E86DCAEB68}"/>
+                <a16:creationId xmlns:a16="http://schemas.microsoft.com/office/drawing/2014/main" id="{86B2457A-C260-4B03-AF48-B2A5306D3282}"/>
               </a:ext>
             </a:extLst>
           </p:cNvPr>
@@ -25319,8 +25985,8 @@
         </p:nvSpPr>
         <p:spPr>
           <a:xfrm>
-            <a:off x="3264609" y="1459353"/>
-            <a:ext cx="6413043" cy="400110"/>
+            <a:off x="2792063" y="1411140"/>
+            <a:ext cx="3717895" cy="400110"/>
           </a:xfrm>
           <a:prstGeom prst="rect">
             <a:avLst/>
@@ -25345,7 +26011,7 @@
                   </a:schemeClr>
                 </a:solidFill>
               </a:rPr>
-              <a:t>No real logs (</a:t>
+              <a:t>No </a:t>
             </a:r>
             <a:r>
               <a:rPr lang="fr-FR" sz="2000" dirty="0" err="1">
@@ -25355,7 +26021,7 @@
                   </a:schemeClr>
                 </a:solidFill>
               </a:rPr>
-              <a:t>except</a:t>
+              <a:t>auditd</a:t>
             </a:r>
             <a:r>
               <a:rPr lang="fr-FR" sz="2000" dirty="0">
@@ -25375,27 +26041,24 @@
                   </a:schemeClr>
                 </a:solidFill>
               </a:rPr>
-              <a:t>systemd</a:t>
-            </a:r>
-            <a:r>
-              <a:rPr lang="fr-FR" sz="2000" dirty="0">
-                <a:solidFill>
-                  <a:schemeClr val="accent2">
-                    <a:lumMod val="75000"/>
-                  </a:schemeClr>
-                </a:solidFill>
-              </a:rPr>
-              <a:t>)</a:t>
-            </a:r>
+              <a:t>rules</a:t>
+            </a:r>
+            <a:endParaRPr lang="fr-FR" sz="2000" dirty="0">
+              <a:solidFill>
+                <a:schemeClr val="accent2">
+                  <a:lumMod val="75000"/>
+                </a:schemeClr>
+              </a:solidFill>
+            </a:endParaRPr>
           </a:p>
         </p:txBody>
       </p:sp>
       <p:pic>
         <p:nvPicPr>
-          <p:cNvPr id="8" name="Picture 2" descr="Image result for cybersecurity shield icon">
+          <p:cNvPr id="17" name="Picture 2" descr="Image result for cybersecurity shield icon">
             <a:extLst>
               <a:ext uri="{FF2B5EF4-FFF2-40B4-BE49-F238E27FC236}">
-                <a16:creationId xmlns:a16="http://schemas.microsoft.com/office/drawing/2014/main" id="{E38649A5-C7DE-44B8-A8F7-D83FFAC6857F}"/>
+                <a16:creationId xmlns:a16="http://schemas.microsoft.com/office/drawing/2014/main" id="{34D1A78F-5154-4EBD-A11D-336081EF0782}"/>
               </a:ext>
             </a:extLst>
           </p:cNvPr>
@@ -25405,7 +26068,7 @@
           <p:nvPr/>
         </p:nvPicPr>
         <p:blipFill>
-          <a:blip r:embed="rId4">
+          <a:blip r:embed="rId3">
             <a:extLst>
               <a:ext uri="{28A0092B-C50C-407E-A947-70E740481C1C}">
                 <a14:useLocalDpi xmlns:a14="http://schemas.microsoft.com/office/drawing/2010/main" val="0"/>
@@ -25419,7 +26082,7 @@
         </p:blipFill>
         <p:spPr bwMode="auto">
           <a:xfrm>
-            <a:off x="2535690" y="3837667"/>
+            <a:off x="2204659" y="4356329"/>
             <a:ext cx="434819" cy="572130"/>
           </a:xfrm>
           <a:prstGeom prst="rect">
@@ -25439,10 +26102,10 @@
       </p:pic>
       <p:sp>
         <p:nvSpPr>
-          <p:cNvPr id="9" name="ZoneTexte 8">
+          <p:cNvPr id="18" name="ZoneTexte 17">
             <a:extLst>
               <a:ext uri="{FF2B5EF4-FFF2-40B4-BE49-F238E27FC236}">
-                <a16:creationId xmlns:a16="http://schemas.microsoft.com/office/drawing/2014/main" id="{189DFB30-0E8E-47BB-AAE8-790E9E241D03}"/>
+                <a16:creationId xmlns:a16="http://schemas.microsoft.com/office/drawing/2014/main" id="{274577F4-AB1B-44FC-B6C2-AEABB3425025}"/>
               </a:ext>
             </a:extLst>
           </p:cNvPr>
@@ -25451,7 +26114,7 @@
         </p:nvSpPr>
         <p:spPr>
           <a:xfrm>
-            <a:off x="3264609" y="3923677"/>
+            <a:off x="2933578" y="4442339"/>
             <a:ext cx="5932553" cy="400110"/>
           </a:xfrm>
           <a:prstGeom prst="rect">
@@ -25531,10 +26194,10 @@
       </p:sp>
       <p:pic>
         <p:nvPicPr>
-          <p:cNvPr id="10" name="Image 9">
+          <p:cNvPr id="19" name="Image 18">
             <a:extLst>
               <a:ext uri="{FF2B5EF4-FFF2-40B4-BE49-F238E27FC236}">
-                <a16:creationId xmlns:a16="http://schemas.microsoft.com/office/drawing/2014/main" id="{B1C59C09-EA42-41C0-B113-9ED90F535F23}"/>
+                <a16:creationId xmlns:a16="http://schemas.microsoft.com/office/drawing/2014/main" id="{D3382B2F-C2AA-426D-BF48-AE00B1014103}"/>
               </a:ext>
             </a:extLst>
           </p:cNvPr>
@@ -25544,15 +26207,27 @@
           <p:nvPr/>
         </p:nvPicPr>
         <p:blipFill>
-          <a:blip r:embed="rId5"/>
+          <a:blip r:embed="rId4">
+            <a:extLst>
+              <a:ext uri="{BEBA8EAE-BF5A-486C-A8C5-ECC9F3942E4B}">
+                <a14:imgProps xmlns:a14="http://schemas.microsoft.com/office/drawing/2010/main">
+                  <a14:imgLayer r:embed="rId5">
+                    <a14:imgEffect>
+                      <a14:brightnessContrast bright="40000" contrast="40000"/>
+                    </a14:imgEffect>
+                  </a14:imgLayer>
+                </a14:imgProps>
+              </a:ext>
+            </a:extLst>
+          </a:blip>
           <a:stretch>
             <a:fillRect/>
           </a:stretch>
         </p:blipFill>
         <p:spPr>
           <a:xfrm>
-            <a:off x="2115278" y="4517441"/>
-            <a:ext cx="6571521" cy="708138"/>
+            <a:off x="2204659" y="2160865"/>
+            <a:ext cx="4305300" cy="2095500"/>
           </a:xfrm>
           <a:prstGeom prst="rect">
             <a:avLst/>
@@ -25561,101 +26236,10 @@
       </p:pic>
       <p:pic>
         <p:nvPicPr>
-          <p:cNvPr id="11" name="Image 10">
+          <p:cNvPr id="20" name="Picture 2" descr="Image result for ANSSI">
             <a:extLst>
               <a:ext uri="{FF2B5EF4-FFF2-40B4-BE49-F238E27FC236}">
-                <a16:creationId xmlns:a16="http://schemas.microsoft.com/office/drawing/2014/main" id="{CA2917A6-E916-401D-B381-8763071EB4BE}"/>
-              </a:ext>
-            </a:extLst>
-          </p:cNvPr>
-          <p:cNvPicPr>
-            <a:picLocks noChangeAspect="1"/>
-          </p:cNvPicPr>
-          <p:nvPr/>
-        </p:nvPicPr>
-        <p:blipFill rotWithShape="1">
-          <a:blip r:embed="rId6"/>
-          <a:srcRect r="55242" b="-2465"/>
-          <a:stretch/>
-        </p:blipFill>
-        <p:spPr>
-          <a:xfrm>
-            <a:off x="2115278" y="5333224"/>
-            <a:ext cx="6571521" cy="708138"/>
-          </a:xfrm>
-          <a:prstGeom prst="rect">
-            <a:avLst/>
-          </a:prstGeom>
-        </p:spPr>
-      </p:pic>
-      <p:sp>
-        <p:nvSpPr>
-          <p:cNvPr id="12" name="ZoneTexte 11">
-            <a:extLst>
-              <a:ext uri="{FF2B5EF4-FFF2-40B4-BE49-F238E27FC236}">
-                <a16:creationId xmlns:a16="http://schemas.microsoft.com/office/drawing/2014/main" id="{8691F11A-8AFB-47BB-8FE8-F625C9A56395}"/>
-              </a:ext>
-            </a:extLst>
-          </p:cNvPr>
-          <p:cNvSpPr txBox="1"/>
-          <p:nvPr/>
-        </p:nvSpPr>
-        <p:spPr>
-          <a:xfrm>
-            <a:off x="9197162" y="4459173"/>
-            <a:ext cx="2519917" cy="923330"/>
-          </a:xfrm>
-          <a:prstGeom prst="rect">
-            <a:avLst/>
-          </a:prstGeom>
-          <a:noFill/>
-        </p:spPr>
-        <p:txBody>
-          <a:bodyPr wrap="square" rtlCol="0">
-            <a:spAutoFit/>
-          </a:bodyPr>
-          <a:lstStyle/>
-          <a:p>
-            <a:pPr marL="285750" indent="-285750">
-              <a:buFont typeface="Arial" panose="020B0604020202020204" pitchFamily="34" charset="0"/>
-              <a:buChar char="•"/>
-            </a:pPr>
-            <a:r>
-              <a:rPr lang="fr-FR" dirty="0"/>
-              <a:t>Log all </a:t>
-            </a:r>
-            <a:r>
-              <a:rPr lang="fr-FR" dirty="0" err="1"/>
-              <a:t>SysCall</a:t>
-            </a:r>
-            <a:r>
-              <a:rPr lang="fr-FR" dirty="0"/>
-              <a:t> can </a:t>
-            </a:r>
-            <a:r>
-              <a:rPr lang="fr-FR" dirty="0" err="1"/>
-              <a:t>be</a:t>
-            </a:r>
-            <a:r>
-              <a:rPr lang="fr-FR" dirty="0"/>
-              <a:t> a solution.</a:t>
-            </a:r>
-          </a:p>
-          <a:p>
-            <a:pPr marL="285750" indent="-285750">
-              <a:buFont typeface="Arial" panose="020B0604020202020204" pitchFamily="34" charset="0"/>
-              <a:buChar char="•"/>
-            </a:pPr>
-            <a:endParaRPr lang="fr-FR" dirty="0"/>
-          </a:p>
-        </p:txBody>
-      </p:sp>
-      <p:pic>
-        <p:nvPicPr>
-          <p:cNvPr id="13" name="Picture 2" descr="http://www.paliseul.be/actualites/attention.png/image">
-            <a:extLst>
-              <a:ext uri="{FF2B5EF4-FFF2-40B4-BE49-F238E27FC236}">
-                <a16:creationId xmlns:a16="http://schemas.microsoft.com/office/drawing/2014/main" id="{C8A7EEAF-0A59-437F-ADFF-D29D9F9A2A88}"/>
+                <a16:creationId xmlns:a16="http://schemas.microsoft.com/office/drawing/2014/main" id="{44608423-C459-4D50-B23A-B1326F762E4D}"/>
               </a:ext>
             </a:extLst>
           </p:cNvPr>
@@ -25665,7 +26249,7 @@
           <p:nvPr/>
         </p:nvPicPr>
         <p:blipFill>
-          <a:blip r:embed="rId7">
+          <a:blip r:embed="rId6">
             <a:extLst>
               <a:ext uri="{28A0092B-C50C-407E-A947-70E740481C1C}">
                 <a14:useLocalDpi xmlns:a14="http://schemas.microsoft.com/office/drawing/2010/main" val="0"/>
@@ -25679,8 +26263,8 @@
         </p:blipFill>
         <p:spPr bwMode="auto">
           <a:xfrm>
-            <a:off x="8844240" y="5415981"/>
-            <a:ext cx="493196" cy="435707"/>
+            <a:off x="2062410" y="5042377"/>
+            <a:ext cx="1742336" cy="1742336"/>
           </a:xfrm>
           <a:prstGeom prst="rect">
             <a:avLst/>
@@ -25699,10 +26283,10 @@
       </p:pic>
       <p:sp>
         <p:nvSpPr>
-          <p:cNvPr id="14" name="ZoneTexte 13">
+          <p:cNvPr id="21" name="ZoneTexte 20">
             <a:extLst>
               <a:ext uri="{FF2B5EF4-FFF2-40B4-BE49-F238E27FC236}">
-                <a16:creationId xmlns:a16="http://schemas.microsoft.com/office/drawing/2014/main" id="{7EF3938B-BB21-4591-8E61-161BFB4834CA}"/>
+                <a16:creationId xmlns:a16="http://schemas.microsoft.com/office/drawing/2014/main" id="{AB193307-E991-4111-8DF1-5281A36C7E0C}"/>
               </a:ext>
             </a:extLst>
           </p:cNvPr>
@@ -25711,8 +26295,8 @@
         </p:nvSpPr>
         <p:spPr>
           <a:xfrm>
-            <a:off x="9337436" y="5449168"/>
-            <a:ext cx="2519917" cy="369332"/>
+            <a:off x="3933916" y="5140348"/>
+            <a:ext cx="4932215" cy="2031325"/>
           </a:xfrm>
           <a:prstGeom prst="rect">
             <a:avLst/>
@@ -25725,18 +26309,342 @@
           </a:bodyPr>
           <a:lstStyle/>
           <a:p>
+            <a:pPr marL="285750" indent="-285750">
+              <a:buFont typeface="Wingdings" panose="05000000000000000000" pitchFamily="2" charset="2"/>
+              <a:buChar char="Ø"/>
+            </a:pPr>
+            <a:r>
+              <a:rPr lang="fr-FR" dirty="0">
+                <a:solidFill>
+                  <a:schemeClr val="accent2">
+                    <a:lumMod val="75000"/>
+                  </a:schemeClr>
+                </a:solidFill>
+              </a:rPr>
+              <a:t>Monitor </a:t>
+            </a:r>
+            <a:r>
+              <a:rPr lang="fr-FR" dirty="0" err="1">
+                <a:solidFill>
+                  <a:schemeClr val="accent2">
+                    <a:lumMod val="75000"/>
+                  </a:schemeClr>
+                </a:solidFill>
+              </a:rPr>
+              <a:t>insmod,rmmod,modprobe</a:t>
+            </a:r>
+            <a:endParaRPr lang="fr-FR" dirty="0">
+              <a:solidFill>
+                <a:schemeClr val="accent2">
+                  <a:lumMod val="75000"/>
+                </a:schemeClr>
+              </a:solidFill>
+            </a:endParaRPr>
+          </a:p>
+          <a:p>
+            <a:pPr marL="285750" indent="-285750">
+              <a:buFont typeface="Wingdings" panose="05000000000000000000" pitchFamily="2" charset="2"/>
+              <a:buChar char="Ø"/>
+            </a:pPr>
+            <a:r>
+              <a:rPr lang="fr-FR" dirty="0">
+                <a:solidFill>
+                  <a:schemeClr val="accent2">
+                    <a:lumMod val="75000"/>
+                  </a:schemeClr>
+                </a:solidFill>
+              </a:rPr>
+              <a:t>Log </a:t>
+            </a:r>
+            <a:r>
+              <a:rPr lang="fr-FR" dirty="0" err="1">
+                <a:solidFill>
+                  <a:schemeClr val="accent2">
+                    <a:lumMod val="75000"/>
+                  </a:schemeClr>
+                </a:solidFill>
+              </a:rPr>
+              <a:t>any</a:t>
+            </a:r>
+            <a:r>
+              <a:rPr lang="fr-FR" dirty="0">
+                <a:solidFill>
+                  <a:schemeClr val="accent2">
+                    <a:lumMod val="75000"/>
+                  </a:schemeClr>
+                </a:solidFill>
+              </a:rPr>
+              <a:t> modification in /</a:t>
+            </a:r>
+            <a:r>
+              <a:rPr lang="fr-FR" dirty="0" err="1">
+                <a:solidFill>
+                  <a:schemeClr val="accent2">
+                    <a:lumMod val="75000"/>
+                  </a:schemeClr>
+                </a:solidFill>
+              </a:rPr>
+              <a:t>etc</a:t>
+            </a:r>
+            <a:r>
+              <a:rPr lang="fr-FR" dirty="0">
+                <a:solidFill>
+                  <a:schemeClr val="accent2">
+                    <a:lumMod val="75000"/>
+                  </a:schemeClr>
+                </a:solidFill>
+              </a:rPr>
+              <a:t>/</a:t>
+            </a:r>
+          </a:p>
+          <a:p>
+            <a:pPr marL="285750" indent="-285750">
+              <a:buFont typeface="Wingdings" panose="05000000000000000000" pitchFamily="2" charset="2"/>
+              <a:buChar char="Ø"/>
+            </a:pPr>
+            <a:r>
+              <a:rPr lang="fr-FR" dirty="0">
+                <a:solidFill>
+                  <a:schemeClr val="accent2">
+                    <a:lumMod val="75000"/>
+                  </a:schemeClr>
+                </a:solidFill>
+              </a:rPr>
+              <a:t>Monitor </a:t>
+            </a:r>
+            <a:r>
+              <a:rPr lang="fr-FR" dirty="0" err="1">
+                <a:solidFill>
+                  <a:schemeClr val="accent2">
+                    <a:lumMod val="75000"/>
+                  </a:schemeClr>
+                </a:solidFill>
+              </a:rPr>
+              <a:t>mount</a:t>
+            </a:r>
+            <a:r>
+              <a:rPr lang="fr-FR" dirty="0">
+                <a:solidFill>
+                  <a:schemeClr val="accent2">
+                    <a:lumMod val="75000"/>
+                  </a:schemeClr>
+                </a:solidFill>
+              </a:rPr>
+              <a:t>/</a:t>
+            </a:r>
+            <a:r>
+              <a:rPr lang="fr-FR" dirty="0" err="1">
+                <a:solidFill>
+                  <a:schemeClr val="accent2">
+                    <a:lumMod val="75000"/>
+                  </a:schemeClr>
+                </a:solidFill>
+              </a:rPr>
+              <a:t>unmount</a:t>
+            </a:r>
+            <a:endParaRPr lang="fr-FR" dirty="0">
+              <a:solidFill>
+                <a:schemeClr val="accent2">
+                  <a:lumMod val="75000"/>
+                </a:schemeClr>
+              </a:solidFill>
+            </a:endParaRPr>
+          </a:p>
+          <a:p>
+            <a:pPr marL="285750" indent="-285750">
+              <a:buFont typeface="Wingdings" panose="05000000000000000000" pitchFamily="2" charset="2"/>
+              <a:buChar char="Ø"/>
+            </a:pPr>
+            <a:r>
+              <a:rPr lang="fr-FR" dirty="0">
+                <a:solidFill>
+                  <a:schemeClr val="accent2">
+                    <a:lumMod val="75000"/>
+                  </a:schemeClr>
+                </a:solidFill>
+              </a:rPr>
+              <a:t>Call to x86 </a:t>
+            </a:r>
+            <a:r>
+              <a:rPr lang="fr-FR" dirty="0" err="1">
+                <a:solidFill>
+                  <a:schemeClr val="accent2">
+                    <a:lumMod val="75000"/>
+                  </a:schemeClr>
+                </a:solidFill>
+              </a:rPr>
+              <a:t>syscalls</a:t>
+            </a:r>
+            <a:r>
+              <a:rPr lang="fr-FR" dirty="0">
+                <a:solidFill>
+                  <a:schemeClr val="accent2">
+                    <a:lumMod val="75000"/>
+                  </a:schemeClr>
+                </a:solidFill>
+              </a:rPr>
+              <a:t> or </a:t>
+            </a:r>
+            <a:r>
+              <a:rPr lang="fr-FR" dirty="0" err="1">
+                <a:solidFill>
+                  <a:schemeClr val="accent2">
+                    <a:lumMod val="75000"/>
+                  </a:schemeClr>
+                </a:solidFill>
+              </a:rPr>
+              <a:t>unusual</a:t>
+            </a:r>
+            <a:r>
+              <a:rPr lang="fr-FR" dirty="0">
+                <a:solidFill>
+                  <a:schemeClr val="accent2">
+                    <a:lumMod val="75000"/>
+                  </a:schemeClr>
+                </a:solidFill>
+              </a:rPr>
+              <a:t> </a:t>
+            </a:r>
+            <a:r>
+              <a:rPr lang="fr-FR" dirty="0" err="1">
+                <a:solidFill>
+                  <a:schemeClr val="accent2">
+                    <a:lumMod val="75000"/>
+                  </a:schemeClr>
+                </a:solidFill>
+              </a:rPr>
+              <a:t>syscalls</a:t>
+            </a:r>
+            <a:endParaRPr lang="fr-FR" dirty="0">
+              <a:solidFill>
+                <a:schemeClr val="accent2">
+                  <a:lumMod val="75000"/>
+                </a:schemeClr>
+              </a:solidFill>
+            </a:endParaRPr>
+          </a:p>
+          <a:p>
+            <a:pPr marL="285750" indent="-285750">
+              <a:buFont typeface="Wingdings" panose="05000000000000000000" pitchFamily="2" charset="2"/>
+              <a:buChar char="Ø"/>
+            </a:pPr>
+            <a:r>
+              <a:rPr lang="fr-FR" dirty="0">
+                <a:solidFill>
+                  <a:schemeClr val="accent2">
+                    <a:lumMod val="75000"/>
+                  </a:schemeClr>
+                </a:solidFill>
+              </a:rPr>
+              <a:t>Monitoring files </a:t>
+            </a:r>
+            <a:r>
+              <a:rPr lang="fr-FR" dirty="0" err="1">
+                <a:solidFill>
+                  <a:schemeClr val="accent2">
+                    <a:lumMod val="75000"/>
+                  </a:schemeClr>
+                </a:solidFill>
+              </a:rPr>
+              <a:t>creation</a:t>
+            </a:r>
+            <a:r>
+              <a:rPr lang="fr-FR" dirty="0">
+                <a:solidFill>
+                  <a:schemeClr val="accent2">
+                    <a:lumMod val="75000"/>
+                  </a:schemeClr>
+                </a:solidFill>
+              </a:rPr>
+              <a:t> and </a:t>
+            </a:r>
+            <a:r>
+              <a:rPr lang="fr-FR" dirty="0" err="1">
+                <a:solidFill>
+                  <a:schemeClr val="accent2">
+                    <a:lumMod val="75000"/>
+                  </a:schemeClr>
+                </a:solidFill>
+              </a:rPr>
+              <a:t>delete</a:t>
+            </a:r>
+            <a:endParaRPr lang="fr-FR" dirty="0">
+              <a:solidFill>
+                <a:schemeClr val="accent2">
+                  <a:lumMod val="75000"/>
+                </a:schemeClr>
+              </a:solidFill>
+            </a:endParaRPr>
+          </a:p>
+          <a:p>
+            <a:endParaRPr lang="fr-FR" dirty="0"/>
+          </a:p>
+          <a:p>
+            <a:endParaRPr lang="en-GB" dirty="0"/>
+          </a:p>
+        </p:txBody>
+      </p:sp>
+      <p:sp>
+        <p:nvSpPr>
+          <p:cNvPr id="22" name="ZoneTexte 21">
+            <a:extLst>
+              <a:ext uri="{FF2B5EF4-FFF2-40B4-BE49-F238E27FC236}">
+                <a16:creationId xmlns:a16="http://schemas.microsoft.com/office/drawing/2014/main" id="{900FC660-C26C-4652-B34F-FA4A60C63CFC}"/>
+              </a:ext>
+            </a:extLst>
+          </p:cNvPr>
+          <p:cNvSpPr txBox="1"/>
+          <p:nvPr/>
+        </p:nvSpPr>
+        <p:spPr>
+          <a:xfrm>
+            <a:off x="6975323" y="2900785"/>
+            <a:ext cx="4539343" cy="369332"/>
+          </a:xfrm>
+          <a:prstGeom prst="rect">
+            <a:avLst/>
+          </a:prstGeom>
+          <a:noFill/>
+        </p:spPr>
+        <p:txBody>
+          <a:bodyPr wrap="square" rtlCol="0">
+            <a:spAutoFit/>
+          </a:bodyPr>
+          <a:lstStyle/>
+          <a:p>
             <a:r>
               <a:rPr lang="fr-FR" dirty="0"/>
-              <a:t>Can </a:t>
+              <a:t>Rules </a:t>
             </a:r>
             <a:r>
               <a:rPr lang="fr-FR" dirty="0" err="1"/>
-              <a:t>take</a:t>
+              <a:t>generated</a:t>
             </a:r>
             <a:r>
               <a:rPr lang="fr-FR" dirty="0"/>
-              <a:t> a lot of place</a:t>
-            </a:r>
+              <a:t> </a:t>
+            </a:r>
+            <a:r>
+              <a:rPr lang="fr-FR" dirty="0" err="1"/>
+              <a:t>from</a:t>
+            </a:r>
+            <a:r>
+              <a:rPr lang="fr-FR" dirty="0"/>
+              <a:t> </a:t>
+            </a:r>
+            <a:r>
+              <a:rPr lang="fr-FR" dirty="0" err="1"/>
+              <a:t>rules.d</a:t>
+            </a:r>
+            <a:r>
+              <a:rPr lang="fr-FR" dirty="0"/>
+              <a:t>/*.</a:t>
+            </a:r>
+            <a:r>
+              <a:rPr lang="fr-FR" dirty="0" err="1"/>
+              <a:t>rules</a:t>
+            </a:r>
+            <a:endParaRPr lang="en-GB" dirty="0"/>
           </a:p>
         </p:txBody>
       </p:sp>
@@ -31159,7 +32067,7 @@
           <p:nvPr/>
         </p:nvPicPr>
         <p:blipFill>
-          <a:blip r:embed="rId2">
+          <a:blip r:embed="rId3">
             <a:extLst>
               <a:ext uri="{28A0092B-C50C-407E-A947-70E740481C1C}">
                 <a14:useLocalDpi xmlns:a14="http://schemas.microsoft.com/office/drawing/2010/main" val="0"/>
@@ -31360,7 +32268,7 @@
           <p:nvPr/>
         </p:nvPicPr>
         <p:blipFill>
-          <a:blip r:embed="rId3">
+          <a:blip r:embed="rId4">
             <a:extLst>
               <a:ext uri="{28A0092B-C50C-407E-A947-70E740481C1C}">
                 <a14:useLocalDpi xmlns:a14="http://schemas.microsoft.com/office/drawing/2010/main" val="0"/>
@@ -31639,11 +32547,11 @@
           <p:nvPr/>
         </p:nvPicPr>
         <p:blipFill>
-          <a:blip r:embed="rId4">
+          <a:blip r:embed="rId5">
             <a:extLst>
               <a:ext uri="{BEBA8EAE-BF5A-486C-A8C5-ECC9F3942E4B}">
                 <a14:imgProps xmlns:a14="http://schemas.microsoft.com/office/drawing/2010/main">
-                  <a14:imgLayer r:embed="rId5">
+                  <a14:imgLayer r:embed="rId6">
                     <a14:imgEffect>
                       <a14:brightnessContrast contrast="100000"/>
                     </a14:imgEffect>
@@ -31681,11 +32589,11 @@
           <p:nvPr/>
         </p:nvPicPr>
         <p:blipFill>
-          <a:blip r:embed="rId6">
+          <a:blip r:embed="rId7">
             <a:extLst>
               <a:ext uri="{BEBA8EAE-BF5A-486C-A8C5-ECC9F3942E4B}">
                 <a14:imgProps xmlns:a14="http://schemas.microsoft.com/office/drawing/2010/main">
-                  <a14:imgLayer r:embed="rId7">
+                  <a14:imgLayer r:embed="rId8">
                     <a14:imgEffect>
                       <a14:brightnessContrast bright="40000" contrast="40000"/>
                     </a14:imgEffect>
@@ -31723,11 +32631,11 @@
           <p:nvPr/>
         </p:nvPicPr>
         <p:blipFill>
-          <a:blip r:embed="rId8">
+          <a:blip r:embed="rId9">
             <a:extLst>
               <a:ext uri="{BEBA8EAE-BF5A-486C-A8C5-ECC9F3942E4B}">
                 <a14:imgProps xmlns:a14="http://schemas.microsoft.com/office/drawing/2010/main">
-                  <a14:imgLayer r:embed="rId9">
+                  <a14:imgLayer r:embed="rId10">
                     <a14:imgEffect>
                       <a14:brightnessContrast bright="40000" contrast="40000"/>
                     </a14:imgEffect>
@@ -34199,6 +35107,32 @@
             <a:r>
               <a:rPr lang="fr-FR" sz="2400" dirty="0"/>
               <a:t>TLS</a:t>
+            </a:r>
+          </a:p>
+          <a:p>
+            <a:r>
+              <a:rPr lang="fr-FR" sz="2400" dirty="0" err="1"/>
+              <a:t>Tripwire</a:t>
+            </a:r>
+            <a:r>
+              <a:rPr lang="fr-FR" sz="2400" dirty="0"/>
+              <a:t> (</a:t>
+            </a:r>
+            <a:r>
+              <a:rPr lang="fr-FR" sz="2400" dirty="0" err="1"/>
+              <a:t>binaries</a:t>
+            </a:r>
+            <a:r>
+              <a:rPr lang="fr-FR" sz="2400" dirty="0"/>
+              <a:t> </a:t>
+            </a:r>
+            <a:r>
+              <a:rPr lang="fr-FR" sz="2400" dirty="0" err="1"/>
+              <a:t>integrity</a:t>
+            </a:r>
+            <a:r>
+              <a:rPr lang="fr-FR" sz="2400" dirty="0"/>
+              <a:t>)</a:t>
             </a:r>
           </a:p>
           <a:p>
